--- a/docs/ppt/Final Presentation.pptx
+++ b/docs/ppt/Final Presentation.pptx
@@ -12341,12 +12341,12 @@
               <a:buNone/>
             </a:pPr>
             <a:r>
-              <a:rPr lang="en-US" sz="2400">
+              <a:rPr lang="en-US" sz="2400" dirty="0">
                 <a:latin typeface=""/>
               </a:rPr>
               <a:t>Deployment of the algorithm on a webpage - to allow users to tune the hyperparameters of the model.</a:t>
             </a:r>
-            <a:endParaRPr lang="en-US" sz="2400">
+            <a:endParaRPr lang="en-US" sz="2400" dirty="0">
               <a:solidFill>
                 <a:schemeClr val="bg1">
                   <a:lumMod val="50000"/>
@@ -12359,7 +12359,7 @@
             <a:pPr marL="0" indent="0">
               <a:buNone/>
             </a:pPr>
-            <a:endParaRPr lang="en-US" sz="2400" b="1">
+            <a:endParaRPr lang="en-US" sz="2400" b="1" dirty="0">
               <a:latin typeface=""/>
             </a:endParaRPr>
           </a:p>
@@ -12368,7 +12368,7 @@
               <a:buNone/>
             </a:pPr>
             <a:r>
-              <a:rPr lang="en-US" sz="2400" b="1">
+              <a:rPr lang="en-US" sz="2400" b="1" dirty="0">
                 <a:solidFill>
                   <a:srgbClr val="0070C0"/>
                 </a:solidFill>
@@ -12379,7 +12379,7 @@
           </a:p>
           <a:p>
             <a:r>
-              <a:rPr lang="en-US" sz="2400">
+              <a:rPr lang="en-US" sz="2400" dirty="0">
                 <a:latin typeface=""/>
               </a:rPr>
               <a:t>Ability to navigate through the obstacles and move forward. </a:t>
@@ -12387,7 +12387,7 @@
           </a:p>
           <a:p>
             <a:r>
-              <a:rPr lang="en-US" sz="2400">
+              <a:rPr lang="en-US" sz="2400" dirty="0">
                 <a:latin typeface=""/>
               </a:rPr>
               <a:t>Option to select a background color to hide spoilers (only in Hidden Mode).</a:t>
@@ -12397,7 +12397,7 @@
             <a:pPr marL="0" indent="0">
               <a:buNone/>
             </a:pPr>
-            <a:endParaRPr lang="en-US" sz="2400" b="1">
+            <a:endParaRPr lang="en-US" sz="2400" b="1" dirty="0">
               <a:latin typeface=""/>
               <a:cs typeface="Calibri"/>
             </a:endParaRPr>
@@ -12407,7 +12407,7 @@
               <a:buNone/>
             </a:pPr>
             <a:r>
-              <a:rPr lang="en-US" sz="2400" b="1">
+              <a:rPr lang="en-US" sz="2400" b="1" dirty="0">
                 <a:solidFill>
                   <a:srgbClr val="0070C0"/>
                 </a:solidFill>
@@ -12419,7 +12419,7 @@
           </a:p>
           <a:p>
             <a:r>
-              <a:rPr lang="en-US" sz="2400">
+              <a:rPr lang="en-US" sz="2400" dirty="0">
                 <a:latin typeface=""/>
                 <a:cs typeface="Calibri"/>
               </a:rPr>

--- a/docs/ppt/Final Presentation.pptx
+++ b/docs/ppt/Final Presentation.pptx
@@ -12,9 +12,9 @@
     <p:sldId id="257" r:id="rId6"/>
     <p:sldId id="258" r:id="rId7"/>
     <p:sldId id="259" r:id="rId8"/>
-    <p:sldId id="267" r:id="rId9"/>
-    <p:sldId id="265" r:id="rId10"/>
-    <p:sldId id="262" r:id="rId11"/>
+    <p:sldId id="265" r:id="rId9"/>
+    <p:sldId id="262" r:id="rId10"/>
+    <p:sldId id="270" r:id="rId11"/>
     <p:sldId id="269" r:id="rId12"/>
   </p:sldIdLst>
   <p:sldSz cx="12192000" cy="6858000"/>
@@ -122,6 +122,295 @@
 </p:presentation>
 </file>
 
+<file path=ppt/revisionInfo.xml><?xml version="1.0" encoding="utf-8"?>
+<p1510:revInfo xmlns:a="http://schemas.openxmlformats.org/drawingml/2006/main" xmlns:r="http://schemas.openxmlformats.org/officeDocument/2006/relationships" xmlns:p1510="http://schemas.microsoft.com/office/powerpoint/2015/10/main">
+  <p1510:revLst>
+    <p1510:client id="{03EE88F5-60A4-B447-8AF9-E53917BB1827}" v="33" dt="2022-04-19T22:38:20.234"/>
+  </p1510:revLst>
+</p1510:revInfo>
+</file>
+
+<file path=ppt/changesInfos/changesInfo1.xml><?xml version="1.0" encoding="utf-8"?>
+<pc:chgInfo xmlns:a="http://schemas.openxmlformats.org/drawingml/2006/main" xmlns:r="http://schemas.openxmlformats.org/officeDocument/2006/relationships" xmlns:ac="http://schemas.microsoft.com/office/drawing/2013/main/command" xmlns:pc="http://schemas.microsoft.com/office/powerpoint/2013/main/command">
+  <pc:docChgLst>
+    <pc:chgData name="Raj Dholakia" userId="fe24f8bd-2cac-41d0-937b-28eb3fbbe759" providerId="ADAL" clId="{03EE88F5-60A4-B447-8AF9-E53917BB1827}"/>
+    <pc:docChg chg="undo redo custSel addSld delSld modSld">
+      <pc:chgData name="Raj Dholakia" userId="fe24f8bd-2cac-41d0-937b-28eb3fbbe759" providerId="ADAL" clId="{03EE88F5-60A4-B447-8AF9-E53917BB1827}" dt="2022-04-19T22:39:10.225" v="1565" actId="20577"/>
+      <pc:docMkLst>
+        <pc:docMk/>
+      </pc:docMkLst>
+      <pc:sldChg chg="addSp modSp mod">
+        <pc:chgData name="Raj Dholakia" userId="fe24f8bd-2cac-41d0-937b-28eb3fbbe759" providerId="ADAL" clId="{03EE88F5-60A4-B447-8AF9-E53917BB1827}" dt="2022-04-19T22:31:34.604" v="1490" actId="1076"/>
+        <pc:sldMkLst>
+          <pc:docMk/>
+          <pc:sldMk cId="1676701470" sldId="257"/>
+        </pc:sldMkLst>
+        <pc:spChg chg="add mod">
+          <ac:chgData name="Raj Dholakia" userId="fe24f8bd-2cac-41d0-937b-28eb3fbbe759" providerId="ADAL" clId="{03EE88F5-60A4-B447-8AF9-E53917BB1827}" dt="2022-04-19T22:31:34.604" v="1490" actId="1076"/>
+          <ac:spMkLst>
+            <pc:docMk/>
+            <pc:sldMk cId="1676701470" sldId="257"/>
+            <ac:spMk id="6" creationId="{385520A1-15AC-9ED5-7E58-495C44D2C509}"/>
+          </ac:spMkLst>
+        </pc:spChg>
+        <pc:graphicFrameChg chg="mod">
+          <ac:chgData name="Raj Dholakia" userId="fe24f8bd-2cac-41d0-937b-28eb3fbbe759" providerId="ADAL" clId="{03EE88F5-60A4-B447-8AF9-E53917BB1827}" dt="2022-04-19T22:30:44.269" v="1488" actId="20577"/>
+          <ac:graphicFrameMkLst>
+            <pc:docMk/>
+            <pc:sldMk cId="1676701470" sldId="257"/>
+            <ac:graphicFrameMk id="8" creationId="{3FF4FBAE-4715-47F9-8D09-5E829B41307B}"/>
+          </ac:graphicFrameMkLst>
+        </pc:graphicFrameChg>
+        <pc:picChg chg="add mod">
+          <ac:chgData name="Raj Dholakia" userId="fe24f8bd-2cac-41d0-937b-28eb3fbbe759" providerId="ADAL" clId="{03EE88F5-60A4-B447-8AF9-E53917BB1827}" dt="2022-04-19T22:31:34.604" v="1490" actId="1076"/>
+          <ac:picMkLst>
+            <pc:docMk/>
+            <pc:sldMk cId="1676701470" sldId="257"/>
+            <ac:picMk id="4" creationId="{8A0C9F3C-3209-DA34-F908-E465E0337193}"/>
+          </ac:picMkLst>
+        </pc:picChg>
+      </pc:sldChg>
+      <pc:sldChg chg="modSp mod">
+        <pc:chgData name="Raj Dholakia" userId="fe24f8bd-2cac-41d0-937b-28eb3fbbe759" providerId="ADAL" clId="{03EE88F5-60A4-B447-8AF9-E53917BB1827}" dt="2022-04-19T22:30:14.624" v="1486" actId="20577"/>
+        <pc:sldMkLst>
+          <pc:docMk/>
+          <pc:sldMk cId="2093958423" sldId="259"/>
+        </pc:sldMkLst>
+        <pc:spChg chg="mod">
+          <ac:chgData name="Raj Dholakia" userId="fe24f8bd-2cac-41d0-937b-28eb3fbbe759" providerId="ADAL" clId="{03EE88F5-60A4-B447-8AF9-E53917BB1827}" dt="2022-04-19T22:30:14.624" v="1486" actId="20577"/>
+          <ac:spMkLst>
+            <pc:docMk/>
+            <pc:sldMk cId="2093958423" sldId="259"/>
+            <ac:spMk id="3" creationId="{57C76BD7-5D26-4FC3-B9EB-79B382DC027C}"/>
+          </ac:spMkLst>
+        </pc:spChg>
+      </pc:sldChg>
+      <pc:sldChg chg="addSp delSp modSp mod setBg">
+        <pc:chgData name="Raj Dholakia" userId="fe24f8bd-2cac-41d0-937b-28eb3fbbe759" providerId="ADAL" clId="{03EE88F5-60A4-B447-8AF9-E53917BB1827}" dt="2022-04-19T22:36:31.477" v="1543" actId="478"/>
+        <pc:sldMkLst>
+          <pc:docMk/>
+          <pc:sldMk cId="1499119944" sldId="262"/>
+        </pc:sldMkLst>
+        <pc:spChg chg="mod">
+          <ac:chgData name="Raj Dholakia" userId="fe24f8bd-2cac-41d0-937b-28eb3fbbe759" providerId="ADAL" clId="{03EE88F5-60A4-B447-8AF9-E53917BB1827}" dt="2022-04-19T22:33:39.191" v="1511" actId="20577"/>
+          <ac:spMkLst>
+            <pc:docMk/>
+            <pc:sldMk cId="1499119944" sldId="262"/>
+            <ac:spMk id="2" creationId="{91E5199F-6DCC-40B3-8B1E-8BCAD4CBB0D7}"/>
+          </ac:spMkLst>
+        </pc:spChg>
+        <pc:spChg chg="add del mod">
+          <ac:chgData name="Raj Dholakia" userId="fe24f8bd-2cac-41d0-937b-28eb3fbbe759" providerId="ADAL" clId="{03EE88F5-60A4-B447-8AF9-E53917BB1827}" dt="2022-04-19T22:33:24.332" v="1504" actId="26606"/>
+          <ac:spMkLst>
+            <pc:docMk/>
+            <pc:sldMk cId="1499119944" sldId="262"/>
+            <ac:spMk id="3" creationId="{C6F3D525-EAB3-4E0E-97FB-6C1555B7BEED}"/>
+          </ac:spMkLst>
+        </pc:spChg>
+        <pc:spChg chg="add">
+          <ac:chgData name="Raj Dholakia" userId="fe24f8bd-2cac-41d0-937b-28eb3fbbe759" providerId="ADAL" clId="{03EE88F5-60A4-B447-8AF9-E53917BB1827}" dt="2022-04-19T22:33:24.332" v="1504" actId="26606"/>
+          <ac:spMkLst>
+            <pc:docMk/>
+            <pc:sldMk cId="1499119944" sldId="262"/>
+            <ac:spMk id="9" creationId="{BACC6370-2D7E-4714-9D71-7542949D7D5D}"/>
+          </ac:spMkLst>
+        </pc:spChg>
+        <pc:spChg chg="add">
+          <ac:chgData name="Raj Dholakia" userId="fe24f8bd-2cac-41d0-937b-28eb3fbbe759" providerId="ADAL" clId="{03EE88F5-60A4-B447-8AF9-E53917BB1827}" dt="2022-04-19T22:33:24.332" v="1504" actId="26606"/>
+          <ac:spMkLst>
+            <pc:docMk/>
+            <pc:sldMk cId="1499119944" sldId="262"/>
+            <ac:spMk id="11" creationId="{F68B3F68-107C-434F-AA38-110D5EA91B85}"/>
+          </ac:spMkLst>
+        </pc:spChg>
+        <pc:spChg chg="add">
+          <ac:chgData name="Raj Dholakia" userId="fe24f8bd-2cac-41d0-937b-28eb3fbbe759" providerId="ADAL" clId="{03EE88F5-60A4-B447-8AF9-E53917BB1827}" dt="2022-04-19T22:33:24.332" v="1504" actId="26606"/>
+          <ac:spMkLst>
+            <pc:docMk/>
+            <pc:sldMk cId="1499119944" sldId="262"/>
+            <ac:spMk id="13" creationId="{AAD0DBB9-1A4B-4391-81D4-CB19F9AB918A}"/>
+          </ac:spMkLst>
+        </pc:spChg>
+        <pc:spChg chg="add">
+          <ac:chgData name="Raj Dholakia" userId="fe24f8bd-2cac-41d0-937b-28eb3fbbe759" providerId="ADAL" clId="{03EE88F5-60A4-B447-8AF9-E53917BB1827}" dt="2022-04-19T22:33:24.332" v="1504" actId="26606"/>
+          <ac:spMkLst>
+            <pc:docMk/>
+            <pc:sldMk cId="1499119944" sldId="262"/>
+            <ac:spMk id="15" creationId="{063BBA22-50EA-4C4D-BE05-F1CE4E63AA56}"/>
+          </ac:spMkLst>
+        </pc:spChg>
+        <pc:spChg chg="mod">
+          <ac:chgData name="Raj Dholakia" userId="fe24f8bd-2cac-41d0-937b-28eb3fbbe759" providerId="ADAL" clId="{03EE88F5-60A4-B447-8AF9-E53917BB1827}" dt="2022-04-19T22:34:10.656" v="1514"/>
+          <ac:spMkLst>
+            <pc:docMk/>
+            <pc:sldMk cId="1499119944" sldId="262"/>
+            <ac:spMk id="17" creationId="{68B86701-4C78-8E35-DC05-5DC11745BC7E}"/>
+          </ac:spMkLst>
+        </pc:spChg>
+        <pc:grpChg chg="add del">
+          <ac:chgData name="Raj Dholakia" userId="fe24f8bd-2cac-41d0-937b-28eb3fbbe759" providerId="ADAL" clId="{03EE88F5-60A4-B447-8AF9-E53917BB1827}" dt="2022-04-19T22:33:08.559" v="1503" actId="21"/>
+          <ac:grpSpMkLst>
+            <pc:docMk/>
+            <pc:sldMk cId="1499119944" sldId="262"/>
+            <ac:grpSpMk id="6" creationId="{2E4E6597-2953-ED4C-B239-EED471D7963A}"/>
+          </ac:grpSpMkLst>
+        </pc:grpChg>
+        <pc:grpChg chg="add mod">
+          <ac:chgData name="Raj Dholakia" userId="fe24f8bd-2cac-41d0-937b-28eb3fbbe759" providerId="ADAL" clId="{03EE88F5-60A4-B447-8AF9-E53917BB1827}" dt="2022-04-19T22:34:10.656" v="1514"/>
+          <ac:grpSpMkLst>
+            <pc:docMk/>
+            <pc:sldMk cId="1499119944" sldId="262"/>
+            <ac:grpSpMk id="14" creationId="{E38C4955-F973-09F2-B101-7A9BFFB7E7BB}"/>
+          </ac:grpSpMkLst>
+        </pc:grpChg>
+        <pc:graphicFrameChg chg="add del mod">
+          <ac:chgData name="Raj Dholakia" userId="fe24f8bd-2cac-41d0-937b-28eb3fbbe759" providerId="ADAL" clId="{03EE88F5-60A4-B447-8AF9-E53917BB1827}" dt="2022-04-19T22:32:46.335" v="1494" actId="12084"/>
+          <ac:graphicFrameMkLst>
+            <pc:docMk/>
+            <pc:sldMk cId="1499119944" sldId="262"/>
+            <ac:graphicFrameMk id="4" creationId="{7FD5C9B9-A8FE-2087-EA50-756B4B11F21E}"/>
+          </ac:graphicFrameMkLst>
+        </pc:graphicFrameChg>
+        <pc:graphicFrameChg chg="add mod">
+          <ac:chgData name="Raj Dholakia" userId="fe24f8bd-2cac-41d0-937b-28eb3fbbe759" providerId="ADAL" clId="{03EE88F5-60A4-B447-8AF9-E53917BB1827}" dt="2022-04-19T22:33:54.927" v="1513" actId="20577"/>
+          <ac:graphicFrameMkLst>
+            <pc:docMk/>
+            <pc:sldMk cId="1499119944" sldId="262"/>
+            <ac:graphicFrameMk id="5" creationId="{08E2922E-E4E9-738C-50B2-164E68A33733}"/>
+          </ac:graphicFrameMkLst>
+        </pc:graphicFrameChg>
+        <pc:picChg chg="mod">
+          <ac:chgData name="Raj Dholakia" userId="fe24f8bd-2cac-41d0-937b-28eb3fbbe759" providerId="ADAL" clId="{03EE88F5-60A4-B447-8AF9-E53917BB1827}" dt="2022-04-19T22:36:07.814" v="1541" actId="14100"/>
+          <ac:picMkLst>
+            <pc:docMk/>
+            <pc:sldMk cId="1499119944" sldId="262"/>
+            <ac:picMk id="16" creationId="{15D427E6-A13D-CAFB-A5BA-A8839DEC8B34}"/>
+          </ac:picMkLst>
+        </pc:picChg>
+        <pc:cxnChg chg="del mod">
+          <ac:chgData name="Raj Dholakia" userId="fe24f8bd-2cac-41d0-937b-28eb3fbbe759" providerId="ADAL" clId="{03EE88F5-60A4-B447-8AF9-E53917BB1827}" dt="2022-04-19T22:36:31.477" v="1543" actId="478"/>
+          <ac:cxnSpMkLst>
+            <pc:docMk/>
+            <pc:sldMk cId="1499119944" sldId="262"/>
+            <ac:cxnSpMk id="18" creationId="{ACFCC642-EB52-6814-0F33-9200AF610CE1}"/>
+          </ac:cxnSpMkLst>
+        </pc:cxnChg>
+        <pc:cxnChg chg="del mod">
+          <ac:chgData name="Raj Dholakia" userId="fe24f8bd-2cac-41d0-937b-28eb3fbbe759" providerId="ADAL" clId="{03EE88F5-60A4-B447-8AF9-E53917BB1827}" dt="2022-04-19T22:36:31.477" v="1543" actId="478"/>
+          <ac:cxnSpMkLst>
+            <pc:docMk/>
+            <pc:sldMk cId="1499119944" sldId="262"/>
+            <ac:cxnSpMk id="19" creationId="{238C1A7C-28AB-72CB-A3F2-854D3DB28AA4}"/>
+          </ac:cxnSpMkLst>
+        </pc:cxnChg>
+      </pc:sldChg>
+      <pc:sldChg chg="modSp del mod">
+        <pc:chgData name="Raj Dholakia" userId="fe24f8bd-2cac-41d0-937b-28eb3fbbe759" providerId="ADAL" clId="{03EE88F5-60A4-B447-8AF9-E53917BB1827}" dt="2022-04-19T22:30:35.866" v="1487" actId="2696"/>
+        <pc:sldMkLst>
+          <pc:docMk/>
+          <pc:sldMk cId="372409467" sldId="267"/>
+        </pc:sldMkLst>
+        <pc:spChg chg="mod">
+          <ac:chgData name="Raj Dholakia" userId="fe24f8bd-2cac-41d0-937b-28eb3fbbe759" providerId="ADAL" clId="{03EE88F5-60A4-B447-8AF9-E53917BB1827}" dt="2022-04-19T22:19:21.483" v="1024" actId="20577"/>
+          <ac:spMkLst>
+            <pc:docMk/>
+            <pc:sldMk cId="372409467" sldId="267"/>
+            <ac:spMk id="3" creationId="{0045600C-8B81-4BF9-BBBD-8B6BFD859E21}"/>
+          </ac:spMkLst>
+        </pc:spChg>
+      </pc:sldChg>
+      <pc:sldChg chg="addSp delSp modSp new mod setBg setClrOvrMap">
+        <pc:chgData name="Raj Dholakia" userId="fe24f8bd-2cac-41d0-937b-28eb3fbbe759" providerId="ADAL" clId="{03EE88F5-60A4-B447-8AF9-E53917BB1827}" dt="2022-04-19T22:39:10.225" v="1565" actId="20577"/>
+        <pc:sldMkLst>
+          <pc:docMk/>
+          <pc:sldMk cId="210669657" sldId="270"/>
+        </pc:sldMkLst>
+        <pc:spChg chg="mod">
+          <ac:chgData name="Raj Dholakia" userId="fe24f8bd-2cac-41d0-937b-28eb3fbbe759" providerId="ADAL" clId="{03EE88F5-60A4-B447-8AF9-E53917BB1827}" dt="2022-04-19T22:39:10.225" v="1565" actId="20577"/>
+          <ac:spMkLst>
+            <pc:docMk/>
+            <pc:sldMk cId="210669657" sldId="270"/>
+            <ac:spMk id="2" creationId="{C4379292-7E30-6CAC-6D5C-47647CB97600}"/>
+          </ac:spMkLst>
+        </pc:spChg>
+        <pc:spChg chg="del">
+          <ac:chgData name="Raj Dholakia" userId="fe24f8bd-2cac-41d0-937b-28eb3fbbe759" providerId="ADAL" clId="{03EE88F5-60A4-B447-8AF9-E53917BB1827}" dt="2022-04-19T22:37:59.987" v="1554" actId="931"/>
+          <ac:spMkLst>
+            <pc:docMk/>
+            <pc:sldMk cId="210669657" sldId="270"/>
+            <ac:spMk id="3" creationId="{3A1A17AE-4FBA-EF49-2A36-1F924132A059}"/>
+          </ac:spMkLst>
+        </pc:spChg>
+        <pc:spChg chg="add mod ord">
+          <ac:chgData name="Raj Dholakia" userId="fe24f8bd-2cac-41d0-937b-28eb3fbbe759" providerId="ADAL" clId="{03EE88F5-60A4-B447-8AF9-E53917BB1827}" dt="2022-04-19T22:39:03.013" v="1564" actId="26606"/>
+          <ac:spMkLst>
+            <pc:docMk/>
+            <pc:sldMk cId="210669657" sldId="270"/>
+            <ac:spMk id="6" creationId="{9D6D0421-F857-8FB3-BF9E-B6080ED21941}"/>
+          </ac:spMkLst>
+        </pc:spChg>
+        <pc:spChg chg="add mod">
+          <ac:chgData name="Raj Dholakia" userId="fe24f8bd-2cac-41d0-937b-28eb3fbbe759" providerId="ADAL" clId="{03EE88F5-60A4-B447-8AF9-E53917BB1827}" dt="2022-04-19T22:39:03.013" v="1564" actId="26606"/>
+          <ac:spMkLst>
+            <pc:docMk/>
+            <pc:sldMk cId="210669657" sldId="270"/>
+            <ac:spMk id="9" creationId="{43E0B589-BA7D-A658-7371-B0E933619A4A}"/>
+          </ac:spMkLst>
+        </pc:spChg>
+        <pc:spChg chg="add">
+          <ac:chgData name="Raj Dholakia" userId="fe24f8bd-2cac-41d0-937b-28eb3fbbe759" providerId="ADAL" clId="{03EE88F5-60A4-B447-8AF9-E53917BB1827}" dt="2022-04-19T22:39:03.013" v="1564" actId="26606"/>
+          <ac:spMkLst>
+            <pc:docMk/>
+            <pc:sldMk cId="210669657" sldId="270"/>
+            <ac:spMk id="21" creationId="{823AC064-BC96-4F32-8AE1-B2FD38754823}"/>
+          </ac:spMkLst>
+        </pc:spChg>
+        <pc:picChg chg="add mod ord">
+          <ac:chgData name="Raj Dholakia" userId="fe24f8bd-2cac-41d0-937b-28eb3fbbe759" providerId="ADAL" clId="{03EE88F5-60A4-B447-8AF9-E53917BB1827}" dt="2022-04-19T22:39:03.013" v="1564" actId="26606"/>
+          <ac:picMkLst>
+            <pc:docMk/>
+            <pc:sldMk cId="210669657" sldId="270"/>
+            <ac:picMk id="5" creationId="{1C13AB4B-835B-1630-9EE5-6BFF200D9F48}"/>
+          </ac:picMkLst>
+        </pc:picChg>
+        <pc:picChg chg="add mod">
+          <ac:chgData name="Raj Dholakia" userId="fe24f8bd-2cac-41d0-937b-28eb3fbbe759" providerId="ADAL" clId="{03EE88F5-60A4-B447-8AF9-E53917BB1827}" dt="2022-04-19T22:39:03.013" v="1564" actId="26606"/>
+          <ac:picMkLst>
+            <pc:docMk/>
+            <pc:sldMk cId="210669657" sldId="270"/>
+            <ac:picMk id="8" creationId="{1064DC68-2224-02F2-7D0A-B893007FDDA6}"/>
+          </ac:picMkLst>
+        </pc:picChg>
+        <pc:cxnChg chg="add del">
+          <ac:chgData name="Raj Dholakia" userId="fe24f8bd-2cac-41d0-937b-28eb3fbbe759" providerId="ADAL" clId="{03EE88F5-60A4-B447-8AF9-E53917BB1827}" dt="2022-04-19T22:39:03.013" v="1564" actId="26606"/>
+          <ac:cxnSpMkLst>
+            <pc:docMk/>
+            <pc:sldMk cId="210669657" sldId="270"/>
+            <ac:cxnSpMk id="14" creationId="{3D83F26F-C55B-4A92-9AFF-4894D14E27C5}"/>
+          </ac:cxnSpMkLst>
+        </pc:cxnChg>
+        <pc:cxnChg chg="add">
+          <ac:chgData name="Raj Dholakia" userId="fe24f8bd-2cac-41d0-937b-28eb3fbbe759" providerId="ADAL" clId="{03EE88F5-60A4-B447-8AF9-E53917BB1827}" dt="2022-04-19T22:39:03.013" v="1564" actId="26606"/>
+          <ac:cxnSpMkLst>
+            <pc:docMk/>
+            <pc:sldMk cId="210669657" sldId="270"/>
+            <ac:cxnSpMk id="19" creationId="{DB146403-F3D6-484B-B2ED-97F9565D0370}"/>
+          </ac:cxnSpMkLst>
+        </pc:cxnChg>
+        <pc:cxnChg chg="add">
+          <ac:chgData name="Raj Dholakia" userId="fe24f8bd-2cac-41d0-937b-28eb3fbbe759" providerId="ADAL" clId="{03EE88F5-60A4-B447-8AF9-E53917BB1827}" dt="2022-04-19T22:39:03.013" v="1564" actId="26606"/>
+          <ac:cxnSpMkLst>
+            <pc:docMk/>
+            <pc:sldMk cId="210669657" sldId="270"/>
+            <ac:cxnSpMk id="23" creationId="{7E7C77BC-7138-40B1-A15B-20F57A494629}"/>
+          </ac:cxnSpMkLst>
+        </pc:cxnChg>
+      </pc:sldChg>
+    </pc:docChg>
+  </pc:docChgLst>
+</pc:chgInfo>
+</file>
+
 <file path=ppt/diagrams/colors1.xml><?xml version="1.0" encoding="utf-8"?>
 <dgm:colorsDef xmlns:dgm="http://schemas.openxmlformats.org/drawingml/2006/diagram" xmlns:a="http://schemas.openxmlformats.org/drawingml/2006/main" uniqueId="urn:microsoft.com/office/officeart/2005/8/colors/colorful1">
   <dgm:title val=""/>
@@ -959,6 +1248,927 @@
     <dgm:fillClrLst meth="repeat">
       <a:schemeClr val="accent2">
         <a:tint val="40000"/>
+      </a:schemeClr>
+    </dgm:fillClrLst>
+    <dgm:linClrLst meth="repeat">
+      <a:schemeClr val="dk1"/>
+    </dgm:linClrLst>
+    <dgm:effectClrLst/>
+    <dgm:txLinClrLst/>
+    <dgm:txFillClrLst meth="repeat">
+      <a:schemeClr val="dk1"/>
+    </dgm:txFillClrLst>
+    <dgm:txEffectClrLst/>
+  </dgm:styleLbl>
+  <dgm:styleLbl name="dkBgShp">
+    <dgm:fillClrLst meth="repeat">
+      <a:schemeClr val="accent2">
+        <a:shade val="90000"/>
+      </a:schemeClr>
+    </dgm:fillClrLst>
+    <dgm:linClrLst meth="repeat">
+      <a:schemeClr val="dk1"/>
+    </dgm:linClrLst>
+    <dgm:effectClrLst/>
+    <dgm:txLinClrLst/>
+    <dgm:txFillClrLst meth="repeat">
+      <a:schemeClr val="lt1"/>
+    </dgm:txFillClrLst>
+    <dgm:txEffectClrLst/>
+  </dgm:styleLbl>
+  <dgm:styleLbl name="trBgShp">
+    <dgm:fillClrLst meth="repeat">
+      <a:schemeClr val="accent1">
+        <a:tint val="50000"/>
+        <a:alpha val="40000"/>
+      </a:schemeClr>
+    </dgm:fillClrLst>
+    <dgm:linClrLst meth="repeat">
+      <a:schemeClr val="accent2"/>
+    </dgm:linClrLst>
+    <dgm:effectClrLst/>
+    <dgm:txLinClrLst/>
+    <dgm:txFillClrLst meth="repeat">
+      <a:schemeClr val="lt1"/>
+    </dgm:txFillClrLst>
+    <dgm:txEffectClrLst/>
+  </dgm:styleLbl>
+  <dgm:styleLbl name="fgShp">
+    <dgm:fillClrLst meth="repeat">
+      <a:schemeClr val="accent2">
+        <a:tint val="40000"/>
+      </a:schemeClr>
+    </dgm:fillClrLst>
+    <dgm:linClrLst meth="repeat">
+      <a:schemeClr val="lt1"/>
+    </dgm:linClrLst>
+    <dgm:effectClrLst/>
+    <dgm:txLinClrLst/>
+    <dgm:txFillClrLst meth="repeat">
+      <a:schemeClr val="dk1"/>
+    </dgm:txFillClrLst>
+    <dgm:txEffectClrLst/>
+  </dgm:styleLbl>
+  <dgm:styleLbl name="revTx">
+    <dgm:fillClrLst meth="repeat">
+      <a:schemeClr val="lt1">
+        <a:alpha val="0"/>
+      </a:schemeClr>
+    </dgm:fillClrLst>
+    <dgm:linClrLst meth="repeat">
+      <a:schemeClr val="dk1">
+        <a:alpha val="0"/>
+      </a:schemeClr>
+    </dgm:linClrLst>
+    <dgm:effectClrLst/>
+    <dgm:txLinClrLst/>
+    <dgm:txFillClrLst meth="repeat">
+      <a:schemeClr val="tx1"/>
+    </dgm:txFillClrLst>
+    <dgm:txEffectClrLst/>
+  </dgm:styleLbl>
+</dgm:colorsDef>
+</file>
+
+<file path=ppt/diagrams/colors2.xml><?xml version="1.0" encoding="utf-8"?>
+<dgm:colorsDef xmlns:dgm="http://schemas.openxmlformats.org/drawingml/2006/diagram" xmlns:a="http://schemas.openxmlformats.org/drawingml/2006/main" uniqueId="urn:microsoft.com/office/officeart/2018/5/colors/Iconchunking_neutralbg_colorful1">
+  <dgm:title val=""/>
+  <dgm:desc val=""/>
+  <dgm:catLst>
+    <dgm:cat type="colorful" pri="10100"/>
+  </dgm:catLst>
+  <dgm:styleLbl name="node0">
+    <dgm:fillClrLst meth="repeat">
+      <a:schemeClr val="accent1"/>
+    </dgm:fillClrLst>
+    <dgm:linClrLst meth="repeat">
+      <a:schemeClr val="lt1"/>
+    </dgm:linClrLst>
+    <dgm:effectClrLst/>
+    <dgm:txLinClrLst/>
+    <dgm:txFillClrLst/>
+    <dgm:txEffectClrLst/>
+  </dgm:styleLbl>
+  <dgm:styleLbl name="node1">
+    <dgm:fillClrLst meth="repeat">
+      <a:schemeClr val="accent2"/>
+      <a:schemeClr val="accent3"/>
+      <a:schemeClr val="accent4"/>
+      <a:schemeClr val="accent5"/>
+      <a:schemeClr val="accent6"/>
+    </dgm:fillClrLst>
+    <dgm:linClrLst meth="repeat">
+      <a:schemeClr val="lt1">
+        <a:alpha val="0"/>
+      </a:schemeClr>
+    </dgm:linClrLst>
+    <dgm:effectClrLst/>
+    <dgm:txLinClrLst/>
+    <dgm:txFillClrLst/>
+    <dgm:txEffectClrLst/>
+  </dgm:styleLbl>
+  <dgm:styleLbl name="alignNode1">
+    <dgm:fillClrLst meth="repeat">
+      <a:schemeClr val="accent2"/>
+      <a:schemeClr val="accent3"/>
+      <a:schemeClr val="accent4"/>
+      <a:schemeClr val="accent5"/>
+      <a:schemeClr val="accent6"/>
+    </dgm:fillClrLst>
+    <dgm:linClrLst meth="repeat">
+      <a:schemeClr val="accent2"/>
+      <a:schemeClr val="accent3"/>
+      <a:schemeClr val="accent4"/>
+      <a:schemeClr val="accent5"/>
+      <a:schemeClr val="accent6"/>
+    </dgm:linClrLst>
+    <dgm:effectClrLst/>
+    <dgm:txLinClrLst/>
+    <dgm:txFillClrLst/>
+    <dgm:txEffectClrLst/>
+  </dgm:styleLbl>
+  <dgm:styleLbl name="lnNode1">
+    <dgm:fillClrLst meth="repeat">
+      <a:schemeClr val="accent2"/>
+      <a:schemeClr val="accent3"/>
+      <a:schemeClr val="accent4"/>
+      <a:schemeClr val="accent5"/>
+      <a:schemeClr val="accent6"/>
+    </dgm:fillClrLst>
+    <dgm:linClrLst meth="repeat">
+      <a:schemeClr val="lt1"/>
+    </dgm:linClrLst>
+    <dgm:effectClrLst/>
+    <dgm:txLinClrLst/>
+    <dgm:txFillClrLst/>
+    <dgm:txEffectClrLst/>
+  </dgm:styleLbl>
+  <dgm:styleLbl name="vennNode1">
+    <dgm:fillClrLst meth="repeat">
+      <a:schemeClr val="accent2">
+        <a:alpha val="50000"/>
+      </a:schemeClr>
+      <a:schemeClr val="accent3">
+        <a:alpha val="50000"/>
+      </a:schemeClr>
+      <a:schemeClr val="accent4">
+        <a:alpha val="50000"/>
+      </a:schemeClr>
+      <a:schemeClr val="accent5">
+        <a:alpha val="50000"/>
+      </a:schemeClr>
+      <a:schemeClr val="accent6">
+        <a:alpha val="50000"/>
+      </a:schemeClr>
+    </dgm:fillClrLst>
+    <dgm:linClrLst meth="repeat">
+      <a:schemeClr val="lt1"/>
+    </dgm:linClrLst>
+    <dgm:effectClrLst/>
+    <dgm:txLinClrLst/>
+    <dgm:txFillClrLst/>
+    <dgm:txEffectClrLst/>
+  </dgm:styleLbl>
+  <dgm:styleLbl name="node2">
+    <dgm:fillClrLst>
+      <a:schemeClr val="accent2"/>
+    </dgm:fillClrLst>
+    <dgm:linClrLst meth="repeat">
+      <a:schemeClr val="lt1"/>
+    </dgm:linClrLst>
+    <dgm:effectClrLst/>
+    <dgm:txLinClrLst/>
+    <dgm:txFillClrLst/>
+    <dgm:txEffectClrLst/>
+  </dgm:styleLbl>
+  <dgm:styleLbl name="node3">
+    <dgm:fillClrLst>
+      <a:schemeClr val="accent3"/>
+    </dgm:fillClrLst>
+    <dgm:linClrLst meth="repeat">
+      <a:schemeClr val="lt1"/>
+    </dgm:linClrLst>
+    <dgm:effectClrLst/>
+    <dgm:txLinClrLst/>
+    <dgm:txFillClrLst/>
+    <dgm:txEffectClrLst/>
+  </dgm:styleLbl>
+  <dgm:styleLbl name="node4">
+    <dgm:fillClrLst>
+      <a:schemeClr val="accent4"/>
+    </dgm:fillClrLst>
+    <dgm:linClrLst meth="repeat">
+      <a:schemeClr val="lt1"/>
+    </dgm:linClrLst>
+    <dgm:effectClrLst/>
+    <dgm:txLinClrLst/>
+    <dgm:txFillClrLst/>
+    <dgm:txEffectClrLst/>
+  </dgm:styleLbl>
+  <dgm:styleLbl name="fgImgPlace1">
+    <dgm:fillClrLst meth="repeat">
+      <a:schemeClr val="accent2">
+        <a:tint val="50000"/>
+      </a:schemeClr>
+      <a:schemeClr val="accent3">
+        <a:tint val="50000"/>
+      </a:schemeClr>
+      <a:schemeClr val="accent4">
+        <a:tint val="50000"/>
+      </a:schemeClr>
+      <a:schemeClr val="accent5">
+        <a:tint val="50000"/>
+      </a:schemeClr>
+      <a:schemeClr val="accent6">
+        <a:tint val="50000"/>
+      </a:schemeClr>
+    </dgm:fillClrLst>
+    <dgm:linClrLst meth="repeat">
+      <a:schemeClr val="lt1"/>
+    </dgm:linClrLst>
+    <dgm:effectClrLst/>
+    <dgm:txLinClrLst/>
+    <dgm:txFillClrLst meth="repeat">
+      <a:schemeClr val="lt1"/>
+    </dgm:txFillClrLst>
+    <dgm:txEffectClrLst/>
+  </dgm:styleLbl>
+  <dgm:styleLbl name="alignImgPlace1">
+    <dgm:fillClrLst>
+      <a:schemeClr val="accent1">
+        <a:tint val="50000"/>
+      </a:schemeClr>
+      <a:schemeClr val="accent2">
+        <a:tint val="20000"/>
+      </a:schemeClr>
+    </dgm:fillClrLst>
+    <dgm:linClrLst meth="repeat">
+      <a:schemeClr val="lt1"/>
+    </dgm:linClrLst>
+    <dgm:effectClrLst/>
+    <dgm:txLinClrLst/>
+    <dgm:txFillClrLst meth="repeat">
+      <a:schemeClr val="lt1"/>
+    </dgm:txFillClrLst>
+    <dgm:txEffectClrLst/>
+  </dgm:styleLbl>
+  <dgm:styleLbl name="bgImgPlace1">
+    <dgm:fillClrLst>
+      <a:schemeClr val="accent1">
+        <a:tint val="50000"/>
+      </a:schemeClr>
+      <a:schemeClr val="accent2">
+        <a:tint val="20000"/>
+      </a:schemeClr>
+    </dgm:fillClrLst>
+    <dgm:linClrLst meth="repeat">
+      <a:schemeClr val="lt1"/>
+    </dgm:linClrLst>
+    <dgm:effectClrLst/>
+    <dgm:txLinClrLst/>
+    <dgm:txFillClrLst meth="repeat">
+      <a:schemeClr val="lt1"/>
+    </dgm:txFillClrLst>
+    <dgm:txEffectClrLst/>
+  </dgm:styleLbl>
+  <dgm:styleLbl name="sibTrans2D1">
+    <dgm:fillClrLst meth="repeat">
+      <a:schemeClr val="accent2"/>
+      <a:schemeClr val="accent3"/>
+      <a:schemeClr val="accent4"/>
+      <a:schemeClr val="accent5"/>
+      <a:schemeClr val="accent6"/>
+    </dgm:fillClrLst>
+    <dgm:linClrLst meth="cycle">
+      <a:schemeClr val="lt1"/>
+    </dgm:linClrLst>
+    <dgm:effectClrLst/>
+    <dgm:txLinClrLst/>
+    <dgm:txFillClrLst/>
+    <dgm:txEffectClrLst/>
+  </dgm:styleLbl>
+  <dgm:styleLbl name="fgSibTrans2D1">
+    <dgm:fillClrLst meth="repeat">
+      <a:schemeClr val="accent2"/>
+      <a:schemeClr val="accent3"/>
+      <a:schemeClr val="accent4"/>
+      <a:schemeClr val="accent5"/>
+      <a:schemeClr val="accent6"/>
+    </dgm:fillClrLst>
+    <dgm:linClrLst meth="cycle">
+      <a:schemeClr val="lt1"/>
+    </dgm:linClrLst>
+    <dgm:effectClrLst/>
+    <dgm:txLinClrLst/>
+    <dgm:txFillClrLst meth="repeat">
+      <a:schemeClr val="lt1"/>
+    </dgm:txFillClrLst>
+    <dgm:txEffectClrLst/>
+  </dgm:styleLbl>
+  <dgm:styleLbl name="bgSibTrans2D1">
+    <dgm:fillClrLst meth="repeat">
+      <a:schemeClr val="accent2"/>
+      <a:schemeClr val="accent3"/>
+      <a:schemeClr val="accent4"/>
+      <a:schemeClr val="accent5"/>
+      <a:schemeClr val="accent6"/>
+    </dgm:fillClrLst>
+    <dgm:linClrLst meth="cycle">
+      <a:schemeClr val="lt1"/>
+    </dgm:linClrLst>
+    <dgm:effectClrLst/>
+    <dgm:txLinClrLst/>
+    <dgm:txFillClrLst meth="repeat">
+      <a:schemeClr val="lt1"/>
+    </dgm:txFillClrLst>
+    <dgm:txEffectClrLst/>
+  </dgm:styleLbl>
+  <dgm:styleLbl name="sibTrans1D1">
+    <dgm:fillClrLst meth="repeat">
+      <a:schemeClr val="accent2"/>
+      <a:schemeClr val="accent3"/>
+      <a:schemeClr val="accent4"/>
+      <a:schemeClr val="accent5"/>
+      <a:schemeClr val="accent6"/>
+    </dgm:fillClrLst>
+    <dgm:linClrLst meth="repeat">
+      <a:schemeClr val="accent2"/>
+      <a:schemeClr val="accent3"/>
+      <a:schemeClr val="accent4"/>
+      <a:schemeClr val="accent5"/>
+      <a:schemeClr val="accent6"/>
+    </dgm:linClrLst>
+    <dgm:effectClrLst/>
+    <dgm:txLinClrLst/>
+    <dgm:txFillClrLst meth="repeat">
+      <a:schemeClr val="tx1"/>
+    </dgm:txFillClrLst>
+    <dgm:txEffectClrLst/>
+  </dgm:styleLbl>
+  <dgm:styleLbl name="callout">
+    <dgm:fillClrLst meth="repeat">
+      <a:schemeClr val="accent2"/>
+    </dgm:fillClrLst>
+    <dgm:linClrLst meth="repeat">
+      <a:schemeClr val="accent2">
+        <a:tint val="50000"/>
+      </a:schemeClr>
+    </dgm:linClrLst>
+    <dgm:effectClrLst/>
+    <dgm:txLinClrLst/>
+    <dgm:txFillClrLst meth="repeat">
+      <a:schemeClr val="tx1"/>
+    </dgm:txFillClrLst>
+    <dgm:txEffectClrLst/>
+  </dgm:styleLbl>
+  <dgm:styleLbl name="asst0">
+    <dgm:fillClrLst meth="repeat">
+      <a:schemeClr val="accent1"/>
+    </dgm:fillClrLst>
+    <dgm:linClrLst meth="repeat">
+      <a:schemeClr val="lt1"/>
+    </dgm:linClrLst>
+    <dgm:effectClrLst/>
+    <dgm:txLinClrLst/>
+    <dgm:txFillClrLst/>
+    <dgm:txEffectClrLst/>
+  </dgm:styleLbl>
+  <dgm:styleLbl name="asst1">
+    <dgm:fillClrLst meth="repeat">
+      <a:schemeClr val="accent2"/>
+    </dgm:fillClrLst>
+    <dgm:linClrLst meth="repeat">
+      <a:schemeClr val="lt1"/>
+    </dgm:linClrLst>
+    <dgm:effectClrLst/>
+    <dgm:txLinClrLst/>
+    <dgm:txFillClrLst/>
+    <dgm:txEffectClrLst/>
+  </dgm:styleLbl>
+  <dgm:styleLbl name="asst2">
+    <dgm:fillClrLst>
+      <a:schemeClr val="accent3"/>
+    </dgm:fillClrLst>
+    <dgm:linClrLst meth="repeat">
+      <a:schemeClr val="lt1"/>
+    </dgm:linClrLst>
+    <dgm:effectClrLst/>
+    <dgm:txLinClrLst/>
+    <dgm:txFillClrLst/>
+    <dgm:txEffectClrLst/>
+  </dgm:styleLbl>
+  <dgm:styleLbl name="asst3">
+    <dgm:fillClrLst>
+      <a:schemeClr val="accent4"/>
+    </dgm:fillClrLst>
+    <dgm:linClrLst meth="repeat">
+      <a:schemeClr val="lt1"/>
+    </dgm:linClrLst>
+    <dgm:effectClrLst/>
+    <dgm:txLinClrLst/>
+    <dgm:txFillClrLst/>
+    <dgm:txEffectClrLst/>
+  </dgm:styleLbl>
+  <dgm:styleLbl name="asst4">
+    <dgm:fillClrLst>
+      <a:schemeClr val="accent5"/>
+    </dgm:fillClrLst>
+    <dgm:linClrLst meth="repeat">
+      <a:schemeClr val="lt1"/>
+    </dgm:linClrLst>
+    <dgm:effectClrLst/>
+    <dgm:txLinClrLst/>
+    <dgm:txFillClrLst/>
+    <dgm:txEffectClrLst/>
+  </dgm:styleLbl>
+  <dgm:styleLbl name="parChTrans2D1">
+    <dgm:fillClrLst meth="repeat">
+      <a:schemeClr val="accent2"/>
+    </dgm:fillClrLst>
+    <dgm:linClrLst meth="repeat">
+      <a:schemeClr val="lt1"/>
+    </dgm:linClrLst>
+    <dgm:effectClrLst/>
+    <dgm:txLinClrLst/>
+    <dgm:txFillClrLst meth="repeat">
+      <a:schemeClr val="lt1"/>
+    </dgm:txFillClrLst>
+    <dgm:txEffectClrLst/>
+  </dgm:styleLbl>
+  <dgm:styleLbl name="parChTrans2D2">
+    <dgm:fillClrLst meth="repeat">
+      <a:schemeClr val="accent3"/>
+    </dgm:fillClrLst>
+    <dgm:linClrLst meth="repeat">
+      <a:schemeClr val="lt1"/>
+    </dgm:linClrLst>
+    <dgm:effectClrLst/>
+    <dgm:txLinClrLst/>
+    <dgm:txFillClrLst/>
+    <dgm:txEffectClrLst/>
+  </dgm:styleLbl>
+  <dgm:styleLbl name="parChTrans2D3">
+    <dgm:fillClrLst meth="repeat">
+      <a:schemeClr val="accent4"/>
+    </dgm:fillClrLst>
+    <dgm:linClrLst meth="repeat">
+      <a:schemeClr val="lt1"/>
+    </dgm:linClrLst>
+    <dgm:effectClrLst/>
+    <dgm:txLinClrLst/>
+    <dgm:txFillClrLst/>
+    <dgm:txEffectClrLst/>
+  </dgm:styleLbl>
+  <dgm:styleLbl name="parChTrans2D4">
+    <dgm:fillClrLst meth="repeat">
+      <a:schemeClr val="accent5"/>
+    </dgm:fillClrLst>
+    <dgm:linClrLst meth="repeat">
+      <a:schemeClr val="lt1"/>
+    </dgm:linClrLst>
+    <dgm:effectClrLst/>
+    <dgm:txLinClrLst/>
+    <dgm:txFillClrLst meth="repeat">
+      <a:schemeClr val="lt1"/>
+    </dgm:txFillClrLst>
+    <dgm:txEffectClrLst/>
+  </dgm:styleLbl>
+  <dgm:styleLbl name="parChTrans1D1">
+    <dgm:fillClrLst meth="repeat">
+      <a:schemeClr val="accent2"/>
+    </dgm:fillClrLst>
+    <dgm:linClrLst meth="repeat">
+      <a:schemeClr val="accent1"/>
+    </dgm:linClrLst>
+    <dgm:effectClrLst/>
+    <dgm:txLinClrLst/>
+    <dgm:txFillClrLst meth="repeat">
+      <a:schemeClr val="tx1"/>
+    </dgm:txFillClrLst>
+    <dgm:txEffectClrLst/>
+  </dgm:styleLbl>
+  <dgm:styleLbl name="parChTrans1D2">
+    <dgm:fillClrLst meth="repeat">
+      <a:schemeClr val="accent3">
+        <a:tint val="90000"/>
+      </a:schemeClr>
+    </dgm:fillClrLst>
+    <dgm:linClrLst meth="repeat">
+      <a:schemeClr val="accent2"/>
+    </dgm:linClrLst>
+    <dgm:effectClrLst/>
+    <dgm:txLinClrLst/>
+    <dgm:txFillClrLst meth="repeat">
+      <a:schemeClr val="tx1"/>
+    </dgm:txFillClrLst>
+    <dgm:txEffectClrLst/>
+  </dgm:styleLbl>
+  <dgm:styleLbl name="parChTrans1D3">
+    <dgm:fillClrLst meth="repeat">
+      <a:schemeClr val="accent4">
+        <a:tint val="70000"/>
+      </a:schemeClr>
+    </dgm:fillClrLst>
+    <dgm:linClrLst meth="repeat">
+      <a:schemeClr val="accent3"/>
+    </dgm:linClrLst>
+    <dgm:effectClrLst/>
+    <dgm:txLinClrLst/>
+    <dgm:txFillClrLst meth="repeat">
+      <a:schemeClr val="tx1"/>
+    </dgm:txFillClrLst>
+    <dgm:txEffectClrLst/>
+  </dgm:styleLbl>
+  <dgm:styleLbl name="parChTrans1D4">
+    <dgm:fillClrLst meth="repeat">
+      <a:schemeClr val="accent5">
+        <a:tint val="50000"/>
+      </a:schemeClr>
+    </dgm:fillClrLst>
+    <dgm:linClrLst meth="repeat">
+      <a:schemeClr val="accent4"/>
+    </dgm:linClrLst>
+    <dgm:effectClrLst/>
+    <dgm:txLinClrLst/>
+    <dgm:txFillClrLst meth="repeat">
+      <a:schemeClr val="tx1"/>
+    </dgm:txFillClrLst>
+    <dgm:txEffectClrLst/>
+  </dgm:styleLbl>
+  <dgm:styleLbl name="fgAcc1">
+    <dgm:fillClrLst meth="repeat">
+      <a:schemeClr val="lt1">
+        <a:alpha val="90000"/>
+      </a:schemeClr>
+    </dgm:fillClrLst>
+    <dgm:linClrLst meth="repeat">
+      <a:schemeClr val="accent2"/>
+      <a:schemeClr val="accent3"/>
+      <a:schemeClr val="accent4"/>
+      <a:schemeClr val="accent5"/>
+      <a:schemeClr val="accent6"/>
+    </dgm:linClrLst>
+    <dgm:effectClrLst/>
+    <dgm:txLinClrLst/>
+    <dgm:txFillClrLst meth="repeat">
+      <a:schemeClr val="dk1"/>
+    </dgm:txFillClrLst>
+    <dgm:txEffectClrLst/>
+  </dgm:styleLbl>
+  <dgm:styleLbl name="conFgAcc1">
+    <dgm:fillClrLst meth="repeat">
+      <a:schemeClr val="lt1">
+        <a:alpha val="90000"/>
+      </a:schemeClr>
+    </dgm:fillClrLst>
+    <dgm:linClrLst meth="repeat">
+      <a:schemeClr val="accent2"/>
+      <a:schemeClr val="accent3"/>
+      <a:schemeClr val="accent4"/>
+      <a:schemeClr val="accent5"/>
+      <a:schemeClr val="accent6"/>
+    </dgm:linClrLst>
+    <dgm:effectClrLst/>
+    <dgm:txLinClrLst/>
+    <dgm:txFillClrLst meth="repeat">
+      <a:schemeClr val="dk1"/>
+    </dgm:txFillClrLst>
+    <dgm:txEffectClrLst/>
+  </dgm:styleLbl>
+  <dgm:styleLbl name="alignAcc1">
+    <dgm:fillClrLst meth="repeat">
+      <a:schemeClr val="lt1">
+        <a:alpha val="90000"/>
+      </a:schemeClr>
+    </dgm:fillClrLst>
+    <dgm:linClrLst meth="repeat">
+      <a:schemeClr val="accent2"/>
+      <a:schemeClr val="accent3"/>
+      <a:schemeClr val="accent4"/>
+      <a:schemeClr val="accent5"/>
+      <a:schemeClr val="accent6"/>
+    </dgm:linClrLst>
+    <dgm:effectClrLst/>
+    <dgm:txLinClrLst/>
+    <dgm:txFillClrLst meth="repeat">
+      <a:schemeClr val="dk1"/>
+    </dgm:txFillClrLst>
+    <dgm:txEffectClrLst/>
+  </dgm:styleLbl>
+  <dgm:styleLbl name="trAlignAcc1">
+    <dgm:fillClrLst meth="repeat">
+      <a:schemeClr val="lt1">
+        <a:alpha val="40000"/>
+      </a:schemeClr>
+    </dgm:fillClrLst>
+    <dgm:linClrLst meth="repeat">
+      <a:schemeClr val="accent1"/>
+    </dgm:linClrLst>
+    <dgm:effectClrLst/>
+    <dgm:txLinClrLst/>
+    <dgm:txFillClrLst meth="repeat">
+      <a:schemeClr val="dk1"/>
+    </dgm:txFillClrLst>
+    <dgm:txEffectClrLst/>
+  </dgm:styleLbl>
+  <dgm:styleLbl name="bgAcc1">
+    <dgm:fillClrLst meth="repeat">
+      <a:schemeClr val="lt1">
+        <a:alpha val="90000"/>
+      </a:schemeClr>
+    </dgm:fillClrLst>
+    <dgm:linClrLst meth="repeat">
+      <a:schemeClr val="accent2"/>
+      <a:schemeClr val="accent3"/>
+      <a:schemeClr val="accent4"/>
+      <a:schemeClr val="accent5"/>
+      <a:schemeClr val="accent6"/>
+    </dgm:linClrLst>
+    <dgm:effectClrLst/>
+    <dgm:txLinClrLst/>
+    <dgm:txFillClrLst meth="repeat">
+      <a:schemeClr val="dk1"/>
+    </dgm:txFillClrLst>
+    <dgm:txEffectClrLst/>
+  </dgm:styleLbl>
+  <dgm:styleLbl name="solidFgAcc1">
+    <dgm:fillClrLst meth="repeat">
+      <a:schemeClr val="lt1"/>
+    </dgm:fillClrLst>
+    <dgm:linClrLst meth="repeat">
+      <a:schemeClr val="accent2"/>
+      <a:schemeClr val="accent3"/>
+      <a:schemeClr val="accent4"/>
+      <a:schemeClr val="accent5"/>
+      <a:schemeClr val="accent6"/>
+    </dgm:linClrLst>
+    <dgm:effectClrLst/>
+    <dgm:txLinClrLst/>
+    <dgm:txFillClrLst meth="repeat">
+      <a:schemeClr val="dk1"/>
+    </dgm:txFillClrLst>
+    <dgm:txEffectClrLst/>
+  </dgm:styleLbl>
+  <dgm:styleLbl name="solidAlignAcc1">
+    <dgm:fillClrLst meth="repeat">
+      <a:schemeClr val="lt1"/>
+    </dgm:fillClrLst>
+    <dgm:linClrLst meth="repeat">
+      <a:schemeClr val="accent2"/>
+      <a:schemeClr val="accent3"/>
+      <a:schemeClr val="accent4"/>
+      <a:schemeClr val="accent5"/>
+      <a:schemeClr val="accent6"/>
+    </dgm:linClrLst>
+    <dgm:effectClrLst/>
+    <dgm:txLinClrLst/>
+    <dgm:txFillClrLst meth="repeat">
+      <a:schemeClr val="dk1"/>
+    </dgm:txFillClrLst>
+    <dgm:txEffectClrLst/>
+  </dgm:styleLbl>
+  <dgm:styleLbl name="solidBgAcc1">
+    <dgm:fillClrLst meth="repeat">
+      <a:schemeClr val="lt1"/>
+    </dgm:fillClrLst>
+    <dgm:linClrLst meth="repeat">
+      <a:schemeClr val="accent2"/>
+      <a:schemeClr val="accent3"/>
+      <a:schemeClr val="accent4"/>
+      <a:schemeClr val="accent5"/>
+      <a:schemeClr val="accent6"/>
+    </dgm:linClrLst>
+    <dgm:effectClrLst/>
+    <dgm:txLinClrLst/>
+    <dgm:txFillClrLst meth="repeat">
+      <a:schemeClr val="dk1"/>
+    </dgm:txFillClrLst>
+    <dgm:txEffectClrLst/>
+  </dgm:styleLbl>
+  <dgm:styleLbl name="fgAccFollowNode1">
+    <dgm:fillClrLst meth="repeat">
+      <a:schemeClr val="accent2">
+        <a:tint val="40000"/>
+        <a:alpha val="90000"/>
+      </a:schemeClr>
+      <a:schemeClr val="accent3">
+        <a:tint val="40000"/>
+        <a:alpha val="90000"/>
+      </a:schemeClr>
+      <a:schemeClr val="accent4">
+        <a:tint val="40000"/>
+        <a:alpha val="90000"/>
+      </a:schemeClr>
+      <a:schemeClr val="accent5">
+        <a:tint val="40000"/>
+        <a:alpha val="90000"/>
+      </a:schemeClr>
+      <a:schemeClr val="accent6">
+        <a:tint val="40000"/>
+        <a:alpha val="90000"/>
+      </a:schemeClr>
+    </dgm:fillClrLst>
+    <dgm:linClrLst meth="repeat">
+      <a:schemeClr val="accent2">
+        <a:tint val="40000"/>
+        <a:alpha val="90000"/>
+      </a:schemeClr>
+      <a:schemeClr val="accent3">
+        <a:tint val="40000"/>
+        <a:alpha val="90000"/>
+      </a:schemeClr>
+      <a:schemeClr val="accent4">
+        <a:tint val="40000"/>
+        <a:alpha val="90000"/>
+      </a:schemeClr>
+      <a:schemeClr val="accent5">
+        <a:tint val="40000"/>
+        <a:alpha val="90000"/>
+      </a:schemeClr>
+      <a:schemeClr val="accent6">
+        <a:tint val="40000"/>
+        <a:alpha val="90000"/>
+      </a:schemeClr>
+    </dgm:linClrLst>
+    <dgm:effectClrLst/>
+    <dgm:txLinClrLst/>
+    <dgm:txFillClrLst meth="repeat">
+      <a:schemeClr val="dk1"/>
+    </dgm:txFillClrLst>
+    <dgm:txEffectClrLst/>
+  </dgm:styleLbl>
+  <dgm:styleLbl name="alignAccFollowNode1">
+    <dgm:fillClrLst meth="repeat">
+      <a:schemeClr val="accent2">
+        <a:tint val="40000"/>
+        <a:alpha val="90000"/>
+      </a:schemeClr>
+      <a:schemeClr val="accent3">
+        <a:tint val="40000"/>
+        <a:alpha val="90000"/>
+      </a:schemeClr>
+      <a:schemeClr val="accent4">
+        <a:tint val="40000"/>
+        <a:alpha val="90000"/>
+      </a:schemeClr>
+      <a:schemeClr val="accent5">
+        <a:tint val="40000"/>
+        <a:alpha val="90000"/>
+      </a:schemeClr>
+      <a:schemeClr val="accent6">
+        <a:tint val="40000"/>
+        <a:alpha val="90000"/>
+      </a:schemeClr>
+    </dgm:fillClrLst>
+    <dgm:linClrLst meth="repeat">
+      <a:schemeClr val="accent2">
+        <a:tint val="40000"/>
+        <a:alpha val="90000"/>
+      </a:schemeClr>
+      <a:schemeClr val="accent3">
+        <a:tint val="40000"/>
+        <a:alpha val="90000"/>
+      </a:schemeClr>
+      <a:schemeClr val="accent4">
+        <a:tint val="40000"/>
+        <a:alpha val="90000"/>
+      </a:schemeClr>
+      <a:schemeClr val="accent5">
+        <a:tint val="40000"/>
+        <a:alpha val="90000"/>
+      </a:schemeClr>
+      <a:schemeClr val="accent6">
+        <a:tint val="40000"/>
+        <a:alpha val="90000"/>
+      </a:schemeClr>
+    </dgm:linClrLst>
+    <dgm:effectClrLst/>
+    <dgm:txLinClrLst/>
+    <dgm:txFillClrLst meth="repeat">
+      <a:schemeClr val="dk1"/>
+    </dgm:txFillClrLst>
+    <dgm:txEffectClrLst/>
+  </dgm:styleLbl>
+  <dgm:styleLbl name="bgAccFollowNode1">
+    <dgm:fillClrLst meth="repeat">
+      <a:schemeClr val="accent2">
+        <a:tint val="40000"/>
+        <a:alpha val="90000"/>
+      </a:schemeClr>
+      <a:schemeClr val="accent3">
+        <a:tint val="40000"/>
+        <a:alpha val="90000"/>
+      </a:schemeClr>
+      <a:schemeClr val="accent4">
+        <a:tint val="40000"/>
+        <a:alpha val="90000"/>
+      </a:schemeClr>
+      <a:schemeClr val="accent5">
+        <a:tint val="40000"/>
+        <a:alpha val="90000"/>
+      </a:schemeClr>
+      <a:schemeClr val="accent6">
+        <a:tint val="40000"/>
+        <a:alpha val="90000"/>
+      </a:schemeClr>
+    </dgm:fillClrLst>
+    <dgm:linClrLst meth="repeat">
+      <a:schemeClr val="accent2">
+        <a:tint val="40000"/>
+        <a:alpha val="90000"/>
+      </a:schemeClr>
+      <a:schemeClr val="accent3">
+        <a:tint val="40000"/>
+        <a:alpha val="90000"/>
+      </a:schemeClr>
+      <a:schemeClr val="accent4">
+        <a:tint val="40000"/>
+        <a:alpha val="90000"/>
+      </a:schemeClr>
+      <a:schemeClr val="accent5">
+        <a:tint val="40000"/>
+        <a:alpha val="90000"/>
+      </a:schemeClr>
+      <a:schemeClr val="accent6">
+        <a:tint val="40000"/>
+        <a:alpha val="90000"/>
+      </a:schemeClr>
+    </dgm:linClrLst>
+    <dgm:effectClrLst/>
+    <dgm:txLinClrLst/>
+    <dgm:txFillClrLst meth="repeat">
+      <a:schemeClr val="dk1"/>
+    </dgm:txFillClrLst>
+    <dgm:txEffectClrLst/>
+  </dgm:styleLbl>
+  <dgm:styleLbl name="fgAcc0">
+    <dgm:fillClrLst meth="repeat">
+      <a:schemeClr val="lt1">
+        <a:alpha val="90000"/>
+      </a:schemeClr>
+    </dgm:fillClrLst>
+    <dgm:linClrLst>
+      <a:schemeClr val="accent1"/>
+    </dgm:linClrLst>
+    <dgm:effectClrLst/>
+    <dgm:txLinClrLst/>
+    <dgm:txFillClrLst meth="repeat">
+      <a:schemeClr val="dk1"/>
+    </dgm:txFillClrLst>
+    <dgm:txEffectClrLst/>
+  </dgm:styleLbl>
+  <dgm:styleLbl name="fgAcc2">
+    <dgm:fillClrLst meth="repeat">
+      <a:schemeClr val="lt1">
+        <a:alpha val="90000"/>
+      </a:schemeClr>
+    </dgm:fillClrLst>
+    <dgm:linClrLst>
+      <a:schemeClr val="accent2"/>
+    </dgm:linClrLst>
+    <dgm:effectClrLst/>
+    <dgm:txLinClrLst/>
+    <dgm:txFillClrLst meth="repeat">
+      <a:schemeClr val="dk1"/>
+    </dgm:txFillClrLst>
+    <dgm:txEffectClrLst/>
+  </dgm:styleLbl>
+  <dgm:styleLbl name="fgAcc3">
+    <dgm:fillClrLst meth="repeat">
+      <a:schemeClr val="lt1">
+        <a:alpha val="90000"/>
+      </a:schemeClr>
+    </dgm:fillClrLst>
+    <dgm:linClrLst>
+      <a:schemeClr val="accent3"/>
+    </dgm:linClrLst>
+    <dgm:effectClrLst/>
+    <dgm:txLinClrLst/>
+    <dgm:txFillClrLst meth="repeat">
+      <a:schemeClr val="dk1"/>
+    </dgm:txFillClrLst>
+    <dgm:txEffectClrLst/>
+  </dgm:styleLbl>
+  <dgm:styleLbl name="fgAcc4">
+    <dgm:fillClrLst meth="repeat">
+      <a:schemeClr val="lt1">
+        <a:alpha val="90000"/>
+      </a:schemeClr>
+    </dgm:fillClrLst>
+    <dgm:linClrLst>
+      <a:schemeClr val="accent4"/>
+    </dgm:linClrLst>
+    <dgm:effectClrLst/>
+    <dgm:txLinClrLst/>
+    <dgm:txFillClrLst meth="repeat">
+      <a:schemeClr val="dk1"/>
+    </dgm:txFillClrLst>
+    <dgm:txEffectClrLst/>
+  </dgm:styleLbl>
+  <dgm:styleLbl name="bgShp">
+    <dgm:fillClrLst meth="repeat">
+      <a:schemeClr val="bg1">
+        <a:lumMod val="95000"/>
       </a:schemeClr>
     </dgm:fillClrLst>
     <dgm:linClrLst meth="repeat">
@@ -1213,53 +2423,6 @@
         </a:p>
       </dgm:t>
     </dgm:pt>
-    <dgm:pt modelId="{B79D4428-1870-5449-84CD-1D38C9201EC9}">
-      <dgm:prSet custT="1"/>
-      <dgm:spPr/>
-      <dgm:t>
-        <a:bodyPr/>
-        <a:lstStyle/>
-        <a:p>
-          <a:pPr rtl="0"/>
-          <a:r>
-            <a:rPr lang="en-US" sz="3200">
-              <a:latin typeface="Arial" panose="020B0604020202020204" pitchFamily="34" charset="0"/>
-              <a:cs typeface="Arial" panose="020B0604020202020204" pitchFamily="34" charset="0"/>
-            </a:rPr>
-            <a:t>Project </a:t>
-          </a:r>
-          <a:r>
-            <a:rPr lang="en-US" sz="3200" dirty="0">
-              <a:latin typeface="Arial" panose="020B0604020202020204" pitchFamily="34" charset="0"/>
-              <a:cs typeface="Arial" panose="020B0604020202020204" pitchFamily="34" charset="0"/>
-            </a:rPr>
-            <a:t>scope and evaluation</a:t>
-          </a:r>
-        </a:p>
-      </dgm:t>
-    </dgm:pt>
-    <dgm:pt modelId="{0EEC3445-A8D3-1F4F-BC0F-348CB38A30FA}" type="parTrans" cxnId="{5B3010F0-2811-3145-AE2C-BEF13500BC88}">
-      <dgm:prSet/>
-      <dgm:spPr/>
-      <dgm:t>
-        <a:bodyPr/>
-        <a:lstStyle/>
-        <a:p>
-          <a:endParaRPr lang="en-US"/>
-        </a:p>
-      </dgm:t>
-    </dgm:pt>
-    <dgm:pt modelId="{C7779F4F-F5E3-E645-B1CB-6D75AFB0021E}" type="sibTrans" cxnId="{5B3010F0-2811-3145-AE2C-BEF13500BC88}">
-      <dgm:prSet/>
-      <dgm:spPr/>
-      <dgm:t>
-        <a:bodyPr/>
-        <a:lstStyle/>
-        <a:p>
-          <a:endParaRPr lang="en-US"/>
-        </a:p>
-      </dgm:t>
-    </dgm:pt>
     <dgm:pt modelId="{E4924DF6-31D6-B441-92EE-4049A4E95F75}">
       <dgm:prSet custT="1"/>
       <dgm:spPr/>
@@ -1311,7 +2474,7 @@
       <dgm:spPr/>
     </dgm:pt>
     <dgm:pt modelId="{B5B93204-1547-5C42-AC27-E687B482871C}" type="pres">
-      <dgm:prSet presAssocID="{D5CBCE7D-2E08-4755-B9C0-A5063D5E5CA2}" presName="thickLine" presStyleLbl="alignNode1" presStyleIdx="0" presStyleCnt="6"/>
+      <dgm:prSet presAssocID="{D5CBCE7D-2E08-4755-B9C0-A5063D5E5CA2}" presName="thickLine" presStyleLbl="alignNode1" presStyleIdx="0" presStyleCnt="5"/>
       <dgm:spPr/>
     </dgm:pt>
     <dgm:pt modelId="{C9A74261-2148-A140-8844-1196F1AE77C3}" type="pres">
@@ -1319,7 +2482,7 @@
       <dgm:spPr/>
     </dgm:pt>
     <dgm:pt modelId="{3A163894-C92E-B64B-9E15-D18FE0923FBC}" type="pres">
-      <dgm:prSet presAssocID="{D5CBCE7D-2E08-4755-B9C0-A5063D5E5CA2}" presName="tx1" presStyleLbl="revTx" presStyleIdx="0" presStyleCnt="6"/>
+      <dgm:prSet presAssocID="{D5CBCE7D-2E08-4755-B9C0-A5063D5E5CA2}" presName="tx1" presStyleLbl="revTx" presStyleIdx="0" presStyleCnt="5"/>
       <dgm:spPr/>
     </dgm:pt>
     <dgm:pt modelId="{A9728AE6-58AA-2F4F-879C-1C19D7794242}" type="pres">
@@ -1327,7 +2490,7 @@
       <dgm:spPr/>
     </dgm:pt>
     <dgm:pt modelId="{8AD52F04-E9C0-0F42-8F97-5AB9A0A7A1C9}" type="pres">
-      <dgm:prSet presAssocID="{E4924DF6-31D6-B441-92EE-4049A4E95F75}" presName="thickLine" presStyleLbl="alignNode1" presStyleIdx="1" presStyleCnt="6"/>
+      <dgm:prSet presAssocID="{E4924DF6-31D6-B441-92EE-4049A4E95F75}" presName="thickLine" presStyleLbl="alignNode1" presStyleIdx="1" presStyleCnt="5"/>
       <dgm:spPr/>
     </dgm:pt>
     <dgm:pt modelId="{3D09F5E1-98A1-684F-A4D3-22B60FF4622B}" type="pres">
@@ -1335,31 +2498,15 @@
       <dgm:spPr/>
     </dgm:pt>
     <dgm:pt modelId="{E2987C8C-8736-BB44-B3D3-D25CB568725E}" type="pres">
-      <dgm:prSet presAssocID="{E4924DF6-31D6-B441-92EE-4049A4E95F75}" presName="tx1" presStyleLbl="revTx" presStyleIdx="1" presStyleCnt="6"/>
+      <dgm:prSet presAssocID="{E4924DF6-31D6-B441-92EE-4049A4E95F75}" presName="tx1" presStyleLbl="revTx" presStyleIdx="1" presStyleCnt="5"/>
       <dgm:spPr/>
     </dgm:pt>
     <dgm:pt modelId="{C0006A65-E4C5-4F47-BD47-D228162F0C7D}" type="pres">
       <dgm:prSet presAssocID="{E4924DF6-31D6-B441-92EE-4049A4E95F75}" presName="vert1" presStyleCnt="0"/>
       <dgm:spPr/>
     </dgm:pt>
-    <dgm:pt modelId="{3D217670-820A-DA4F-BB0D-9A7BDC55972F}" type="pres">
-      <dgm:prSet presAssocID="{B79D4428-1870-5449-84CD-1D38C9201EC9}" presName="thickLine" presStyleLbl="alignNode1" presStyleIdx="2" presStyleCnt="6"/>
-      <dgm:spPr/>
-    </dgm:pt>
-    <dgm:pt modelId="{9275CEFF-D4CE-3E48-9EBE-1B1224C76C8E}" type="pres">
-      <dgm:prSet presAssocID="{B79D4428-1870-5449-84CD-1D38C9201EC9}" presName="horz1" presStyleCnt="0"/>
-      <dgm:spPr/>
-    </dgm:pt>
-    <dgm:pt modelId="{9635503E-CA51-4246-93A8-AED743844B56}" type="pres">
-      <dgm:prSet presAssocID="{B79D4428-1870-5449-84CD-1D38C9201EC9}" presName="tx1" presStyleLbl="revTx" presStyleIdx="2" presStyleCnt="6"/>
-      <dgm:spPr/>
-    </dgm:pt>
-    <dgm:pt modelId="{F0DA62E4-2C49-8A42-BEAF-28D19B13D74C}" type="pres">
-      <dgm:prSet presAssocID="{B79D4428-1870-5449-84CD-1D38C9201EC9}" presName="vert1" presStyleCnt="0"/>
-      <dgm:spPr/>
-    </dgm:pt>
     <dgm:pt modelId="{204CF928-B386-0F4D-B310-0CFF467F1EE4}" type="pres">
-      <dgm:prSet presAssocID="{71BC4C1A-256F-3A4D-AE28-B8C6D574438C}" presName="thickLine" presStyleLbl="alignNode1" presStyleIdx="3" presStyleCnt="6"/>
+      <dgm:prSet presAssocID="{71BC4C1A-256F-3A4D-AE28-B8C6D574438C}" presName="thickLine" presStyleLbl="alignNode1" presStyleIdx="2" presStyleCnt="5"/>
       <dgm:spPr/>
     </dgm:pt>
     <dgm:pt modelId="{6E04ACFB-96FC-BC4C-9EB8-3C2283883F50}" type="pres">
@@ -1367,7 +2514,7 @@
       <dgm:spPr/>
     </dgm:pt>
     <dgm:pt modelId="{A34464C5-3798-1440-A7E2-0A5ADBDBA83D}" type="pres">
-      <dgm:prSet presAssocID="{71BC4C1A-256F-3A4D-AE28-B8C6D574438C}" presName="tx1" presStyleLbl="revTx" presStyleIdx="3" presStyleCnt="6"/>
+      <dgm:prSet presAssocID="{71BC4C1A-256F-3A4D-AE28-B8C6D574438C}" presName="tx1" presStyleLbl="revTx" presStyleIdx="2" presStyleCnt="5"/>
       <dgm:spPr/>
     </dgm:pt>
     <dgm:pt modelId="{1BBD4D28-48A5-6C4B-A5FA-CC03FF8ED04D}" type="pres">
@@ -1375,7 +2522,7 @@
       <dgm:spPr/>
     </dgm:pt>
     <dgm:pt modelId="{3CD2A232-6A7F-6E4E-8388-78BB46AE8BD4}" type="pres">
-      <dgm:prSet presAssocID="{61226C85-524F-0C43-B3AC-338A223C53F0}" presName="thickLine" presStyleLbl="alignNode1" presStyleIdx="4" presStyleCnt="6"/>
+      <dgm:prSet presAssocID="{61226C85-524F-0C43-B3AC-338A223C53F0}" presName="thickLine" presStyleLbl="alignNode1" presStyleIdx="3" presStyleCnt="5"/>
       <dgm:spPr/>
     </dgm:pt>
     <dgm:pt modelId="{1942BD86-C5E0-E049-AF5B-CCCC7DAEE091}" type="pres">
@@ -1383,7 +2530,7 @@
       <dgm:spPr/>
     </dgm:pt>
     <dgm:pt modelId="{7676981C-4715-3243-B9C6-9A0FB05CD3A8}" type="pres">
-      <dgm:prSet presAssocID="{61226C85-524F-0C43-B3AC-338A223C53F0}" presName="tx1" presStyleLbl="revTx" presStyleIdx="4" presStyleCnt="6"/>
+      <dgm:prSet presAssocID="{61226C85-524F-0C43-B3AC-338A223C53F0}" presName="tx1" presStyleLbl="revTx" presStyleIdx="3" presStyleCnt="5"/>
       <dgm:spPr/>
     </dgm:pt>
     <dgm:pt modelId="{86A550C4-3FC6-0943-8296-7653BBE0E690}" type="pres">
@@ -1391,7 +2538,7 @@
       <dgm:spPr/>
     </dgm:pt>
     <dgm:pt modelId="{EC46EF8C-2DA8-5045-A18C-C7B1CDEF6490}" type="pres">
-      <dgm:prSet presAssocID="{0016A18C-1C02-4D71-917E-DDC297747D6A}" presName="thickLine" presStyleLbl="alignNode1" presStyleIdx="5" presStyleCnt="6"/>
+      <dgm:prSet presAssocID="{0016A18C-1C02-4D71-917E-DDC297747D6A}" presName="thickLine" presStyleLbl="alignNode1" presStyleIdx="4" presStyleCnt="5"/>
       <dgm:spPr/>
     </dgm:pt>
     <dgm:pt modelId="{657A7DD5-63CE-B94B-BB4A-B11DDC0836D5}" type="pres">
@@ -1399,7 +2546,7 @@
       <dgm:spPr/>
     </dgm:pt>
     <dgm:pt modelId="{E5D890FB-B86A-384C-91D9-822199307764}" type="pres">
-      <dgm:prSet presAssocID="{0016A18C-1C02-4D71-917E-DDC297747D6A}" presName="tx1" presStyleLbl="revTx" presStyleIdx="5" presStyleCnt="6"/>
+      <dgm:prSet presAssocID="{0016A18C-1C02-4D71-917E-DDC297747D6A}" presName="tx1" presStyleLbl="revTx" presStyleIdx="4" presStyleCnt="5"/>
       <dgm:spPr/>
     </dgm:pt>
     <dgm:pt modelId="{8826820A-7470-E947-81E9-B41E9A9BAB0E}" type="pres">
@@ -1408,18 +2555,16 @@
     </dgm:pt>
   </dgm:ptLst>
   <dgm:cxnLst>
-    <dgm:cxn modelId="{9F814108-6B5E-47B9-A195-8656EA5BC389}" srcId="{51FFDB7A-4DB8-4096-8AA4-8EE27E16616F}" destId="{0016A18C-1C02-4D71-917E-DDC297747D6A}" srcOrd="5" destOrd="0" parTransId="{9E58BE4C-33DB-44A0-82E6-746BC58E195C}" sibTransId="{B7E6CAE0-867F-47BE-BAE5-3677DB252872}"/>
+    <dgm:cxn modelId="{9F814108-6B5E-47B9-A195-8656EA5BC389}" srcId="{51FFDB7A-4DB8-4096-8AA4-8EE27E16616F}" destId="{0016A18C-1C02-4D71-917E-DDC297747D6A}" srcOrd="4" destOrd="0" parTransId="{9E58BE4C-33DB-44A0-82E6-746BC58E195C}" sibTransId="{B7E6CAE0-867F-47BE-BAE5-3677DB252872}"/>
     <dgm:cxn modelId="{7AC9512A-752D-BA48-B6E2-46A92AA7F550}" type="presOf" srcId="{51FFDB7A-4DB8-4096-8AA4-8EE27E16616F}" destId="{05F2898D-E199-5341-A50E-29EE2AC9277D}" srcOrd="0" destOrd="0" presId="urn:microsoft.com/office/officeart/2008/layout/LinedList"/>
     <dgm:cxn modelId="{11264850-F89C-104C-8DC5-6AC3733D2FC6}" type="presOf" srcId="{E4924DF6-31D6-B441-92EE-4049A4E95F75}" destId="{E2987C8C-8736-BB44-B3D3-D25CB568725E}" srcOrd="0" destOrd="0" presId="urn:microsoft.com/office/officeart/2008/layout/LinedList"/>
     <dgm:cxn modelId="{6CFCA457-0CEB-CC41-8931-BD274CD72D25}" type="presOf" srcId="{0016A18C-1C02-4D71-917E-DDC297747D6A}" destId="{E5D890FB-B86A-384C-91D9-822199307764}" srcOrd="0" destOrd="0" presId="urn:microsoft.com/office/officeart/2008/layout/LinedList"/>
     <dgm:cxn modelId="{EEF02D60-C435-4741-88D6-4AC2C1F03A75}" type="presOf" srcId="{61226C85-524F-0C43-B3AC-338A223C53F0}" destId="{7676981C-4715-3243-B9C6-9A0FB05CD3A8}" srcOrd="0" destOrd="0" presId="urn:microsoft.com/office/officeart/2008/layout/LinedList"/>
-    <dgm:cxn modelId="{0961F084-75ED-3147-B2D9-A3B89E6CCCB2}" srcId="{51FFDB7A-4DB8-4096-8AA4-8EE27E16616F}" destId="{61226C85-524F-0C43-B3AC-338A223C53F0}" srcOrd="4" destOrd="0" parTransId="{BCCD2705-094A-4646-A9CF-EB59ED070AC0}" sibTransId="{C5CB69F3-1E26-D24B-AB91-C5215C925788}"/>
+    <dgm:cxn modelId="{0961F084-75ED-3147-B2D9-A3B89E6CCCB2}" srcId="{51FFDB7A-4DB8-4096-8AA4-8EE27E16616F}" destId="{61226C85-524F-0C43-B3AC-338A223C53F0}" srcOrd="3" destOrd="0" parTransId="{BCCD2705-094A-4646-A9CF-EB59ED070AC0}" sibTransId="{C5CB69F3-1E26-D24B-AB91-C5215C925788}"/>
     <dgm:cxn modelId="{B31B5C8E-F7FB-4439-8D3C-F36AE4FD9708}" srcId="{51FFDB7A-4DB8-4096-8AA4-8EE27E16616F}" destId="{D5CBCE7D-2E08-4755-B9C0-A5063D5E5CA2}" srcOrd="0" destOrd="0" parTransId="{71779774-523D-4EFA-A70E-91EC83B41A6C}" sibTransId="{9CF6EF0C-5FD7-4D7F-BAA2-B72C49993819}"/>
     <dgm:cxn modelId="{F8ADA69A-EEBC-FB44-A13D-6BED13A72E98}" type="presOf" srcId="{D5CBCE7D-2E08-4755-B9C0-A5063D5E5CA2}" destId="{3A163894-C92E-B64B-9E15-D18FE0923FBC}" srcOrd="0" destOrd="0" presId="urn:microsoft.com/office/officeart/2008/layout/LinedList"/>
     <dgm:cxn modelId="{73DAE0BB-5B6B-F746-8E73-E6E04B7CFAE1}" srcId="{51FFDB7A-4DB8-4096-8AA4-8EE27E16616F}" destId="{E4924DF6-31D6-B441-92EE-4049A4E95F75}" srcOrd="1" destOrd="0" parTransId="{BD4C92E8-CFEE-0346-84C4-4B3AC9F5913D}" sibTransId="{C09267B1-12A4-2A45-A65E-EF9C951E2123}"/>
-    <dgm:cxn modelId="{E9F8D9D2-FA8C-C448-B414-07C2C7D7A43F}" type="presOf" srcId="{B79D4428-1870-5449-84CD-1D38C9201EC9}" destId="{9635503E-CA51-4246-93A8-AED743844B56}" srcOrd="0" destOrd="0" presId="urn:microsoft.com/office/officeart/2008/layout/LinedList"/>
-    <dgm:cxn modelId="{04627DD6-ED1C-274E-8D11-7C3B495EDA6A}" srcId="{51FFDB7A-4DB8-4096-8AA4-8EE27E16616F}" destId="{71BC4C1A-256F-3A4D-AE28-B8C6D574438C}" srcOrd="3" destOrd="0" parTransId="{7B5737E0-2A9B-0C49-A27C-827AEFED53F7}" sibTransId="{7F87C534-CD5F-5846-9C1A-E6D0CF6417E1}"/>
-    <dgm:cxn modelId="{5B3010F0-2811-3145-AE2C-BEF13500BC88}" srcId="{51FFDB7A-4DB8-4096-8AA4-8EE27E16616F}" destId="{B79D4428-1870-5449-84CD-1D38C9201EC9}" srcOrd="2" destOrd="0" parTransId="{0EEC3445-A8D3-1F4F-BC0F-348CB38A30FA}" sibTransId="{C7779F4F-F5E3-E645-B1CB-6D75AFB0021E}"/>
+    <dgm:cxn modelId="{04627DD6-ED1C-274E-8D11-7C3B495EDA6A}" srcId="{51FFDB7A-4DB8-4096-8AA4-8EE27E16616F}" destId="{71BC4C1A-256F-3A4D-AE28-B8C6D574438C}" srcOrd="2" destOrd="0" parTransId="{7B5737E0-2A9B-0C49-A27C-827AEFED53F7}" sibTransId="{7F87C534-CD5F-5846-9C1A-E6D0CF6417E1}"/>
     <dgm:cxn modelId="{679EF1F0-C014-F443-AF75-E3E380430DC1}" type="presOf" srcId="{71BC4C1A-256F-3A4D-AE28-B8C6D574438C}" destId="{A34464C5-3798-1440-A7E2-0A5ADBDBA83D}" srcOrd="0" destOrd="0" presId="urn:microsoft.com/office/officeart/2008/layout/LinedList"/>
     <dgm:cxn modelId="{64DFB1E8-EA73-CA4F-979C-7A63A321F409}" type="presParOf" srcId="{05F2898D-E199-5341-A50E-29EE2AC9277D}" destId="{B5B93204-1547-5C42-AC27-E687B482871C}" srcOrd="0" destOrd="0" presId="urn:microsoft.com/office/officeart/2008/layout/LinedList"/>
     <dgm:cxn modelId="{CBAF5D08-BF10-E84A-A4C1-8290549D5231}" type="presParOf" srcId="{05F2898D-E199-5341-A50E-29EE2AC9277D}" destId="{C9A74261-2148-A140-8844-1196F1AE77C3}" srcOrd="1" destOrd="0" presId="urn:microsoft.com/office/officeart/2008/layout/LinedList"/>
@@ -1429,22 +2574,326 @@
     <dgm:cxn modelId="{CD44A6BC-A497-1E4B-B1F2-E1CF56FA47F2}" type="presParOf" srcId="{05F2898D-E199-5341-A50E-29EE2AC9277D}" destId="{3D09F5E1-98A1-684F-A4D3-22B60FF4622B}" srcOrd="3" destOrd="0" presId="urn:microsoft.com/office/officeart/2008/layout/LinedList"/>
     <dgm:cxn modelId="{385EE40F-8DD7-EF4F-96B5-40DAED7ABDB0}" type="presParOf" srcId="{3D09F5E1-98A1-684F-A4D3-22B60FF4622B}" destId="{E2987C8C-8736-BB44-B3D3-D25CB568725E}" srcOrd="0" destOrd="0" presId="urn:microsoft.com/office/officeart/2008/layout/LinedList"/>
     <dgm:cxn modelId="{9EA497CC-875C-2D4C-BAE1-49893674DC89}" type="presParOf" srcId="{3D09F5E1-98A1-684F-A4D3-22B60FF4622B}" destId="{C0006A65-E4C5-4F47-BD47-D228162F0C7D}" srcOrd="1" destOrd="0" presId="urn:microsoft.com/office/officeart/2008/layout/LinedList"/>
-    <dgm:cxn modelId="{E98AAA9B-A5BB-2447-BFF7-617CD647A67E}" type="presParOf" srcId="{05F2898D-E199-5341-A50E-29EE2AC9277D}" destId="{3D217670-820A-DA4F-BB0D-9A7BDC55972F}" srcOrd="4" destOrd="0" presId="urn:microsoft.com/office/officeart/2008/layout/LinedList"/>
-    <dgm:cxn modelId="{A50CFF66-945D-9541-AD20-E6A33984658F}" type="presParOf" srcId="{05F2898D-E199-5341-A50E-29EE2AC9277D}" destId="{9275CEFF-D4CE-3E48-9EBE-1B1224C76C8E}" srcOrd="5" destOrd="0" presId="urn:microsoft.com/office/officeart/2008/layout/LinedList"/>
-    <dgm:cxn modelId="{8EFB0DEC-D95F-794E-A2F4-F7CE28090A27}" type="presParOf" srcId="{9275CEFF-D4CE-3E48-9EBE-1B1224C76C8E}" destId="{9635503E-CA51-4246-93A8-AED743844B56}" srcOrd="0" destOrd="0" presId="urn:microsoft.com/office/officeart/2008/layout/LinedList"/>
-    <dgm:cxn modelId="{7BA3A8D5-815A-E94C-9C89-DEDECE6AF281}" type="presParOf" srcId="{9275CEFF-D4CE-3E48-9EBE-1B1224C76C8E}" destId="{F0DA62E4-2C49-8A42-BEAF-28D19B13D74C}" srcOrd="1" destOrd="0" presId="urn:microsoft.com/office/officeart/2008/layout/LinedList"/>
-    <dgm:cxn modelId="{402A07D1-900B-E349-9E59-F365943B01E8}" type="presParOf" srcId="{05F2898D-E199-5341-A50E-29EE2AC9277D}" destId="{204CF928-B386-0F4D-B310-0CFF467F1EE4}" srcOrd="6" destOrd="0" presId="urn:microsoft.com/office/officeart/2008/layout/LinedList"/>
-    <dgm:cxn modelId="{9B8F5620-926D-B74D-B17D-311979AF2565}" type="presParOf" srcId="{05F2898D-E199-5341-A50E-29EE2AC9277D}" destId="{6E04ACFB-96FC-BC4C-9EB8-3C2283883F50}" srcOrd="7" destOrd="0" presId="urn:microsoft.com/office/officeart/2008/layout/LinedList"/>
+    <dgm:cxn modelId="{402A07D1-900B-E349-9E59-F365943B01E8}" type="presParOf" srcId="{05F2898D-E199-5341-A50E-29EE2AC9277D}" destId="{204CF928-B386-0F4D-B310-0CFF467F1EE4}" srcOrd="4" destOrd="0" presId="urn:microsoft.com/office/officeart/2008/layout/LinedList"/>
+    <dgm:cxn modelId="{9B8F5620-926D-B74D-B17D-311979AF2565}" type="presParOf" srcId="{05F2898D-E199-5341-A50E-29EE2AC9277D}" destId="{6E04ACFB-96FC-BC4C-9EB8-3C2283883F50}" srcOrd="5" destOrd="0" presId="urn:microsoft.com/office/officeart/2008/layout/LinedList"/>
     <dgm:cxn modelId="{FB464286-2895-7144-9AA8-2268145802B5}" type="presParOf" srcId="{6E04ACFB-96FC-BC4C-9EB8-3C2283883F50}" destId="{A34464C5-3798-1440-A7E2-0A5ADBDBA83D}" srcOrd="0" destOrd="0" presId="urn:microsoft.com/office/officeart/2008/layout/LinedList"/>
     <dgm:cxn modelId="{7A5150E0-9B5E-324E-8C5A-8C756BD5C47A}" type="presParOf" srcId="{6E04ACFB-96FC-BC4C-9EB8-3C2283883F50}" destId="{1BBD4D28-48A5-6C4B-A5FA-CC03FF8ED04D}" srcOrd="1" destOrd="0" presId="urn:microsoft.com/office/officeart/2008/layout/LinedList"/>
-    <dgm:cxn modelId="{FC4B005B-B696-C24B-AEEB-B5732D45F27F}" type="presParOf" srcId="{05F2898D-E199-5341-A50E-29EE2AC9277D}" destId="{3CD2A232-6A7F-6E4E-8388-78BB46AE8BD4}" srcOrd="8" destOrd="0" presId="urn:microsoft.com/office/officeart/2008/layout/LinedList"/>
-    <dgm:cxn modelId="{52AFE267-9C60-5B4E-BF17-5BE0AAEE5D2A}" type="presParOf" srcId="{05F2898D-E199-5341-A50E-29EE2AC9277D}" destId="{1942BD86-C5E0-E049-AF5B-CCCC7DAEE091}" srcOrd="9" destOrd="0" presId="urn:microsoft.com/office/officeart/2008/layout/LinedList"/>
+    <dgm:cxn modelId="{FC4B005B-B696-C24B-AEEB-B5732D45F27F}" type="presParOf" srcId="{05F2898D-E199-5341-A50E-29EE2AC9277D}" destId="{3CD2A232-6A7F-6E4E-8388-78BB46AE8BD4}" srcOrd="6" destOrd="0" presId="urn:microsoft.com/office/officeart/2008/layout/LinedList"/>
+    <dgm:cxn modelId="{52AFE267-9C60-5B4E-BF17-5BE0AAEE5D2A}" type="presParOf" srcId="{05F2898D-E199-5341-A50E-29EE2AC9277D}" destId="{1942BD86-C5E0-E049-AF5B-CCCC7DAEE091}" srcOrd="7" destOrd="0" presId="urn:microsoft.com/office/officeart/2008/layout/LinedList"/>
     <dgm:cxn modelId="{809BA5B0-FAE7-314C-9909-209A26D95EDA}" type="presParOf" srcId="{1942BD86-C5E0-E049-AF5B-CCCC7DAEE091}" destId="{7676981C-4715-3243-B9C6-9A0FB05CD3A8}" srcOrd="0" destOrd="0" presId="urn:microsoft.com/office/officeart/2008/layout/LinedList"/>
     <dgm:cxn modelId="{6097ECA3-A14F-054F-A60D-129CDDA946EF}" type="presParOf" srcId="{1942BD86-C5E0-E049-AF5B-CCCC7DAEE091}" destId="{86A550C4-3FC6-0943-8296-7653BBE0E690}" srcOrd="1" destOrd="0" presId="urn:microsoft.com/office/officeart/2008/layout/LinedList"/>
-    <dgm:cxn modelId="{CE96041C-C4BC-7B44-A231-95E9D84B202C}" type="presParOf" srcId="{05F2898D-E199-5341-A50E-29EE2AC9277D}" destId="{EC46EF8C-2DA8-5045-A18C-C7B1CDEF6490}" srcOrd="10" destOrd="0" presId="urn:microsoft.com/office/officeart/2008/layout/LinedList"/>
-    <dgm:cxn modelId="{EEC6859E-1134-684F-8716-C2C2C187B29F}" type="presParOf" srcId="{05F2898D-E199-5341-A50E-29EE2AC9277D}" destId="{657A7DD5-63CE-B94B-BB4A-B11DDC0836D5}" srcOrd="11" destOrd="0" presId="urn:microsoft.com/office/officeart/2008/layout/LinedList"/>
+    <dgm:cxn modelId="{CE96041C-C4BC-7B44-A231-95E9D84B202C}" type="presParOf" srcId="{05F2898D-E199-5341-A50E-29EE2AC9277D}" destId="{EC46EF8C-2DA8-5045-A18C-C7B1CDEF6490}" srcOrd="8" destOrd="0" presId="urn:microsoft.com/office/officeart/2008/layout/LinedList"/>
+    <dgm:cxn modelId="{EEC6859E-1134-684F-8716-C2C2C187B29F}" type="presParOf" srcId="{05F2898D-E199-5341-A50E-29EE2AC9277D}" destId="{657A7DD5-63CE-B94B-BB4A-B11DDC0836D5}" srcOrd="9" destOrd="0" presId="urn:microsoft.com/office/officeart/2008/layout/LinedList"/>
     <dgm:cxn modelId="{A0AEC1C8-083F-D246-AF89-0CBD2D82534C}" type="presParOf" srcId="{657A7DD5-63CE-B94B-BB4A-B11DDC0836D5}" destId="{E5D890FB-B86A-384C-91D9-822199307764}" srcOrd="0" destOrd="0" presId="urn:microsoft.com/office/officeart/2008/layout/LinedList"/>
     <dgm:cxn modelId="{4C757DD2-5533-F747-8ED3-E40B22997B27}" type="presParOf" srcId="{657A7DD5-63CE-B94B-BB4A-B11DDC0836D5}" destId="{8826820A-7470-E947-81E9-B41E9A9BAB0E}" srcOrd="1" destOrd="0" presId="urn:microsoft.com/office/officeart/2008/layout/LinedList"/>
+  </dgm:cxnLst>
+  <dgm:bg/>
+  <dgm:whole/>
+  <dgm:extLst>
+    <a:ext uri="http://schemas.microsoft.com/office/drawing/2008/diagram">
+      <dsp:dataModelExt xmlns:dsp="http://schemas.microsoft.com/office/drawing/2008/diagram" relId="rId6" minVer="http://schemas.openxmlformats.org/drawingml/2006/diagram"/>
+    </a:ext>
+  </dgm:extLst>
+</dgm:dataModel>
+</file>
+
+<file path=ppt/diagrams/data2.xml><?xml version="1.0" encoding="utf-8"?>
+<dgm:dataModel xmlns:dgm="http://schemas.openxmlformats.org/drawingml/2006/diagram" xmlns:a="http://schemas.openxmlformats.org/drawingml/2006/main">
+  <dgm:ptLst>
+    <dgm:pt modelId="{EFA832D8-4362-4334-855F-F286606C84A2}" type="doc">
+      <dgm:prSet loTypeId="urn:microsoft.com/office/officeart/2018/2/layout/IconLabelList" loCatId="icon" qsTypeId="urn:microsoft.com/office/officeart/2005/8/quickstyle/simple1" qsCatId="simple" csTypeId="urn:microsoft.com/office/officeart/2018/5/colors/Iconchunking_neutralbg_colorful1" csCatId="colorful" phldr="1"/>
+      <dgm:spPr/>
+      <dgm:t>
+        <a:bodyPr/>
+        <a:lstStyle/>
+        <a:p>
+          <a:endParaRPr lang="en-US"/>
+        </a:p>
+      </dgm:t>
+    </dgm:pt>
+    <dgm:pt modelId="{444D1911-8F1F-4E75-9DD1-B95346998504}">
+      <dgm:prSet/>
+      <dgm:spPr/>
+      <dgm:t>
+        <a:bodyPr/>
+        <a:lstStyle/>
+        <a:p>
+          <a:r>
+            <a:rPr lang="en-US" dirty="0"/>
+            <a:t>Controlling the obstacles.</a:t>
+          </a:r>
+        </a:p>
+      </dgm:t>
+    </dgm:pt>
+    <dgm:pt modelId="{FE763F42-F9C6-448C-A9C2-37848D999BC5}" type="parTrans" cxnId="{C4109146-6FD3-44FE-91A2-6645D5A3EC18}">
+      <dgm:prSet/>
+      <dgm:spPr/>
+      <dgm:t>
+        <a:bodyPr/>
+        <a:lstStyle/>
+        <a:p>
+          <a:endParaRPr lang="en-US"/>
+        </a:p>
+      </dgm:t>
+    </dgm:pt>
+    <dgm:pt modelId="{F99327B9-33E9-45CD-A296-AB130EF67D2F}" type="sibTrans" cxnId="{C4109146-6FD3-44FE-91A2-6645D5A3EC18}">
+      <dgm:prSet/>
+      <dgm:spPr/>
+      <dgm:t>
+        <a:bodyPr/>
+        <a:lstStyle/>
+        <a:p>
+          <a:endParaRPr lang="en-US"/>
+        </a:p>
+      </dgm:t>
+    </dgm:pt>
+    <dgm:pt modelId="{F51FC514-D5AF-4184-90C5-C18575A08D0E}">
+      <dgm:prSet/>
+      <dgm:spPr/>
+      <dgm:t>
+        <a:bodyPr/>
+        <a:lstStyle/>
+        <a:p>
+          <a:r>
+            <a:rPr lang="en-US" dirty="0"/>
+            <a:t>Integrating the game (JavaScript) and machine learning algorithm (Python).</a:t>
+          </a:r>
+        </a:p>
+      </dgm:t>
+    </dgm:pt>
+    <dgm:pt modelId="{883DC58B-55B7-4AC4-8A2C-CE32AFFC46BB}" type="parTrans" cxnId="{8C019B60-297C-4D17-A781-DC89448F17EB}">
+      <dgm:prSet/>
+      <dgm:spPr/>
+      <dgm:t>
+        <a:bodyPr/>
+        <a:lstStyle/>
+        <a:p>
+          <a:endParaRPr lang="en-US"/>
+        </a:p>
+      </dgm:t>
+    </dgm:pt>
+    <dgm:pt modelId="{54DFA4F3-F8ED-47DF-A268-60128D5C4E98}" type="sibTrans" cxnId="{8C019B60-297C-4D17-A781-DC89448F17EB}">
+      <dgm:prSet/>
+      <dgm:spPr/>
+      <dgm:t>
+        <a:bodyPr/>
+        <a:lstStyle/>
+        <a:p>
+          <a:endParaRPr lang="en-US"/>
+        </a:p>
+      </dgm:t>
+    </dgm:pt>
+    <dgm:pt modelId="{F41C439E-BAB1-4A2C-A8D1-1B1463377F8E}">
+      <dgm:prSet/>
+      <dgm:spPr/>
+      <dgm:t>
+        <a:bodyPr/>
+        <a:lstStyle/>
+        <a:p>
+          <a:r>
+            <a:rPr lang="en-US" dirty="0"/>
+            <a:t>Deploying the system – integration issues.</a:t>
+          </a:r>
+        </a:p>
+      </dgm:t>
+    </dgm:pt>
+    <dgm:pt modelId="{6B9A51DB-290E-424F-9E35-BD835E5E3BF8}" type="parTrans" cxnId="{5FC0B8A4-640C-41B7-ADFC-669920801B69}">
+      <dgm:prSet/>
+      <dgm:spPr/>
+      <dgm:t>
+        <a:bodyPr/>
+        <a:lstStyle/>
+        <a:p>
+          <a:endParaRPr lang="en-US"/>
+        </a:p>
+      </dgm:t>
+    </dgm:pt>
+    <dgm:pt modelId="{B45B4400-8DA9-46EA-9BFA-ADE0B289AF7D}" type="sibTrans" cxnId="{5FC0B8A4-640C-41B7-ADFC-669920801B69}">
+      <dgm:prSet/>
+      <dgm:spPr/>
+      <dgm:t>
+        <a:bodyPr/>
+        <a:lstStyle/>
+        <a:p>
+          <a:endParaRPr lang="en-US"/>
+        </a:p>
+      </dgm:t>
+    </dgm:pt>
+    <dgm:pt modelId="{44AAAFD0-E156-4182-A405-B1A6BE67B23B}" type="pres">
+      <dgm:prSet presAssocID="{EFA832D8-4362-4334-855F-F286606C84A2}" presName="root" presStyleCnt="0">
+        <dgm:presLayoutVars>
+          <dgm:dir/>
+          <dgm:resizeHandles val="exact"/>
+        </dgm:presLayoutVars>
+      </dgm:prSet>
+      <dgm:spPr/>
+    </dgm:pt>
+    <dgm:pt modelId="{91281074-A9EE-4F5A-8574-BC8DF296D438}" type="pres">
+      <dgm:prSet presAssocID="{444D1911-8F1F-4E75-9DD1-B95346998504}" presName="compNode" presStyleCnt="0"/>
+      <dgm:spPr/>
+    </dgm:pt>
+    <dgm:pt modelId="{E9E18714-1B81-4C8B-9D13-12819C51B4E0}" type="pres">
+      <dgm:prSet presAssocID="{444D1911-8F1F-4E75-9DD1-B95346998504}" presName="iconRect" presStyleLbl="node1" presStyleIdx="0" presStyleCnt="3"/>
+      <dgm:spPr>
+        <a:blipFill>
+          <a:blip xmlns:r="http://schemas.openxmlformats.org/officeDocument/2006/relationships" r:embed="rId1">
+            <a:extLst>
+              <a:ext uri="{28A0092B-C50C-407E-A947-70E740481C1C}">
+                <a14:useLocalDpi xmlns:a14="http://schemas.microsoft.com/office/drawing/2010/main" val="0"/>
+              </a:ext>
+              <a:ext uri="{96DAC541-7B7A-43D3-8B79-37D633B846F1}">
+                <asvg:svgBlip xmlns:asvg="http://schemas.microsoft.com/office/drawing/2016/SVG/main" r:embed="rId2"/>
+              </a:ext>
+            </a:extLst>
+          </a:blip>
+          <a:stretch>
+            <a:fillRect/>
+          </a:stretch>
+        </a:blipFill>
+        <a:ln>
+          <a:noFill/>
+        </a:ln>
+      </dgm:spPr>
+      <dgm:extLst>
+        <a:ext uri="{E40237B7-FDA0-4F09-8148-C483321AD2D9}">
+          <dgm14:cNvPr xmlns:dgm14="http://schemas.microsoft.com/office/drawing/2010/diagram" id="0" name="" descr="Bullseye"/>
+        </a:ext>
+      </dgm:extLst>
+    </dgm:pt>
+    <dgm:pt modelId="{E2C31B5A-B970-4120-AAE0-488C03D28E22}" type="pres">
+      <dgm:prSet presAssocID="{444D1911-8F1F-4E75-9DD1-B95346998504}" presName="spaceRect" presStyleCnt="0"/>
+      <dgm:spPr/>
+    </dgm:pt>
+    <dgm:pt modelId="{3B7A199C-151A-4C43-8982-5645A2C240DC}" type="pres">
+      <dgm:prSet presAssocID="{444D1911-8F1F-4E75-9DD1-B95346998504}" presName="textRect" presStyleLbl="revTx" presStyleIdx="0" presStyleCnt="3">
+        <dgm:presLayoutVars>
+          <dgm:chMax val="1"/>
+          <dgm:chPref val="1"/>
+        </dgm:presLayoutVars>
+      </dgm:prSet>
+      <dgm:spPr/>
+    </dgm:pt>
+    <dgm:pt modelId="{ED621984-A28F-4CE6-B1DB-A8BB3D075BF4}" type="pres">
+      <dgm:prSet presAssocID="{F99327B9-33E9-45CD-A296-AB130EF67D2F}" presName="sibTrans" presStyleCnt="0"/>
+      <dgm:spPr/>
+    </dgm:pt>
+    <dgm:pt modelId="{6074FCF8-7A3A-4E26-8F88-442F011F6D0A}" type="pres">
+      <dgm:prSet presAssocID="{F51FC514-D5AF-4184-90C5-C18575A08D0E}" presName="compNode" presStyleCnt="0"/>
+      <dgm:spPr/>
+    </dgm:pt>
+    <dgm:pt modelId="{BFED0095-749A-4D62-8B28-01820312367D}" type="pres">
+      <dgm:prSet presAssocID="{F51FC514-D5AF-4184-90C5-C18575A08D0E}" presName="iconRect" presStyleLbl="node1" presStyleIdx="1" presStyleCnt="3"/>
+      <dgm:spPr>
+        <a:blipFill>
+          <a:blip xmlns:r="http://schemas.openxmlformats.org/officeDocument/2006/relationships" r:embed="rId3">
+            <a:extLst>
+              <a:ext uri="{28A0092B-C50C-407E-A947-70E740481C1C}">
+                <a14:useLocalDpi xmlns:a14="http://schemas.microsoft.com/office/drawing/2010/main" val="0"/>
+              </a:ext>
+              <a:ext uri="{96DAC541-7B7A-43D3-8B79-37D633B846F1}">
+                <asvg:svgBlip xmlns:asvg="http://schemas.microsoft.com/office/drawing/2016/SVG/main" r:embed="rId4"/>
+              </a:ext>
+            </a:extLst>
+          </a:blip>
+          <a:stretch>
+            <a:fillRect/>
+          </a:stretch>
+        </a:blipFill>
+        <a:ln>
+          <a:noFill/>
+        </a:ln>
+      </dgm:spPr>
+      <dgm:extLst>
+        <a:ext uri="{E40237B7-FDA0-4F09-8148-C483321AD2D9}">
+          <dgm14:cNvPr xmlns:dgm14="http://schemas.microsoft.com/office/drawing/2010/diagram" id="0" name="" descr="Programmer"/>
+        </a:ext>
+      </dgm:extLst>
+    </dgm:pt>
+    <dgm:pt modelId="{2E9E53DD-9130-402E-8C9B-B4816674A00E}" type="pres">
+      <dgm:prSet presAssocID="{F51FC514-D5AF-4184-90C5-C18575A08D0E}" presName="spaceRect" presStyleCnt="0"/>
+      <dgm:spPr/>
+    </dgm:pt>
+    <dgm:pt modelId="{1CE4A1AB-57AC-4BB3-AE75-C3FD5876AA0E}" type="pres">
+      <dgm:prSet presAssocID="{F51FC514-D5AF-4184-90C5-C18575A08D0E}" presName="textRect" presStyleLbl="revTx" presStyleIdx="1" presStyleCnt="3">
+        <dgm:presLayoutVars>
+          <dgm:chMax val="1"/>
+          <dgm:chPref val="1"/>
+        </dgm:presLayoutVars>
+      </dgm:prSet>
+      <dgm:spPr/>
+    </dgm:pt>
+    <dgm:pt modelId="{7D2732FC-8BF0-4768-89FD-7EC38C0431F7}" type="pres">
+      <dgm:prSet presAssocID="{54DFA4F3-F8ED-47DF-A268-60128D5C4E98}" presName="sibTrans" presStyleCnt="0"/>
+      <dgm:spPr/>
+    </dgm:pt>
+    <dgm:pt modelId="{AF61D5B5-B91B-487E-A1E9-3C23C5F7F2B0}" type="pres">
+      <dgm:prSet presAssocID="{F41C439E-BAB1-4A2C-A8D1-1B1463377F8E}" presName="compNode" presStyleCnt="0"/>
+      <dgm:spPr/>
+    </dgm:pt>
+    <dgm:pt modelId="{DDC0128B-ACE5-4E20-9875-380AAB81258D}" type="pres">
+      <dgm:prSet presAssocID="{F41C439E-BAB1-4A2C-A8D1-1B1463377F8E}" presName="iconRect" presStyleLbl="node1" presStyleIdx="2" presStyleCnt="3"/>
+      <dgm:spPr>
+        <a:blipFill>
+          <a:blip xmlns:r="http://schemas.openxmlformats.org/officeDocument/2006/relationships" r:embed="rId5">
+            <a:extLst>
+              <a:ext uri="{28A0092B-C50C-407E-A947-70E740481C1C}">
+                <a14:useLocalDpi xmlns:a14="http://schemas.microsoft.com/office/drawing/2010/main" val="0"/>
+              </a:ext>
+              <a:ext uri="{96DAC541-7B7A-43D3-8B79-37D633B846F1}">
+                <asvg:svgBlip xmlns:asvg="http://schemas.microsoft.com/office/drawing/2016/SVG/main" r:embed="rId6"/>
+              </a:ext>
+            </a:extLst>
+          </a:blip>
+          <a:stretch>
+            <a:fillRect/>
+          </a:stretch>
+        </a:blipFill>
+        <a:ln>
+          <a:noFill/>
+        </a:ln>
+      </dgm:spPr>
+      <dgm:extLst>
+        <a:ext uri="{E40237B7-FDA0-4F09-8148-C483321AD2D9}">
+          <dgm14:cNvPr xmlns:dgm14="http://schemas.microsoft.com/office/drawing/2010/diagram" id="0" name="" descr="Network Diagram"/>
+        </a:ext>
+      </dgm:extLst>
+    </dgm:pt>
+    <dgm:pt modelId="{95496ABF-933F-4936-804E-37327E558A2B}" type="pres">
+      <dgm:prSet presAssocID="{F41C439E-BAB1-4A2C-A8D1-1B1463377F8E}" presName="spaceRect" presStyleCnt="0"/>
+      <dgm:spPr/>
+    </dgm:pt>
+    <dgm:pt modelId="{D1073A08-1E7A-48AB-9A53-9CE3B7CB9593}" type="pres">
+      <dgm:prSet presAssocID="{F41C439E-BAB1-4A2C-A8D1-1B1463377F8E}" presName="textRect" presStyleLbl="revTx" presStyleIdx="2" presStyleCnt="3">
+        <dgm:presLayoutVars>
+          <dgm:chMax val="1"/>
+          <dgm:chPref val="1"/>
+        </dgm:presLayoutVars>
+      </dgm:prSet>
+      <dgm:spPr/>
+    </dgm:pt>
+  </dgm:ptLst>
+  <dgm:cxnLst>
+    <dgm:cxn modelId="{24985F01-D6C1-434D-AAE5-214122C1D8F6}" type="presOf" srcId="{F51FC514-D5AF-4184-90C5-C18575A08D0E}" destId="{1CE4A1AB-57AC-4BB3-AE75-C3FD5876AA0E}" srcOrd="0" destOrd="0" presId="urn:microsoft.com/office/officeart/2018/2/layout/IconLabelList"/>
+    <dgm:cxn modelId="{FC257E1C-5F01-4269-9474-D99FB7C0E1A5}" type="presOf" srcId="{F41C439E-BAB1-4A2C-A8D1-1B1463377F8E}" destId="{D1073A08-1E7A-48AB-9A53-9CE3B7CB9593}" srcOrd="0" destOrd="0" presId="urn:microsoft.com/office/officeart/2018/2/layout/IconLabelList"/>
+    <dgm:cxn modelId="{C4109146-6FD3-44FE-91A2-6645D5A3EC18}" srcId="{EFA832D8-4362-4334-855F-F286606C84A2}" destId="{444D1911-8F1F-4E75-9DD1-B95346998504}" srcOrd="0" destOrd="0" parTransId="{FE763F42-F9C6-448C-A9C2-37848D999BC5}" sibTransId="{F99327B9-33E9-45CD-A296-AB130EF67D2F}"/>
+    <dgm:cxn modelId="{3EF9E65C-BE34-4293-A6E1-D199972FFB92}" type="presOf" srcId="{444D1911-8F1F-4E75-9DD1-B95346998504}" destId="{3B7A199C-151A-4C43-8982-5645A2C240DC}" srcOrd="0" destOrd="0" presId="urn:microsoft.com/office/officeart/2018/2/layout/IconLabelList"/>
+    <dgm:cxn modelId="{8C019B60-297C-4D17-A781-DC89448F17EB}" srcId="{EFA832D8-4362-4334-855F-F286606C84A2}" destId="{F51FC514-D5AF-4184-90C5-C18575A08D0E}" srcOrd="1" destOrd="0" parTransId="{883DC58B-55B7-4AC4-8A2C-CE32AFFC46BB}" sibTransId="{54DFA4F3-F8ED-47DF-A268-60128D5C4E98}"/>
+    <dgm:cxn modelId="{5FC0B8A4-640C-41B7-ADFC-669920801B69}" srcId="{EFA832D8-4362-4334-855F-F286606C84A2}" destId="{F41C439E-BAB1-4A2C-A8D1-1B1463377F8E}" srcOrd="2" destOrd="0" parTransId="{6B9A51DB-290E-424F-9E35-BD835E5E3BF8}" sibTransId="{B45B4400-8DA9-46EA-9BFA-ADE0B289AF7D}"/>
+    <dgm:cxn modelId="{A33096D3-A88A-4529-A5E4-DC0DBD124A7E}" type="presOf" srcId="{EFA832D8-4362-4334-855F-F286606C84A2}" destId="{44AAAFD0-E156-4182-A405-B1A6BE67B23B}" srcOrd="0" destOrd="0" presId="urn:microsoft.com/office/officeart/2018/2/layout/IconLabelList"/>
+    <dgm:cxn modelId="{25A425A4-7852-48B7-AE3B-F86A7A722A18}" type="presParOf" srcId="{44AAAFD0-E156-4182-A405-B1A6BE67B23B}" destId="{91281074-A9EE-4F5A-8574-BC8DF296D438}" srcOrd="0" destOrd="0" presId="urn:microsoft.com/office/officeart/2018/2/layout/IconLabelList"/>
+    <dgm:cxn modelId="{B9FE02CA-45F9-41E2-AA12-4E01C8829D45}" type="presParOf" srcId="{91281074-A9EE-4F5A-8574-BC8DF296D438}" destId="{E9E18714-1B81-4C8B-9D13-12819C51B4E0}" srcOrd="0" destOrd="0" presId="urn:microsoft.com/office/officeart/2018/2/layout/IconLabelList"/>
+    <dgm:cxn modelId="{EE46E94D-3BD3-470F-B9C5-C978DB9A2A98}" type="presParOf" srcId="{91281074-A9EE-4F5A-8574-BC8DF296D438}" destId="{E2C31B5A-B970-4120-AAE0-488C03D28E22}" srcOrd="1" destOrd="0" presId="urn:microsoft.com/office/officeart/2018/2/layout/IconLabelList"/>
+    <dgm:cxn modelId="{8EAA4A35-3FF4-4719-88CD-B5C5EDBE8003}" type="presParOf" srcId="{91281074-A9EE-4F5A-8574-BC8DF296D438}" destId="{3B7A199C-151A-4C43-8982-5645A2C240DC}" srcOrd="2" destOrd="0" presId="urn:microsoft.com/office/officeart/2018/2/layout/IconLabelList"/>
+    <dgm:cxn modelId="{0C55B97D-471F-4808-8095-FB4CEA11AC2D}" type="presParOf" srcId="{44AAAFD0-E156-4182-A405-B1A6BE67B23B}" destId="{ED621984-A28F-4CE6-B1DB-A8BB3D075BF4}" srcOrd="1" destOrd="0" presId="urn:microsoft.com/office/officeart/2018/2/layout/IconLabelList"/>
+    <dgm:cxn modelId="{F89B0308-4DB9-496F-BFD3-E43B8C605D3B}" type="presParOf" srcId="{44AAAFD0-E156-4182-A405-B1A6BE67B23B}" destId="{6074FCF8-7A3A-4E26-8F88-442F011F6D0A}" srcOrd="2" destOrd="0" presId="urn:microsoft.com/office/officeart/2018/2/layout/IconLabelList"/>
+    <dgm:cxn modelId="{33901FEF-ED87-434D-AB34-6DE932E282AA}" type="presParOf" srcId="{6074FCF8-7A3A-4E26-8F88-442F011F6D0A}" destId="{BFED0095-749A-4D62-8B28-01820312367D}" srcOrd="0" destOrd="0" presId="urn:microsoft.com/office/officeart/2018/2/layout/IconLabelList"/>
+    <dgm:cxn modelId="{A207F406-F32A-4771-AE25-F90FFC940A0C}" type="presParOf" srcId="{6074FCF8-7A3A-4E26-8F88-442F011F6D0A}" destId="{2E9E53DD-9130-402E-8C9B-B4816674A00E}" srcOrd="1" destOrd="0" presId="urn:microsoft.com/office/officeart/2018/2/layout/IconLabelList"/>
+    <dgm:cxn modelId="{363107E1-81E1-4BE8-A2B9-E812A3DB6F54}" type="presParOf" srcId="{6074FCF8-7A3A-4E26-8F88-442F011F6D0A}" destId="{1CE4A1AB-57AC-4BB3-AE75-C3FD5876AA0E}" srcOrd="2" destOrd="0" presId="urn:microsoft.com/office/officeart/2018/2/layout/IconLabelList"/>
+    <dgm:cxn modelId="{53CD96A6-A152-4003-AA87-EB1EA9415A49}" type="presParOf" srcId="{44AAAFD0-E156-4182-A405-B1A6BE67B23B}" destId="{7D2732FC-8BF0-4768-89FD-7EC38C0431F7}" srcOrd="3" destOrd="0" presId="urn:microsoft.com/office/officeart/2018/2/layout/IconLabelList"/>
+    <dgm:cxn modelId="{6101EBF9-DDDD-4F1A-9515-BF176071647A}" type="presParOf" srcId="{44AAAFD0-E156-4182-A405-B1A6BE67B23B}" destId="{AF61D5B5-B91B-487E-A1E9-3C23C5F7F2B0}" srcOrd="4" destOrd="0" presId="urn:microsoft.com/office/officeart/2018/2/layout/IconLabelList"/>
+    <dgm:cxn modelId="{3070A7F9-9473-4397-B3A9-06A1FFA79CC6}" type="presParOf" srcId="{AF61D5B5-B91B-487E-A1E9-3C23C5F7F2B0}" destId="{DDC0128B-ACE5-4E20-9875-380AAB81258D}" srcOrd="0" destOrd="0" presId="urn:microsoft.com/office/officeart/2018/2/layout/IconLabelList"/>
+    <dgm:cxn modelId="{5611D977-CCD8-4F8E-A3C2-A9FF1A130250}" type="presParOf" srcId="{AF61D5B5-B91B-487E-A1E9-3C23C5F7F2B0}" destId="{95496ABF-933F-4936-804E-37327E558A2B}" srcOrd="1" destOrd="0" presId="urn:microsoft.com/office/officeart/2018/2/layout/IconLabelList"/>
+    <dgm:cxn modelId="{5FDE6591-98F3-46EA-B70D-F7FFC464E823}" type="presParOf" srcId="{AF61D5B5-B91B-487E-A1E9-3C23C5F7F2B0}" destId="{D1073A08-1E7A-48AB-9A53-9CE3B7CB9593}" srcOrd="2" destOrd="0" presId="urn:microsoft.com/office/officeart/2018/2/layout/IconLabelList"/>
   </dgm:cxnLst>
   <dgm:bg/>
   <dgm:whole/>
@@ -1471,7 +2920,7 @@
       </dsp:nvSpPr>
       <dsp:spPr>
         <a:xfrm>
-          <a:off x="0" y="2362"/>
+          <a:off x="0" y="590"/>
           <a:ext cx="6900512" cy="0"/>
         </a:xfrm>
         <a:prstGeom prst="line">
@@ -1521,8 +2970,8 @@
       </dsp:nvSpPr>
       <dsp:spPr>
         <a:xfrm>
-          <a:off x="0" y="2362"/>
-          <a:ext cx="6900512" cy="805662"/>
+          <a:off x="0" y="590"/>
+          <a:ext cx="6900512" cy="967503"/>
         </a:xfrm>
         <a:prstGeom prst="rect">
           <a:avLst/>
@@ -1573,8 +3022,8 @@
         </a:p>
       </dsp:txBody>
       <dsp:txXfrm>
-        <a:off x="0" y="2362"/>
-        <a:ext cx="6900512" cy="805662"/>
+        <a:off x="0" y="590"/>
+        <a:ext cx="6900512" cy="967503"/>
       </dsp:txXfrm>
     </dsp:sp>
     <dsp:sp modelId="{8AD52F04-E9C0-0F42-8F97-5AB9A0A7A1C9}">
@@ -1584,7 +3033,7 @@
       </dsp:nvSpPr>
       <dsp:spPr>
         <a:xfrm>
-          <a:off x="0" y="808025"/>
+          <a:off x="0" y="968094"/>
           <a:ext cx="6900512" cy="0"/>
         </a:xfrm>
         <a:prstGeom prst="line">
@@ -1634,8 +3083,8 @@
       </dsp:nvSpPr>
       <dsp:spPr>
         <a:xfrm>
-          <a:off x="0" y="808025"/>
-          <a:ext cx="6900512" cy="805662"/>
+          <a:off x="0" y="968094"/>
+          <a:ext cx="6900512" cy="967503"/>
         </a:xfrm>
         <a:prstGeom prst="rect">
           <a:avLst/>
@@ -1686,18 +3135,18 @@
         </a:p>
       </dsp:txBody>
       <dsp:txXfrm>
-        <a:off x="0" y="808025"/>
-        <a:ext cx="6900512" cy="805662"/>
+        <a:off x="0" y="968094"/>
+        <a:ext cx="6900512" cy="967503"/>
       </dsp:txXfrm>
     </dsp:sp>
-    <dsp:sp modelId="{3D217670-820A-DA4F-BB0D-9A7BDC55972F}">
+    <dsp:sp modelId="{204CF928-B386-0F4D-B310-0CFF467F1EE4}">
       <dsp:nvSpPr>
         <dsp:cNvPr id="0" name=""/>
         <dsp:cNvSpPr/>
       </dsp:nvSpPr>
       <dsp:spPr>
         <a:xfrm>
-          <a:off x="0" y="1613687"/>
+          <a:off x="0" y="1935598"/>
           <a:ext cx="6900512" cy="0"/>
         </a:xfrm>
         <a:prstGeom prst="line">
@@ -1740,126 +3189,6 @@
         </a:fontRef>
       </dsp:style>
     </dsp:sp>
-    <dsp:sp modelId="{9635503E-CA51-4246-93A8-AED743844B56}">
-      <dsp:nvSpPr>
-        <dsp:cNvPr id="0" name=""/>
-        <dsp:cNvSpPr/>
-      </dsp:nvSpPr>
-      <dsp:spPr>
-        <a:xfrm>
-          <a:off x="0" y="1613687"/>
-          <a:ext cx="6900512" cy="805662"/>
-        </a:xfrm>
-        <a:prstGeom prst="rect">
-          <a:avLst/>
-        </a:prstGeom>
-        <a:noFill/>
-        <a:ln>
-          <a:noFill/>
-        </a:ln>
-        <a:effectLst/>
-      </dsp:spPr>
-      <dsp:style>
-        <a:lnRef idx="0">
-          <a:scrgbClr r="0" g="0" b="0"/>
-        </a:lnRef>
-        <a:fillRef idx="0">
-          <a:scrgbClr r="0" g="0" b="0"/>
-        </a:fillRef>
-        <a:effectRef idx="0">
-          <a:scrgbClr r="0" g="0" b="0"/>
-        </a:effectRef>
-        <a:fontRef idx="minor"/>
-      </dsp:style>
-      <dsp:txBody>
-        <a:bodyPr spcFirstLastPara="0" vert="horz" wrap="square" lIns="121920" tIns="121920" rIns="121920" bIns="121920" numCol="1" spcCol="1270" anchor="t" anchorCtr="0">
-          <a:noAutofit/>
-        </a:bodyPr>
-        <a:lstStyle/>
-        <a:p>
-          <a:pPr marL="0" lvl="0" indent="0" algn="l" defTabSz="1422400" rtl="0">
-            <a:lnSpc>
-              <a:spcPct val="90000"/>
-            </a:lnSpc>
-            <a:spcBef>
-              <a:spcPct val="0"/>
-            </a:spcBef>
-            <a:spcAft>
-              <a:spcPct val="35000"/>
-            </a:spcAft>
-            <a:buNone/>
-          </a:pPr>
-          <a:r>
-            <a:rPr lang="en-US" sz="3200" kern="1200">
-              <a:latin typeface="Arial" panose="020B0604020202020204" pitchFamily="34" charset="0"/>
-              <a:cs typeface="Arial" panose="020B0604020202020204" pitchFamily="34" charset="0"/>
-            </a:rPr>
-            <a:t>Project </a:t>
-          </a:r>
-          <a:r>
-            <a:rPr lang="en-US" sz="3200" kern="1200" dirty="0">
-              <a:latin typeface="Arial" panose="020B0604020202020204" pitchFamily="34" charset="0"/>
-              <a:cs typeface="Arial" panose="020B0604020202020204" pitchFamily="34" charset="0"/>
-            </a:rPr>
-            <a:t>scope and evaluation</a:t>
-          </a:r>
-        </a:p>
-      </dsp:txBody>
-      <dsp:txXfrm>
-        <a:off x="0" y="1613687"/>
-        <a:ext cx="6900512" cy="805662"/>
-      </dsp:txXfrm>
-    </dsp:sp>
-    <dsp:sp modelId="{204CF928-B386-0F4D-B310-0CFF467F1EE4}">
-      <dsp:nvSpPr>
-        <dsp:cNvPr id="0" name=""/>
-        <dsp:cNvSpPr/>
-      </dsp:nvSpPr>
-      <dsp:spPr>
-        <a:xfrm>
-          <a:off x="0" y="2419350"/>
-          <a:ext cx="6900512" cy="0"/>
-        </a:xfrm>
-        <a:prstGeom prst="line">
-          <a:avLst/>
-        </a:prstGeom>
-        <a:solidFill>
-          <a:schemeClr val="accent5">
-            <a:hueOff val="0"/>
-            <a:satOff val="0"/>
-            <a:lumOff val="0"/>
-            <a:alphaOff val="0"/>
-          </a:schemeClr>
-        </a:solidFill>
-        <a:ln w="12700" cap="flat" cmpd="sng" algn="ctr">
-          <a:solidFill>
-            <a:schemeClr val="accent5">
-              <a:hueOff val="0"/>
-              <a:satOff val="0"/>
-              <a:lumOff val="0"/>
-              <a:alphaOff val="0"/>
-            </a:schemeClr>
-          </a:solidFill>
-          <a:prstDash val="solid"/>
-          <a:miter lim="800000"/>
-        </a:ln>
-        <a:effectLst/>
-      </dsp:spPr>
-      <dsp:style>
-        <a:lnRef idx="2">
-          <a:scrgbClr r="0" g="0" b="0"/>
-        </a:lnRef>
-        <a:fillRef idx="1">
-          <a:scrgbClr r="0" g="0" b="0"/>
-        </a:fillRef>
-        <a:effectRef idx="0">
-          <a:scrgbClr r="0" g="0" b="0"/>
-        </a:effectRef>
-        <a:fontRef idx="minor">
-          <a:schemeClr val="lt1"/>
-        </a:fontRef>
-      </dsp:style>
-    </dsp:sp>
     <dsp:sp modelId="{A34464C5-3798-1440-A7E2-0A5ADBDBA83D}">
       <dsp:nvSpPr>
         <dsp:cNvPr id="0" name=""/>
@@ -1867,8 +3196,8 @@
       </dsp:nvSpPr>
       <dsp:spPr>
         <a:xfrm>
-          <a:off x="0" y="2419350"/>
-          <a:ext cx="6900512" cy="805662"/>
+          <a:off x="0" y="1935598"/>
+          <a:ext cx="6900512" cy="967503"/>
         </a:xfrm>
         <a:prstGeom prst="rect">
           <a:avLst/>
@@ -1919,8 +3248,8 @@
         </a:p>
       </dsp:txBody>
       <dsp:txXfrm>
-        <a:off x="0" y="2419350"/>
-        <a:ext cx="6900512" cy="805662"/>
+        <a:off x="0" y="1935598"/>
+        <a:ext cx="6900512" cy="967503"/>
       </dsp:txXfrm>
     </dsp:sp>
     <dsp:sp modelId="{3CD2A232-6A7F-6E4E-8388-78BB46AE8BD4}">
@@ -1930,14 +3259,14 @@
       </dsp:nvSpPr>
       <dsp:spPr>
         <a:xfrm>
-          <a:off x="0" y="3225013"/>
+          <a:off x="0" y="2903102"/>
           <a:ext cx="6900512" cy="0"/>
         </a:xfrm>
         <a:prstGeom prst="line">
           <a:avLst/>
         </a:prstGeom>
         <a:solidFill>
-          <a:schemeClr val="accent6">
+          <a:schemeClr val="accent5">
             <a:hueOff val="0"/>
             <a:satOff val="0"/>
             <a:lumOff val="0"/>
@@ -1946,7 +3275,7 @@
         </a:solidFill>
         <a:ln w="12700" cap="flat" cmpd="sng" algn="ctr">
           <a:solidFill>
-            <a:schemeClr val="accent6">
+            <a:schemeClr val="accent5">
               <a:hueOff val="0"/>
               <a:satOff val="0"/>
               <a:lumOff val="0"/>
@@ -1980,8 +3309,8 @@
       </dsp:nvSpPr>
       <dsp:spPr>
         <a:xfrm>
-          <a:off x="0" y="3225013"/>
-          <a:ext cx="6900512" cy="805662"/>
+          <a:off x="0" y="2903102"/>
+          <a:ext cx="6900512" cy="967503"/>
         </a:xfrm>
         <a:prstGeom prst="rect">
           <a:avLst/>
@@ -2032,8 +3361,8 @@
         </a:p>
       </dsp:txBody>
       <dsp:txXfrm>
-        <a:off x="0" y="3225013"/>
-        <a:ext cx="6900512" cy="805662"/>
+        <a:off x="0" y="2903102"/>
+        <a:ext cx="6900512" cy="967503"/>
       </dsp:txXfrm>
     </dsp:sp>
     <dsp:sp modelId="{EC46EF8C-2DA8-5045-A18C-C7B1CDEF6490}">
@@ -2043,14 +3372,14 @@
       </dsp:nvSpPr>
       <dsp:spPr>
         <a:xfrm>
-          <a:off x="0" y="4030675"/>
+          <a:off x="0" y="3870606"/>
           <a:ext cx="6900512" cy="0"/>
         </a:xfrm>
         <a:prstGeom prst="line">
           <a:avLst/>
         </a:prstGeom>
         <a:solidFill>
-          <a:schemeClr val="accent2">
+          <a:schemeClr val="accent6">
             <a:hueOff val="0"/>
             <a:satOff val="0"/>
             <a:lumOff val="0"/>
@@ -2059,7 +3388,7 @@
         </a:solidFill>
         <a:ln w="12700" cap="flat" cmpd="sng" algn="ctr">
           <a:solidFill>
-            <a:schemeClr val="accent2">
+            <a:schemeClr val="accent6">
               <a:hueOff val="0"/>
               <a:satOff val="0"/>
               <a:lumOff val="0"/>
@@ -2093,8 +3422,8 @@
       </dsp:nvSpPr>
       <dsp:spPr>
         <a:xfrm>
-          <a:off x="0" y="4030675"/>
-          <a:ext cx="6900512" cy="805662"/>
+          <a:off x="0" y="3870606"/>
+          <a:ext cx="6900512" cy="967503"/>
         </a:xfrm>
         <a:prstGeom prst="rect">
           <a:avLst/>
@@ -2145,8 +3474,350 @@
         </a:p>
       </dsp:txBody>
       <dsp:txXfrm>
-        <a:off x="0" y="4030675"/>
-        <a:ext cx="6900512" cy="805662"/>
+        <a:off x="0" y="3870606"/>
+        <a:ext cx="6900512" cy="967503"/>
+      </dsp:txXfrm>
+    </dsp:sp>
+  </dsp:spTree>
+</dsp:drawing>
+</file>
+
+<file path=ppt/diagrams/drawing2.xml><?xml version="1.0" encoding="utf-8"?>
+<dsp:drawing xmlns:dgm="http://schemas.openxmlformats.org/drawingml/2006/diagram" xmlns:dsp="http://schemas.microsoft.com/office/drawing/2008/diagram" xmlns:a="http://schemas.openxmlformats.org/drawingml/2006/main">
+  <dsp:spTree>
+    <dsp:nvGrpSpPr>
+      <dsp:cNvPr id="0" name=""/>
+      <dsp:cNvGrpSpPr/>
+    </dsp:nvGrpSpPr>
+    <dsp:grpSpPr/>
+    <dsp:sp modelId="{E9E18714-1B81-4C8B-9D13-12819C51B4E0}">
+      <dsp:nvSpPr>
+        <dsp:cNvPr id="0" name=""/>
+        <dsp:cNvSpPr/>
+      </dsp:nvSpPr>
+      <dsp:spPr>
+        <a:xfrm>
+          <a:off x="947201" y="818755"/>
+          <a:ext cx="1451800" cy="1451800"/>
+        </a:xfrm>
+        <a:prstGeom prst="rect">
+          <a:avLst/>
+        </a:prstGeom>
+        <a:blipFill>
+          <a:blip xmlns:r="http://schemas.openxmlformats.org/officeDocument/2006/relationships" r:embed="rId1">
+            <a:extLst>
+              <a:ext uri="{28A0092B-C50C-407E-A947-70E740481C1C}">
+                <a14:useLocalDpi xmlns:a14="http://schemas.microsoft.com/office/drawing/2010/main" val="0"/>
+              </a:ext>
+              <a:ext uri="{96DAC541-7B7A-43D3-8B79-37D633B846F1}">
+                <asvg:svgBlip xmlns:asvg="http://schemas.microsoft.com/office/drawing/2016/SVG/main" r:embed="rId2"/>
+              </a:ext>
+            </a:extLst>
+          </a:blip>
+          <a:stretch>
+            <a:fillRect/>
+          </a:stretch>
+        </a:blipFill>
+        <a:ln w="12700" cap="flat" cmpd="sng" algn="ctr">
+          <a:noFill/>
+          <a:prstDash val="solid"/>
+          <a:miter lim="800000"/>
+        </a:ln>
+        <a:effectLst/>
+      </dsp:spPr>
+      <dsp:style>
+        <a:lnRef idx="2">
+          <a:scrgbClr r="0" g="0" b="0"/>
+        </a:lnRef>
+        <a:fillRef idx="1">
+          <a:scrgbClr r="0" g="0" b="0"/>
+        </a:fillRef>
+        <a:effectRef idx="0">
+          <a:scrgbClr r="0" g="0" b="0"/>
+        </a:effectRef>
+        <a:fontRef idx="minor">
+          <a:schemeClr val="lt1"/>
+        </a:fontRef>
+      </dsp:style>
+    </dsp:sp>
+    <dsp:sp modelId="{3B7A199C-151A-4C43-8982-5645A2C240DC}">
+      <dsp:nvSpPr>
+        <dsp:cNvPr id="0" name=""/>
+        <dsp:cNvSpPr/>
+      </dsp:nvSpPr>
+      <dsp:spPr>
+        <a:xfrm>
+          <a:off x="59990" y="2654049"/>
+          <a:ext cx="3226223" cy="720000"/>
+        </a:xfrm>
+        <a:prstGeom prst="rect">
+          <a:avLst/>
+        </a:prstGeom>
+        <a:noFill/>
+        <a:ln>
+          <a:noFill/>
+        </a:ln>
+        <a:effectLst/>
+      </dsp:spPr>
+      <dsp:style>
+        <a:lnRef idx="0">
+          <a:scrgbClr r="0" g="0" b="0"/>
+        </a:lnRef>
+        <a:fillRef idx="0">
+          <a:scrgbClr r="0" g="0" b="0"/>
+        </a:fillRef>
+        <a:effectRef idx="0">
+          <a:scrgbClr r="0" g="0" b="0"/>
+        </a:effectRef>
+        <a:fontRef idx="minor"/>
+      </dsp:style>
+      <dsp:txBody>
+        <a:bodyPr spcFirstLastPara="0" vert="horz" wrap="square" lIns="0" tIns="0" rIns="0" bIns="0" numCol="1" spcCol="1270" anchor="t" anchorCtr="0">
+          <a:noAutofit/>
+        </a:bodyPr>
+        <a:lstStyle/>
+        <a:p>
+          <a:pPr marL="0" lvl="0" indent="0" algn="ctr" defTabSz="755650">
+            <a:lnSpc>
+              <a:spcPct val="90000"/>
+            </a:lnSpc>
+            <a:spcBef>
+              <a:spcPct val="0"/>
+            </a:spcBef>
+            <a:spcAft>
+              <a:spcPct val="35000"/>
+            </a:spcAft>
+            <a:buNone/>
+          </a:pPr>
+          <a:r>
+            <a:rPr lang="en-US" sz="1700" kern="1200" dirty="0"/>
+            <a:t>Controlling the obstacles.</a:t>
+          </a:r>
+        </a:p>
+      </dsp:txBody>
+      <dsp:txXfrm>
+        <a:off x="59990" y="2654049"/>
+        <a:ext cx="3226223" cy="720000"/>
+      </dsp:txXfrm>
+    </dsp:sp>
+    <dsp:sp modelId="{BFED0095-749A-4D62-8B28-01820312367D}">
+      <dsp:nvSpPr>
+        <dsp:cNvPr id="0" name=""/>
+        <dsp:cNvSpPr/>
+      </dsp:nvSpPr>
+      <dsp:spPr>
+        <a:xfrm>
+          <a:off x="4738014" y="818755"/>
+          <a:ext cx="1451800" cy="1451800"/>
+        </a:xfrm>
+        <a:prstGeom prst="rect">
+          <a:avLst/>
+        </a:prstGeom>
+        <a:blipFill>
+          <a:blip xmlns:r="http://schemas.openxmlformats.org/officeDocument/2006/relationships" r:embed="rId3">
+            <a:extLst>
+              <a:ext uri="{28A0092B-C50C-407E-A947-70E740481C1C}">
+                <a14:useLocalDpi xmlns:a14="http://schemas.microsoft.com/office/drawing/2010/main" val="0"/>
+              </a:ext>
+              <a:ext uri="{96DAC541-7B7A-43D3-8B79-37D633B846F1}">
+                <asvg:svgBlip xmlns:asvg="http://schemas.microsoft.com/office/drawing/2016/SVG/main" r:embed="rId4"/>
+              </a:ext>
+            </a:extLst>
+          </a:blip>
+          <a:stretch>
+            <a:fillRect/>
+          </a:stretch>
+        </a:blipFill>
+        <a:ln w="12700" cap="flat" cmpd="sng" algn="ctr">
+          <a:noFill/>
+          <a:prstDash val="solid"/>
+          <a:miter lim="800000"/>
+        </a:ln>
+        <a:effectLst/>
+      </dsp:spPr>
+      <dsp:style>
+        <a:lnRef idx="2">
+          <a:scrgbClr r="0" g="0" b="0"/>
+        </a:lnRef>
+        <a:fillRef idx="1">
+          <a:scrgbClr r="0" g="0" b="0"/>
+        </a:fillRef>
+        <a:effectRef idx="0">
+          <a:scrgbClr r="0" g="0" b="0"/>
+        </a:effectRef>
+        <a:fontRef idx="minor">
+          <a:schemeClr val="lt1"/>
+        </a:fontRef>
+      </dsp:style>
+    </dsp:sp>
+    <dsp:sp modelId="{1CE4A1AB-57AC-4BB3-AE75-C3FD5876AA0E}">
+      <dsp:nvSpPr>
+        <dsp:cNvPr id="0" name=""/>
+        <dsp:cNvSpPr/>
+      </dsp:nvSpPr>
+      <dsp:spPr>
+        <a:xfrm>
+          <a:off x="3850802" y="2654049"/>
+          <a:ext cx="3226223" cy="720000"/>
+        </a:xfrm>
+        <a:prstGeom prst="rect">
+          <a:avLst/>
+        </a:prstGeom>
+        <a:noFill/>
+        <a:ln>
+          <a:noFill/>
+        </a:ln>
+        <a:effectLst/>
+      </dsp:spPr>
+      <dsp:style>
+        <a:lnRef idx="0">
+          <a:scrgbClr r="0" g="0" b="0"/>
+        </a:lnRef>
+        <a:fillRef idx="0">
+          <a:scrgbClr r="0" g="0" b="0"/>
+        </a:fillRef>
+        <a:effectRef idx="0">
+          <a:scrgbClr r="0" g="0" b="0"/>
+        </a:effectRef>
+        <a:fontRef idx="minor"/>
+      </dsp:style>
+      <dsp:txBody>
+        <a:bodyPr spcFirstLastPara="0" vert="horz" wrap="square" lIns="0" tIns="0" rIns="0" bIns="0" numCol="1" spcCol="1270" anchor="t" anchorCtr="0">
+          <a:noAutofit/>
+        </a:bodyPr>
+        <a:lstStyle/>
+        <a:p>
+          <a:pPr marL="0" lvl="0" indent="0" algn="ctr" defTabSz="755650">
+            <a:lnSpc>
+              <a:spcPct val="90000"/>
+            </a:lnSpc>
+            <a:spcBef>
+              <a:spcPct val="0"/>
+            </a:spcBef>
+            <a:spcAft>
+              <a:spcPct val="35000"/>
+            </a:spcAft>
+            <a:buNone/>
+          </a:pPr>
+          <a:r>
+            <a:rPr lang="en-US" sz="1700" kern="1200" dirty="0"/>
+            <a:t>Integrating the game (JavaScript) and machine learning algorithm (Python).</a:t>
+          </a:r>
+        </a:p>
+      </dsp:txBody>
+      <dsp:txXfrm>
+        <a:off x="3850802" y="2654049"/>
+        <a:ext cx="3226223" cy="720000"/>
+      </dsp:txXfrm>
+    </dsp:sp>
+    <dsp:sp modelId="{DDC0128B-ACE5-4E20-9875-380AAB81258D}">
+      <dsp:nvSpPr>
+        <dsp:cNvPr id="0" name=""/>
+        <dsp:cNvSpPr/>
+      </dsp:nvSpPr>
+      <dsp:spPr>
+        <a:xfrm>
+          <a:off x="8528826" y="818755"/>
+          <a:ext cx="1451800" cy="1451800"/>
+        </a:xfrm>
+        <a:prstGeom prst="rect">
+          <a:avLst/>
+        </a:prstGeom>
+        <a:blipFill>
+          <a:blip xmlns:r="http://schemas.openxmlformats.org/officeDocument/2006/relationships" r:embed="rId5">
+            <a:extLst>
+              <a:ext uri="{28A0092B-C50C-407E-A947-70E740481C1C}">
+                <a14:useLocalDpi xmlns:a14="http://schemas.microsoft.com/office/drawing/2010/main" val="0"/>
+              </a:ext>
+              <a:ext uri="{96DAC541-7B7A-43D3-8B79-37D633B846F1}">
+                <asvg:svgBlip xmlns:asvg="http://schemas.microsoft.com/office/drawing/2016/SVG/main" r:embed="rId6"/>
+              </a:ext>
+            </a:extLst>
+          </a:blip>
+          <a:stretch>
+            <a:fillRect/>
+          </a:stretch>
+        </a:blipFill>
+        <a:ln w="12700" cap="flat" cmpd="sng" algn="ctr">
+          <a:noFill/>
+          <a:prstDash val="solid"/>
+          <a:miter lim="800000"/>
+        </a:ln>
+        <a:effectLst/>
+      </dsp:spPr>
+      <dsp:style>
+        <a:lnRef idx="2">
+          <a:scrgbClr r="0" g="0" b="0"/>
+        </a:lnRef>
+        <a:fillRef idx="1">
+          <a:scrgbClr r="0" g="0" b="0"/>
+        </a:fillRef>
+        <a:effectRef idx="0">
+          <a:scrgbClr r="0" g="0" b="0"/>
+        </a:effectRef>
+        <a:fontRef idx="minor">
+          <a:schemeClr val="lt1"/>
+        </a:fontRef>
+      </dsp:style>
+    </dsp:sp>
+    <dsp:sp modelId="{D1073A08-1E7A-48AB-9A53-9CE3B7CB9593}">
+      <dsp:nvSpPr>
+        <dsp:cNvPr id="0" name=""/>
+        <dsp:cNvSpPr/>
+      </dsp:nvSpPr>
+      <dsp:spPr>
+        <a:xfrm>
+          <a:off x="7641615" y="2654049"/>
+          <a:ext cx="3226223" cy="720000"/>
+        </a:xfrm>
+        <a:prstGeom prst="rect">
+          <a:avLst/>
+        </a:prstGeom>
+        <a:noFill/>
+        <a:ln>
+          <a:noFill/>
+        </a:ln>
+        <a:effectLst/>
+      </dsp:spPr>
+      <dsp:style>
+        <a:lnRef idx="0">
+          <a:scrgbClr r="0" g="0" b="0"/>
+        </a:lnRef>
+        <a:fillRef idx="0">
+          <a:scrgbClr r="0" g="0" b="0"/>
+        </a:fillRef>
+        <a:effectRef idx="0">
+          <a:scrgbClr r="0" g="0" b="0"/>
+        </a:effectRef>
+        <a:fontRef idx="minor"/>
+      </dsp:style>
+      <dsp:txBody>
+        <a:bodyPr spcFirstLastPara="0" vert="horz" wrap="square" lIns="0" tIns="0" rIns="0" bIns="0" numCol="1" spcCol="1270" anchor="t" anchorCtr="0">
+          <a:noAutofit/>
+        </a:bodyPr>
+        <a:lstStyle/>
+        <a:p>
+          <a:pPr marL="0" lvl="0" indent="0" algn="ctr" defTabSz="755650">
+            <a:lnSpc>
+              <a:spcPct val="90000"/>
+            </a:lnSpc>
+            <a:spcBef>
+              <a:spcPct val="0"/>
+            </a:spcBef>
+            <a:spcAft>
+              <a:spcPct val="35000"/>
+            </a:spcAft>
+            <a:buNone/>
+          </a:pPr>
+          <a:r>
+            <a:rPr lang="en-US" sz="1700" kern="1200" dirty="0"/>
+            <a:t>Deploying the system – integration issues.</a:t>
+          </a:r>
+        </a:p>
+      </dsp:txBody>
+      <dsp:txXfrm>
+        <a:off x="7641615" y="2654049"/>
+        <a:ext cx="3226223" cy="720000"/>
       </dsp:txXfrm>
     </dsp:sp>
   </dsp:spTree>
@@ -2619,7 +4290,1231 @@
 </dgm:layoutDef>
 </file>
 
+<file path=ppt/diagrams/layout2.xml><?xml version="1.0" encoding="utf-8"?>
+<dgm:layoutDef xmlns:dgm="http://schemas.openxmlformats.org/drawingml/2006/diagram" xmlns:a="http://schemas.openxmlformats.org/drawingml/2006/main" uniqueId="urn:microsoft.com/office/officeart/2018/2/layout/IconLabelList">
+  <dgm:title val="Icon Label List"/>
+  <dgm:desc val="Use to show non-sequential or grouped chunks of information accompanied by a related visuals. Works best with icons or small pictures with short text captions."/>
+  <dgm:catLst>
+    <dgm:cat type="icon" pri="500"/>
+  </dgm:catLst>
+  <dgm:sampData useDef="1">
+    <dgm:dataModel>
+      <dgm:ptLst/>
+      <dgm:bg/>
+      <dgm:whole/>
+    </dgm:dataModel>
+  </dgm:sampData>
+  <dgm:styleData useDef="1">
+    <dgm:dataModel>
+      <dgm:ptLst/>
+      <dgm:bg/>
+      <dgm:whole/>
+    </dgm:dataModel>
+  </dgm:styleData>
+  <dgm:clrData useDef="1">
+    <dgm:dataModel>
+      <dgm:ptLst/>
+      <dgm:bg/>
+      <dgm:whole/>
+    </dgm:dataModel>
+  </dgm:clrData>
+  <dgm:layoutNode name="root">
+    <dgm:varLst>
+      <dgm:dir/>
+      <dgm:resizeHandles val="exact"/>
+    </dgm:varLst>
+    <dgm:choose name="Name0">
+      <dgm:if name="Name1" axis="self" func="var" arg="dir" op="equ" val="norm">
+        <dgm:alg type="snake">
+          <dgm:param type="grDir" val="tL"/>
+          <dgm:param type="flowDir" val="row"/>
+          <dgm:param type="contDir" val="sameDir"/>
+          <dgm:param type="off" val="ctr"/>
+          <dgm:param type="vertAlign" val="mid"/>
+          <dgm:param type="horzAlign" val="ctr"/>
+        </dgm:alg>
+      </dgm:if>
+      <dgm:else name="Name2">
+        <dgm:alg type="snake">
+          <dgm:param type="grDir" val="tR"/>
+          <dgm:param type="flowDir" val="row"/>
+          <dgm:param type="contDir" val="sameDir"/>
+          <dgm:param type="off" val="ctr"/>
+          <dgm:param type="vertAlign" val="mid"/>
+          <dgm:param type="horzAlign" val="ctr"/>
+        </dgm:alg>
+      </dgm:else>
+    </dgm:choose>
+    <dgm:shape xmlns:r="http://schemas.openxmlformats.org/officeDocument/2006/relationships" r:blip="">
+      <dgm:adjLst/>
+    </dgm:shape>
+    <dgm:presOf/>
+    <dgm:choose name="Name3">
+      <dgm:if name="Name4" axis="ch" ptType="node" func="cnt" op="lte" val="2">
+        <dgm:constrLst>
+          <dgm:constr type="h" for="ch" forName="compNode" refType="h" fact="0.4"/>
+          <dgm:constr type="w" for="ch" forName="compNode" val="120"/>
+          <dgm:constr type="w" for="ch" forName="sibTrans" refType="w" refFor="ch" refForName="compNode" fact="0.175"/>
+          <dgm:constr type="sp" refType="w" refFor="ch" refForName="compNode" op="equ" fact="0.25"/>
+          <dgm:constr type="primFontSz" for="des" ptType="node" op="equ" val="50"/>
+          <dgm:constr type="h" for="des" forName="compNode" op="equ"/>
+          <dgm:constr type="h" for="des" forName="textRect" op="equ"/>
+        </dgm:constrLst>
+      </dgm:if>
+      <dgm:if name="Name5" axis="ch" ptType="node" func="cnt" op="lte" val="4">
+        <dgm:constrLst>
+          <dgm:constr type="h" for="ch" forName="compNode" refType="h" fact="0.4"/>
+          <dgm:constr type="w" for="ch" forName="compNode" refType="w"/>
+          <dgm:constr type="w" for="ch" forName="sibTrans" refType="w" refFor="ch" refForName="compNode" fact="0.175"/>
+          <dgm:constr type="sp" refType="w" refFor="ch" refForName="compNode" op="equ" fact="0.25"/>
+          <dgm:constr type="primFontSz" for="des" ptType="node" op="equ" val="36"/>
+          <dgm:constr type="h" for="des" forName="compNode" op="equ"/>
+          <dgm:constr type="h" for="des" forName="textRect" op="equ"/>
+        </dgm:constrLst>
+      </dgm:if>
+      <dgm:else name="Name6">
+        <dgm:constrLst>
+          <dgm:constr type="h" for="ch" forName="compNode" refType="h" fact="0.4"/>
+          <dgm:constr type="w" for="ch" forName="compNode" refType="w"/>
+          <dgm:constr type="w" for="ch" forName="sibTrans" refType="w" refFor="ch" refForName="compNode" fact="0.175"/>
+          <dgm:constr type="sp" refType="w" refFor="ch" refForName="compNode" op="equ" fact="0.25"/>
+          <dgm:constr type="primFontSz" for="des" ptType="node" op="equ" val="24"/>
+          <dgm:constr type="h" for="des" forName="compNode" op="equ"/>
+          <dgm:constr type="h" for="des" forName="textRect" op="equ"/>
+        </dgm:constrLst>
+      </dgm:else>
+    </dgm:choose>
+    <dgm:ruleLst>
+      <dgm:rule type="w" for="ch" forName="compNode" val="50" fact="NaN" max="NaN"/>
+    </dgm:ruleLst>
+    <dgm:forEach name="Name7" axis="ch" ptType="node">
+      <dgm:layoutNode name="compNode">
+        <dgm:alg type="composite"/>
+        <dgm:shape xmlns:r="http://schemas.openxmlformats.org/officeDocument/2006/relationships" r:blip="">
+          <dgm:adjLst/>
+        </dgm:shape>
+        <dgm:presOf axis="self"/>
+        <dgm:constrLst>
+          <dgm:constr type="w" for="ch" forName="iconRect" refType="w" fact="0.45"/>
+          <dgm:constr type="h" for="ch" forName="iconRect" refType="w" refFor="ch" refForName="iconRect"/>
+          <dgm:constr type="ctrX" for="ch" forName="iconRect" refType="w" fact="0.5"/>
+          <dgm:constr type="t" for="ch" forName="iconRect"/>
+          <dgm:constr type="h" for="ch" forName="spaceRect" refType="h" fact="0.15"/>
+          <dgm:constr type="w" for="ch" forName="spaceRect" refType="w"/>
+          <dgm:constr type="l" for="ch" forName="spaceRect"/>
+          <dgm:constr type="t" for="ch" forName="spaceRect" refType="b" refFor="ch" refForName="iconRect"/>
+          <dgm:constr type="h" for="ch" forName="textRect" val="20"/>
+          <dgm:constr type="w" for="ch" forName="textRect" refType="w"/>
+          <dgm:constr type="l" for="ch" forName="textRect"/>
+          <dgm:constr type="t" for="ch" forName="textRect" refType="b" refFor="ch" refForName="spaceRect"/>
+        </dgm:constrLst>
+        <dgm:ruleLst>
+          <dgm:rule type="h" val="INF" fact="NaN" max="NaN"/>
+        </dgm:ruleLst>
+        <dgm:layoutNode name="iconRect" styleLbl="node1">
+          <dgm:alg type="sp"/>
+          <dgm:shape xmlns:r="http://schemas.openxmlformats.org/officeDocument/2006/relationships" type="rect" r:blip="" blipPhldr="1">
+            <dgm:adjLst/>
+          </dgm:shape>
+          <dgm:presOf/>
+          <dgm:constrLst/>
+          <dgm:ruleLst/>
+        </dgm:layoutNode>
+        <dgm:layoutNode name="spaceRect">
+          <dgm:alg type="sp"/>
+          <dgm:shape xmlns:r="http://schemas.openxmlformats.org/officeDocument/2006/relationships" r:blip="">
+            <dgm:adjLst/>
+          </dgm:shape>
+          <dgm:presOf/>
+          <dgm:constrLst/>
+          <dgm:ruleLst/>
+        </dgm:layoutNode>
+        <dgm:layoutNode name="textRect" styleLbl="revTx">
+          <dgm:varLst>
+            <dgm:chMax val="1"/>
+            <dgm:chPref val="1"/>
+          </dgm:varLst>
+          <dgm:alg type="tx">
+            <dgm:param type="txAnchorVert" val="t"/>
+          </dgm:alg>
+          <dgm:shape xmlns:r="http://schemas.openxmlformats.org/officeDocument/2006/relationships" type="rect" r:blip="">
+            <dgm:adjLst/>
+          </dgm:shape>
+          <dgm:presOf axis="self" ptType="node"/>
+          <dgm:constrLst>
+            <dgm:constr type="lMarg"/>
+            <dgm:constr type="rMarg"/>
+            <dgm:constr type="tMarg"/>
+            <dgm:constr type="bMarg"/>
+          </dgm:constrLst>
+          <dgm:ruleLst>
+            <dgm:rule type="primFontSz" val="11" fact="NaN" max="NaN"/>
+            <dgm:rule type="h" val="INF" fact="NaN" max="NaN"/>
+          </dgm:ruleLst>
+        </dgm:layoutNode>
+      </dgm:layoutNode>
+      <dgm:forEach name="Name8" axis="followSib" ptType="sibTrans" cnt="1">
+        <dgm:layoutNode name="sibTrans">
+          <dgm:alg type="sp"/>
+          <dgm:shape xmlns:r="http://schemas.openxmlformats.org/officeDocument/2006/relationships" r:blip="">
+            <dgm:adjLst/>
+          </dgm:shape>
+          <dgm:presOf axis="self"/>
+          <dgm:constrLst/>
+          <dgm:ruleLst/>
+        </dgm:layoutNode>
+      </dgm:forEach>
+    </dgm:forEach>
+  </dgm:layoutNode>
+  <dgm:extLst>
+    <a:ext uri="{68A01E43-0DF5-4B5B-8FA6-DAF915123BFB}">
+      <dgm1612:lstStyle xmlns:dgm1612="http://schemas.microsoft.com/office/drawing/2016/12/diagram">
+        <a:lvl1pPr>
+          <a:lnSpc>
+            <a:spcPct val="100000"/>
+          </a:lnSpc>
+        </a:lvl1pPr>
+      </dgm1612:lstStyle>
+    </a:ext>
+  </dgm:extLst>
+</dgm:layoutDef>
+</file>
+
 <file path=ppt/diagrams/quickStyle1.xml><?xml version="1.0" encoding="utf-8"?>
+<dgm:styleDef xmlns:dgm="http://schemas.openxmlformats.org/drawingml/2006/diagram" xmlns:a="http://schemas.openxmlformats.org/drawingml/2006/main" uniqueId="urn:microsoft.com/office/officeart/2005/8/quickstyle/simple1">
+  <dgm:title val=""/>
+  <dgm:desc val=""/>
+  <dgm:catLst>
+    <dgm:cat type="simple" pri="10100"/>
+  </dgm:catLst>
+  <dgm:scene3d>
+    <a:camera prst="orthographicFront"/>
+    <a:lightRig rig="threePt" dir="t"/>
+  </dgm:scene3d>
+  <dgm:styleLbl name="node0">
+    <dgm:scene3d>
+      <a:camera prst="orthographicFront"/>
+      <a:lightRig rig="threePt" dir="t"/>
+    </dgm:scene3d>
+    <dgm:sp3d/>
+    <dgm:txPr/>
+    <dgm:style>
+      <a:lnRef idx="2">
+        <a:scrgbClr r="0" g="0" b="0"/>
+      </a:lnRef>
+      <a:fillRef idx="1">
+        <a:scrgbClr r="0" g="0" b="0"/>
+      </a:fillRef>
+      <a:effectRef idx="0">
+        <a:scrgbClr r="0" g="0" b="0"/>
+      </a:effectRef>
+      <a:fontRef idx="minor">
+        <a:schemeClr val="lt1"/>
+      </a:fontRef>
+    </dgm:style>
+  </dgm:styleLbl>
+  <dgm:styleLbl name="lnNode1">
+    <dgm:scene3d>
+      <a:camera prst="orthographicFront"/>
+      <a:lightRig rig="threePt" dir="t"/>
+    </dgm:scene3d>
+    <dgm:sp3d/>
+    <dgm:txPr/>
+    <dgm:style>
+      <a:lnRef idx="2">
+        <a:scrgbClr r="0" g="0" b="0"/>
+      </a:lnRef>
+      <a:fillRef idx="1">
+        <a:scrgbClr r="0" g="0" b="0"/>
+      </a:fillRef>
+      <a:effectRef idx="0">
+        <a:scrgbClr r="0" g="0" b="0"/>
+      </a:effectRef>
+      <a:fontRef idx="minor">
+        <a:schemeClr val="lt1"/>
+      </a:fontRef>
+    </dgm:style>
+  </dgm:styleLbl>
+  <dgm:styleLbl name="vennNode1">
+    <dgm:scene3d>
+      <a:camera prst="orthographicFront"/>
+      <a:lightRig rig="threePt" dir="t"/>
+    </dgm:scene3d>
+    <dgm:sp3d/>
+    <dgm:txPr/>
+    <dgm:style>
+      <a:lnRef idx="2">
+        <a:scrgbClr r="0" g="0" b="0"/>
+      </a:lnRef>
+      <a:fillRef idx="1">
+        <a:scrgbClr r="0" g="0" b="0"/>
+      </a:fillRef>
+      <a:effectRef idx="0">
+        <a:scrgbClr r="0" g="0" b="0"/>
+      </a:effectRef>
+      <a:fontRef idx="minor">
+        <a:schemeClr val="tx1"/>
+      </a:fontRef>
+    </dgm:style>
+  </dgm:styleLbl>
+  <dgm:styleLbl name="alignNode1">
+    <dgm:scene3d>
+      <a:camera prst="orthographicFront"/>
+      <a:lightRig rig="threePt" dir="t"/>
+    </dgm:scene3d>
+    <dgm:sp3d/>
+    <dgm:txPr/>
+    <dgm:style>
+      <a:lnRef idx="2">
+        <a:scrgbClr r="0" g="0" b="0"/>
+      </a:lnRef>
+      <a:fillRef idx="1">
+        <a:scrgbClr r="0" g="0" b="0"/>
+      </a:fillRef>
+      <a:effectRef idx="0">
+        <a:scrgbClr r="0" g="0" b="0"/>
+      </a:effectRef>
+      <a:fontRef idx="minor">
+        <a:schemeClr val="lt1"/>
+      </a:fontRef>
+    </dgm:style>
+  </dgm:styleLbl>
+  <dgm:styleLbl name="node1">
+    <dgm:scene3d>
+      <a:camera prst="orthographicFront"/>
+      <a:lightRig rig="threePt" dir="t"/>
+    </dgm:scene3d>
+    <dgm:sp3d/>
+    <dgm:txPr/>
+    <dgm:style>
+      <a:lnRef idx="2">
+        <a:scrgbClr r="0" g="0" b="0"/>
+      </a:lnRef>
+      <a:fillRef idx="1">
+        <a:scrgbClr r="0" g="0" b="0"/>
+      </a:fillRef>
+      <a:effectRef idx="0">
+        <a:scrgbClr r="0" g="0" b="0"/>
+      </a:effectRef>
+      <a:fontRef idx="minor">
+        <a:schemeClr val="lt1"/>
+      </a:fontRef>
+    </dgm:style>
+  </dgm:styleLbl>
+  <dgm:styleLbl name="node2">
+    <dgm:scene3d>
+      <a:camera prst="orthographicFront"/>
+      <a:lightRig rig="threePt" dir="t"/>
+    </dgm:scene3d>
+    <dgm:sp3d/>
+    <dgm:txPr/>
+    <dgm:style>
+      <a:lnRef idx="2">
+        <a:scrgbClr r="0" g="0" b="0"/>
+      </a:lnRef>
+      <a:fillRef idx="1">
+        <a:scrgbClr r="0" g="0" b="0"/>
+      </a:fillRef>
+      <a:effectRef idx="0">
+        <a:scrgbClr r="0" g="0" b="0"/>
+      </a:effectRef>
+      <a:fontRef idx="minor">
+        <a:schemeClr val="lt1"/>
+      </a:fontRef>
+    </dgm:style>
+  </dgm:styleLbl>
+  <dgm:styleLbl name="node3">
+    <dgm:scene3d>
+      <a:camera prst="orthographicFront"/>
+      <a:lightRig rig="threePt" dir="t"/>
+    </dgm:scene3d>
+    <dgm:sp3d/>
+    <dgm:txPr/>
+    <dgm:style>
+      <a:lnRef idx="2">
+        <a:scrgbClr r="0" g="0" b="0"/>
+      </a:lnRef>
+      <a:fillRef idx="1">
+        <a:scrgbClr r="0" g="0" b="0"/>
+      </a:fillRef>
+      <a:effectRef idx="0">
+        <a:scrgbClr r="0" g="0" b="0"/>
+      </a:effectRef>
+      <a:fontRef idx="minor">
+        <a:schemeClr val="lt1"/>
+      </a:fontRef>
+    </dgm:style>
+  </dgm:styleLbl>
+  <dgm:styleLbl name="node4">
+    <dgm:scene3d>
+      <a:camera prst="orthographicFront"/>
+      <a:lightRig rig="threePt" dir="t"/>
+    </dgm:scene3d>
+    <dgm:sp3d/>
+    <dgm:txPr/>
+    <dgm:style>
+      <a:lnRef idx="2">
+        <a:scrgbClr r="0" g="0" b="0"/>
+      </a:lnRef>
+      <a:fillRef idx="1">
+        <a:scrgbClr r="0" g="0" b="0"/>
+      </a:fillRef>
+      <a:effectRef idx="0">
+        <a:scrgbClr r="0" g="0" b="0"/>
+      </a:effectRef>
+      <a:fontRef idx="minor">
+        <a:schemeClr val="lt1"/>
+      </a:fontRef>
+    </dgm:style>
+  </dgm:styleLbl>
+  <dgm:styleLbl name="fgImgPlace1">
+    <dgm:scene3d>
+      <a:camera prst="orthographicFront"/>
+      <a:lightRig rig="threePt" dir="t"/>
+    </dgm:scene3d>
+    <dgm:sp3d/>
+    <dgm:txPr/>
+    <dgm:style>
+      <a:lnRef idx="2">
+        <a:scrgbClr r="0" g="0" b="0"/>
+      </a:lnRef>
+      <a:fillRef idx="1">
+        <a:scrgbClr r="0" g="0" b="0"/>
+      </a:fillRef>
+      <a:effectRef idx="0">
+        <a:scrgbClr r="0" g="0" b="0"/>
+      </a:effectRef>
+      <a:fontRef idx="minor"/>
+    </dgm:style>
+  </dgm:styleLbl>
+  <dgm:styleLbl name="alignImgPlace1">
+    <dgm:scene3d>
+      <a:camera prst="orthographicFront"/>
+      <a:lightRig rig="threePt" dir="t"/>
+    </dgm:scene3d>
+    <dgm:sp3d/>
+    <dgm:txPr/>
+    <dgm:style>
+      <a:lnRef idx="2">
+        <a:scrgbClr r="0" g="0" b="0"/>
+      </a:lnRef>
+      <a:fillRef idx="1">
+        <a:scrgbClr r="0" g="0" b="0"/>
+      </a:fillRef>
+      <a:effectRef idx="0">
+        <a:scrgbClr r="0" g="0" b="0"/>
+      </a:effectRef>
+      <a:fontRef idx="minor"/>
+    </dgm:style>
+  </dgm:styleLbl>
+  <dgm:styleLbl name="bgImgPlace1">
+    <dgm:scene3d>
+      <a:camera prst="orthographicFront"/>
+      <a:lightRig rig="threePt" dir="t"/>
+    </dgm:scene3d>
+    <dgm:sp3d/>
+    <dgm:txPr/>
+    <dgm:style>
+      <a:lnRef idx="2">
+        <a:scrgbClr r="0" g="0" b="0"/>
+      </a:lnRef>
+      <a:fillRef idx="1">
+        <a:scrgbClr r="0" g="0" b="0"/>
+      </a:fillRef>
+      <a:effectRef idx="0">
+        <a:scrgbClr r="0" g="0" b="0"/>
+      </a:effectRef>
+      <a:fontRef idx="minor"/>
+    </dgm:style>
+  </dgm:styleLbl>
+  <dgm:styleLbl name="sibTrans2D1">
+    <dgm:scene3d>
+      <a:camera prst="orthographicFront"/>
+      <a:lightRig rig="threePt" dir="t"/>
+    </dgm:scene3d>
+    <dgm:sp3d/>
+    <dgm:txPr/>
+    <dgm:style>
+      <a:lnRef idx="0">
+        <a:scrgbClr r="0" g="0" b="0"/>
+      </a:lnRef>
+      <a:fillRef idx="1">
+        <a:scrgbClr r="0" g="0" b="0"/>
+      </a:fillRef>
+      <a:effectRef idx="0">
+        <a:scrgbClr r="0" g="0" b="0"/>
+      </a:effectRef>
+      <a:fontRef idx="minor">
+        <a:schemeClr val="lt1"/>
+      </a:fontRef>
+    </dgm:style>
+  </dgm:styleLbl>
+  <dgm:styleLbl name="fgSibTrans2D1">
+    <dgm:scene3d>
+      <a:camera prst="orthographicFront"/>
+      <a:lightRig rig="threePt" dir="t"/>
+    </dgm:scene3d>
+    <dgm:sp3d/>
+    <dgm:txPr/>
+    <dgm:style>
+      <a:lnRef idx="0">
+        <a:scrgbClr r="0" g="0" b="0"/>
+      </a:lnRef>
+      <a:fillRef idx="1">
+        <a:scrgbClr r="0" g="0" b="0"/>
+      </a:fillRef>
+      <a:effectRef idx="0">
+        <a:scrgbClr r="0" g="0" b="0"/>
+      </a:effectRef>
+      <a:fontRef idx="minor">
+        <a:schemeClr val="lt1"/>
+      </a:fontRef>
+    </dgm:style>
+  </dgm:styleLbl>
+  <dgm:styleLbl name="bgSibTrans2D1">
+    <dgm:scene3d>
+      <a:camera prst="orthographicFront"/>
+      <a:lightRig rig="threePt" dir="t"/>
+    </dgm:scene3d>
+    <dgm:sp3d/>
+    <dgm:txPr/>
+    <dgm:style>
+      <a:lnRef idx="0">
+        <a:scrgbClr r="0" g="0" b="0"/>
+      </a:lnRef>
+      <a:fillRef idx="1">
+        <a:scrgbClr r="0" g="0" b="0"/>
+      </a:fillRef>
+      <a:effectRef idx="0">
+        <a:scrgbClr r="0" g="0" b="0"/>
+      </a:effectRef>
+      <a:fontRef idx="minor">
+        <a:schemeClr val="lt1"/>
+      </a:fontRef>
+    </dgm:style>
+  </dgm:styleLbl>
+  <dgm:styleLbl name="sibTrans1D1">
+    <dgm:scene3d>
+      <a:camera prst="orthographicFront"/>
+      <a:lightRig rig="threePt" dir="t"/>
+    </dgm:scene3d>
+    <dgm:sp3d/>
+    <dgm:txPr/>
+    <dgm:style>
+      <a:lnRef idx="1">
+        <a:scrgbClr r="0" g="0" b="0"/>
+      </a:lnRef>
+      <a:fillRef idx="0">
+        <a:scrgbClr r="0" g="0" b="0"/>
+      </a:fillRef>
+      <a:effectRef idx="0">
+        <a:scrgbClr r="0" g="0" b="0"/>
+      </a:effectRef>
+      <a:fontRef idx="minor"/>
+    </dgm:style>
+  </dgm:styleLbl>
+  <dgm:styleLbl name="callout">
+    <dgm:scene3d>
+      <a:camera prst="orthographicFront"/>
+      <a:lightRig rig="threePt" dir="t"/>
+    </dgm:scene3d>
+    <dgm:sp3d/>
+    <dgm:txPr/>
+    <dgm:style>
+      <a:lnRef idx="2">
+        <a:scrgbClr r="0" g="0" b="0"/>
+      </a:lnRef>
+      <a:fillRef idx="1">
+        <a:scrgbClr r="0" g="0" b="0"/>
+      </a:fillRef>
+      <a:effectRef idx="0">
+        <a:scrgbClr r="0" g="0" b="0"/>
+      </a:effectRef>
+      <a:fontRef idx="minor"/>
+    </dgm:style>
+  </dgm:styleLbl>
+  <dgm:styleLbl name="asst0">
+    <dgm:scene3d>
+      <a:camera prst="orthographicFront"/>
+      <a:lightRig rig="threePt" dir="t"/>
+    </dgm:scene3d>
+    <dgm:sp3d/>
+    <dgm:txPr/>
+    <dgm:style>
+      <a:lnRef idx="2">
+        <a:scrgbClr r="0" g="0" b="0"/>
+      </a:lnRef>
+      <a:fillRef idx="1">
+        <a:scrgbClr r="0" g="0" b="0"/>
+      </a:fillRef>
+      <a:effectRef idx="0">
+        <a:scrgbClr r="0" g="0" b="0"/>
+      </a:effectRef>
+      <a:fontRef idx="minor">
+        <a:schemeClr val="lt1"/>
+      </a:fontRef>
+    </dgm:style>
+  </dgm:styleLbl>
+  <dgm:styleLbl name="asst1">
+    <dgm:scene3d>
+      <a:camera prst="orthographicFront"/>
+      <a:lightRig rig="threePt" dir="t"/>
+    </dgm:scene3d>
+    <dgm:sp3d/>
+    <dgm:txPr/>
+    <dgm:style>
+      <a:lnRef idx="2">
+        <a:scrgbClr r="0" g="0" b="0"/>
+      </a:lnRef>
+      <a:fillRef idx="1">
+        <a:scrgbClr r="0" g="0" b="0"/>
+      </a:fillRef>
+      <a:effectRef idx="0">
+        <a:scrgbClr r="0" g="0" b="0"/>
+      </a:effectRef>
+      <a:fontRef idx="minor">
+        <a:schemeClr val="lt1"/>
+      </a:fontRef>
+    </dgm:style>
+  </dgm:styleLbl>
+  <dgm:styleLbl name="asst2">
+    <dgm:scene3d>
+      <a:camera prst="orthographicFront"/>
+      <a:lightRig rig="threePt" dir="t"/>
+    </dgm:scene3d>
+    <dgm:sp3d/>
+    <dgm:txPr/>
+    <dgm:style>
+      <a:lnRef idx="2">
+        <a:scrgbClr r="0" g="0" b="0"/>
+      </a:lnRef>
+      <a:fillRef idx="1">
+        <a:scrgbClr r="0" g="0" b="0"/>
+      </a:fillRef>
+      <a:effectRef idx="0">
+        <a:scrgbClr r="0" g="0" b="0"/>
+      </a:effectRef>
+      <a:fontRef idx="minor">
+        <a:schemeClr val="lt1"/>
+      </a:fontRef>
+    </dgm:style>
+  </dgm:styleLbl>
+  <dgm:styleLbl name="asst3">
+    <dgm:scene3d>
+      <a:camera prst="orthographicFront"/>
+      <a:lightRig rig="threePt" dir="t"/>
+    </dgm:scene3d>
+    <dgm:sp3d/>
+    <dgm:txPr/>
+    <dgm:style>
+      <a:lnRef idx="2">
+        <a:scrgbClr r="0" g="0" b="0"/>
+      </a:lnRef>
+      <a:fillRef idx="1">
+        <a:scrgbClr r="0" g="0" b="0"/>
+      </a:fillRef>
+      <a:effectRef idx="0">
+        <a:scrgbClr r="0" g="0" b="0"/>
+      </a:effectRef>
+      <a:fontRef idx="minor">
+        <a:schemeClr val="lt1"/>
+      </a:fontRef>
+    </dgm:style>
+  </dgm:styleLbl>
+  <dgm:styleLbl name="asst4">
+    <dgm:scene3d>
+      <a:camera prst="orthographicFront"/>
+      <a:lightRig rig="threePt" dir="t"/>
+    </dgm:scene3d>
+    <dgm:sp3d/>
+    <dgm:txPr/>
+    <dgm:style>
+      <a:lnRef idx="2">
+        <a:scrgbClr r="0" g="0" b="0"/>
+      </a:lnRef>
+      <a:fillRef idx="1">
+        <a:scrgbClr r="0" g="0" b="0"/>
+      </a:fillRef>
+      <a:effectRef idx="0">
+        <a:scrgbClr r="0" g="0" b="0"/>
+      </a:effectRef>
+      <a:fontRef idx="minor">
+        <a:schemeClr val="lt1"/>
+      </a:fontRef>
+    </dgm:style>
+  </dgm:styleLbl>
+  <dgm:styleLbl name="parChTrans2D1">
+    <dgm:scene3d>
+      <a:camera prst="orthographicFront"/>
+      <a:lightRig rig="threePt" dir="t"/>
+    </dgm:scene3d>
+    <dgm:sp3d/>
+    <dgm:txPr/>
+    <dgm:style>
+      <a:lnRef idx="2">
+        <a:scrgbClr r="0" g="0" b="0"/>
+      </a:lnRef>
+      <a:fillRef idx="1">
+        <a:scrgbClr r="0" g="0" b="0"/>
+      </a:fillRef>
+      <a:effectRef idx="0">
+        <a:scrgbClr r="0" g="0" b="0"/>
+      </a:effectRef>
+      <a:fontRef idx="minor">
+        <a:schemeClr val="lt1"/>
+      </a:fontRef>
+    </dgm:style>
+  </dgm:styleLbl>
+  <dgm:styleLbl name="parChTrans2D2">
+    <dgm:scene3d>
+      <a:camera prst="orthographicFront"/>
+      <a:lightRig rig="threePt" dir="t"/>
+    </dgm:scene3d>
+    <dgm:sp3d/>
+    <dgm:txPr/>
+    <dgm:style>
+      <a:lnRef idx="2">
+        <a:scrgbClr r="0" g="0" b="0"/>
+      </a:lnRef>
+      <a:fillRef idx="1">
+        <a:scrgbClr r="0" g="0" b="0"/>
+      </a:fillRef>
+      <a:effectRef idx="0">
+        <a:scrgbClr r="0" g="0" b="0"/>
+      </a:effectRef>
+      <a:fontRef idx="minor">
+        <a:schemeClr val="lt1"/>
+      </a:fontRef>
+    </dgm:style>
+  </dgm:styleLbl>
+  <dgm:styleLbl name="parChTrans2D3">
+    <dgm:scene3d>
+      <a:camera prst="orthographicFront"/>
+      <a:lightRig rig="threePt" dir="t"/>
+    </dgm:scene3d>
+    <dgm:sp3d/>
+    <dgm:txPr/>
+    <dgm:style>
+      <a:lnRef idx="2">
+        <a:scrgbClr r="0" g="0" b="0"/>
+      </a:lnRef>
+      <a:fillRef idx="1">
+        <a:scrgbClr r="0" g="0" b="0"/>
+      </a:fillRef>
+      <a:effectRef idx="0">
+        <a:scrgbClr r="0" g="0" b="0"/>
+      </a:effectRef>
+      <a:fontRef idx="minor">
+        <a:schemeClr val="lt1"/>
+      </a:fontRef>
+    </dgm:style>
+  </dgm:styleLbl>
+  <dgm:styleLbl name="parChTrans2D4">
+    <dgm:scene3d>
+      <a:camera prst="orthographicFront"/>
+      <a:lightRig rig="threePt" dir="t"/>
+    </dgm:scene3d>
+    <dgm:sp3d/>
+    <dgm:txPr/>
+    <dgm:style>
+      <a:lnRef idx="2">
+        <a:scrgbClr r="0" g="0" b="0"/>
+      </a:lnRef>
+      <a:fillRef idx="1">
+        <a:scrgbClr r="0" g="0" b="0"/>
+      </a:fillRef>
+      <a:effectRef idx="0">
+        <a:scrgbClr r="0" g="0" b="0"/>
+      </a:effectRef>
+      <a:fontRef idx="minor">
+        <a:schemeClr val="lt1"/>
+      </a:fontRef>
+    </dgm:style>
+  </dgm:styleLbl>
+  <dgm:styleLbl name="parChTrans1D1">
+    <dgm:scene3d>
+      <a:camera prst="orthographicFront"/>
+      <a:lightRig rig="threePt" dir="t"/>
+    </dgm:scene3d>
+    <dgm:sp3d/>
+    <dgm:txPr/>
+    <dgm:style>
+      <a:lnRef idx="2">
+        <a:scrgbClr r="0" g="0" b="0"/>
+      </a:lnRef>
+      <a:fillRef idx="0">
+        <a:scrgbClr r="0" g="0" b="0"/>
+      </a:fillRef>
+      <a:effectRef idx="0">
+        <a:scrgbClr r="0" g="0" b="0"/>
+      </a:effectRef>
+      <a:fontRef idx="minor"/>
+    </dgm:style>
+  </dgm:styleLbl>
+  <dgm:styleLbl name="parChTrans1D2">
+    <dgm:scene3d>
+      <a:camera prst="orthographicFront"/>
+      <a:lightRig rig="threePt" dir="t"/>
+    </dgm:scene3d>
+    <dgm:sp3d/>
+    <dgm:txPr/>
+    <dgm:style>
+      <a:lnRef idx="2">
+        <a:scrgbClr r="0" g="0" b="0"/>
+      </a:lnRef>
+      <a:fillRef idx="0">
+        <a:scrgbClr r="0" g="0" b="0"/>
+      </a:fillRef>
+      <a:effectRef idx="0">
+        <a:scrgbClr r="0" g="0" b="0"/>
+      </a:effectRef>
+      <a:fontRef idx="minor"/>
+    </dgm:style>
+  </dgm:styleLbl>
+  <dgm:styleLbl name="parChTrans1D3">
+    <dgm:scene3d>
+      <a:camera prst="orthographicFront"/>
+      <a:lightRig rig="threePt" dir="t"/>
+    </dgm:scene3d>
+    <dgm:sp3d/>
+    <dgm:txPr/>
+    <dgm:style>
+      <a:lnRef idx="2">
+        <a:scrgbClr r="0" g="0" b="0"/>
+      </a:lnRef>
+      <a:fillRef idx="0">
+        <a:scrgbClr r="0" g="0" b="0"/>
+      </a:fillRef>
+      <a:effectRef idx="0">
+        <a:scrgbClr r="0" g="0" b="0"/>
+      </a:effectRef>
+      <a:fontRef idx="minor"/>
+    </dgm:style>
+  </dgm:styleLbl>
+  <dgm:styleLbl name="parChTrans1D4">
+    <dgm:scene3d>
+      <a:camera prst="orthographicFront"/>
+      <a:lightRig rig="threePt" dir="t"/>
+    </dgm:scene3d>
+    <dgm:sp3d/>
+    <dgm:txPr/>
+    <dgm:style>
+      <a:lnRef idx="2">
+        <a:scrgbClr r="0" g="0" b="0"/>
+      </a:lnRef>
+      <a:fillRef idx="0">
+        <a:scrgbClr r="0" g="0" b="0"/>
+      </a:fillRef>
+      <a:effectRef idx="0">
+        <a:scrgbClr r="0" g="0" b="0"/>
+      </a:effectRef>
+      <a:fontRef idx="minor"/>
+    </dgm:style>
+  </dgm:styleLbl>
+  <dgm:styleLbl name="fgAcc1">
+    <dgm:scene3d>
+      <a:camera prst="orthographicFront"/>
+      <a:lightRig rig="threePt" dir="t"/>
+    </dgm:scene3d>
+    <dgm:sp3d/>
+    <dgm:txPr/>
+    <dgm:style>
+      <a:lnRef idx="2">
+        <a:scrgbClr r="0" g="0" b="0"/>
+      </a:lnRef>
+      <a:fillRef idx="1">
+        <a:scrgbClr r="0" g="0" b="0"/>
+      </a:fillRef>
+      <a:effectRef idx="0">
+        <a:scrgbClr r="0" g="0" b="0"/>
+      </a:effectRef>
+      <a:fontRef idx="minor"/>
+    </dgm:style>
+  </dgm:styleLbl>
+  <dgm:styleLbl name="conFgAcc1">
+    <dgm:scene3d>
+      <a:camera prst="orthographicFront"/>
+      <a:lightRig rig="threePt" dir="t"/>
+    </dgm:scene3d>
+    <dgm:sp3d/>
+    <dgm:txPr/>
+    <dgm:style>
+      <a:lnRef idx="2">
+        <a:scrgbClr r="0" g="0" b="0"/>
+      </a:lnRef>
+      <a:fillRef idx="1">
+        <a:scrgbClr r="0" g="0" b="0"/>
+      </a:fillRef>
+      <a:effectRef idx="0">
+        <a:scrgbClr r="0" g="0" b="0"/>
+      </a:effectRef>
+      <a:fontRef idx="minor"/>
+    </dgm:style>
+  </dgm:styleLbl>
+  <dgm:styleLbl name="alignAcc1">
+    <dgm:scene3d>
+      <a:camera prst="orthographicFront"/>
+      <a:lightRig rig="threePt" dir="t"/>
+    </dgm:scene3d>
+    <dgm:sp3d/>
+    <dgm:txPr/>
+    <dgm:style>
+      <a:lnRef idx="2">
+        <a:scrgbClr r="0" g="0" b="0"/>
+      </a:lnRef>
+      <a:fillRef idx="1">
+        <a:scrgbClr r="0" g="0" b="0"/>
+      </a:fillRef>
+      <a:effectRef idx="0">
+        <a:scrgbClr r="0" g="0" b="0"/>
+      </a:effectRef>
+      <a:fontRef idx="minor"/>
+    </dgm:style>
+  </dgm:styleLbl>
+  <dgm:styleLbl name="trAlignAcc1">
+    <dgm:scene3d>
+      <a:camera prst="orthographicFront"/>
+      <a:lightRig rig="threePt" dir="t"/>
+    </dgm:scene3d>
+    <dgm:sp3d/>
+    <dgm:txPr/>
+    <dgm:style>
+      <a:lnRef idx="1">
+        <a:scrgbClr r="0" g="0" b="0"/>
+      </a:lnRef>
+      <a:fillRef idx="1">
+        <a:scrgbClr r="0" g="0" b="0"/>
+      </a:fillRef>
+      <a:effectRef idx="0">
+        <a:scrgbClr r="0" g="0" b="0"/>
+      </a:effectRef>
+      <a:fontRef idx="minor"/>
+    </dgm:style>
+  </dgm:styleLbl>
+  <dgm:styleLbl name="bgAcc1">
+    <dgm:scene3d>
+      <a:camera prst="orthographicFront"/>
+      <a:lightRig rig="threePt" dir="t"/>
+    </dgm:scene3d>
+    <dgm:sp3d/>
+    <dgm:txPr/>
+    <dgm:style>
+      <a:lnRef idx="2">
+        <a:scrgbClr r="0" g="0" b="0"/>
+      </a:lnRef>
+      <a:fillRef idx="1">
+        <a:scrgbClr r="0" g="0" b="0"/>
+      </a:fillRef>
+      <a:effectRef idx="0">
+        <a:scrgbClr r="0" g="0" b="0"/>
+      </a:effectRef>
+      <a:fontRef idx="minor"/>
+    </dgm:style>
+  </dgm:styleLbl>
+  <dgm:styleLbl name="solidFgAcc1">
+    <dgm:scene3d>
+      <a:camera prst="orthographicFront"/>
+      <a:lightRig rig="threePt" dir="t"/>
+    </dgm:scene3d>
+    <dgm:sp3d/>
+    <dgm:txPr/>
+    <dgm:style>
+      <a:lnRef idx="2">
+        <a:scrgbClr r="0" g="0" b="0"/>
+      </a:lnRef>
+      <a:fillRef idx="1">
+        <a:scrgbClr r="0" g="0" b="0"/>
+      </a:fillRef>
+      <a:effectRef idx="0">
+        <a:scrgbClr r="0" g="0" b="0"/>
+      </a:effectRef>
+      <a:fontRef idx="minor"/>
+    </dgm:style>
+  </dgm:styleLbl>
+  <dgm:styleLbl name="solidAlignAcc1">
+    <dgm:scene3d>
+      <a:camera prst="orthographicFront"/>
+      <a:lightRig rig="threePt" dir="t"/>
+    </dgm:scene3d>
+    <dgm:sp3d/>
+    <dgm:txPr/>
+    <dgm:style>
+      <a:lnRef idx="2">
+        <a:scrgbClr r="0" g="0" b="0"/>
+      </a:lnRef>
+      <a:fillRef idx="1">
+        <a:scrgbClr r="0" g="0" b="0"/>
+      </a:fillRef>
+      <a:effectRef idx="0">
+        <a:scrgbClr r="0" g="0" b="0"/>
+      </a:effectRef>
+      <a:fontRef idx="minor"/>
+    </dgm:style>
+  </dgm:styleLbl>
+  <dgm:styleLbl name="solidBgAcc1">
+    <dgm:scene3d>
+      <a:camera prst="orthographicFront"/>
+      <a:lightRig rig="threePt" dir="t"/>
+    </dgm:scene3d>
+    <dgm:sp3d/>
+    <dgm:txPr/>
+    <dgm:style>
+      <a:lnRef idx="2">
+        <a:scrgbClr r="0" g="0" b="0"/>
+      </a:lnRef>
+      <a:fillRef idx="1">
+        <a:scrgbClr r="0" g="0" b="0"/>
+      </a:fillRef>
+      <a:effectRef idx="0">
+        <a:scrgbClr r="0" g="0" b="0"/>
+      </a:effectRef>
+      <a:fontRef idx="minor"/>
+    </dgm:style>
+  </dgm:styleLbl>
+  <dgm:styleLbl name="fgAccFollowNode1">
+    <dgm:scene3d>
+      <a:camera prst="orthographicFront"/>
+      <a:lightRig rig="threePt" dir="t"/>
+    </dgm:scene3d>
+    <dgm:sp3d/>
+    <dgm:txPr/>
+    <dgm:style>
+      <a:lnRef idx="2">
+        <a:scrgbClr r="0" g="0" b="0"/>
+      </a:lnRef>
+      <a:fillRef idx="1">
+        <a:scrgbClr r="0" g="0" b="0"/>
+      </a:fillRef>
+      <a:effectRef idx="0">
+        <a:scrgbClr r="0" g="0" b="0"/>
+      </a:effectRef>
+      <a:fontRef idx="minor"/>
+    </dgm:style>
+  </dgm:styleLbl>
+  <dgm:styleLbl name="alignAccFollowNode1">
+    <dgm:scene3d>
+      <a:camera prst="orthographicFront"/>
+      <a:lightRig rig="threePt" dir="t"/>
+    </dgm:scene3d>
+    <dgm:sp3d/>
+    <dgm:txPr/>
+    <dgm:style>
+      <a:lnRef idx="2">
+        <a:scrgbClr r="0" g="0" b="0"/>
+      </a:lnRef>
+      <a:fillRef idx="1">
+        <a:scrgbClr r="0" g="0" b="0"/>
+      </a:fillRef>
+      <a:effectRef idx="0">
+        <a:scrgbClr r="0" g="0" b="0"/>
+      </a:effectRef>
+      <a:fontRef idx="minor"/>
+    </dgm:style>
+  </dgm:styleLbl>
+  <dgm:styleLbl name="bgAccFollowNode1">
+    <dgm:scene3d>
+      <a:camera prst="orthographicFront"/>
+      <a:lightRig rig="threePt" dir="t"/>
+    </dgm:scene3d>
+    <dgm:sp3d/>
+    <dgm:txPr/>
+    <dgm:style>
+      <a:lnRef idx="2">
+        <a:scrgbClr r="0" g="0" b="0"/>
+      </a:lnRef>
+      <a:fillRef idx="1">
+        <a:scrgbClr r="0" g="0" b="0"/>
+      </a:fillRef>
+      <a:effectRef idx="0">
+        <a:scrgbClr r="0" g="0" b="0"/>
+      </a:effectRef>
+      <a:fontRef idx="minor"/>
+    </dgm:style>
+  </dgm:styleLbl>
+  <dgm:styleLbl name="fgAcc0">
+    <dgm:scene3d>
+      <a:camera prst="orthographicFront"/>
+      <a:lightRig rig="threePt" dir="t"/>
+    </dgm:scene3d>
+    <dgm:sp3d/>
+    <dgm:txPr/>
+    <dgm:style>
+      <a:lnRef idx="2">
+        <a:scrgbClr r="0" g="0" b="0"/>
+      </a:lnRef>
+      <a:fillRef idx="1">
+        <a:scrgbClr r="0" g="0" b="0"/>
+      </a:fillRef>
+      <a:effectRef idx="0">
+        <a:scrgbClr r="0" g="0" b="0"/>
+      </a:effectRef>
+      <a:fontRef idx="minor"/>
+    </dgm:style>
+  </dgm:styleLbl>
+  <dgm:styleLbl name="fgAcc2">
+    <dgm:scene3d>
+      <a:camera prst="orthographicFront"/>
+      <a:lightRig rig="threePt" dir="t"/>
+    </dgm:scene3d>
+    <dgm:sp3d/>
+    <dgm:txPr/>
+    <dgm:style>
+      <a:lnRef idx="2">
+        <a:scrgbClr r="0" g="0" b="0"/>
+      </a:lnRef>
+      <a:fillRef idx="1">
+        <a:scrgbClr r="0" g="0" b="0"/>
+      </a:fillRef>
+      <a:effectRef idx="0">
+        <a:scrgbClr r="0" g="0" b="0"/>
+      </a:effectRef>
+      <a:fontRef idx="minor"/>
+    </dgm:style>
+  </dgm:styleLbl>
+  <dgm:styleLbl name="fgAcc3">
+    <dgm:scene3d>
+      <a:camera prst="orthographicFront"/>
+      <a:lightRig rig="threePt" dir="t"/>
+    </dgm:scene3d>
+    <dgm:sp3d/>
+    <dgm:txPr/>
+    <dgm:style>
+      <a:lnRef idx="2">
+        <a:scrgbClr r="0" g="0" b="0"/>
+      </a:lnRef>
+      <a:fillRef idx="1">
+        <a:scrgbClr r="0" g="0" b="0"/>
+      </a:fillRef>
+      <a:effectRef idx="0">
+        <a:scrgbClr r="0" g="0" b="0"/>
+      </a:effectRef>
+      <a:fontRef idx="minor"/>
+    </dgm:style>
+  </dgm:styleLbl>
+  <dgm:styleLbl name="fgAcc4">
+    <dgm:scene3d>
+      <a:camera prst="orthographicFront"/>
+      <a:lightRig rig="threePt" dir="t"/>
+    </dgm:scene3d>
+    <dgm:sp3d/>
+    <dgm:txPr/>
+    <dgm:style>
+      <a:lnRef idx="2">
+        <a:scrgbClr r="0" g="0" b="0"/>
+      </a:lnRef>
+      <a:fillRef idx="1">
+        <a:scrgbClr r="0" g="0" b="0"/>
+      </a:fillRef>
+      <a:effectRef idx="0">
+        <a:scrgbClr r="0" g="0" b="0"/>
+      </a:effectRef>
+      <a:fontRef idx="minor"/>
+    </dgm:style>
+  </dgm:styleLbl>
+  <dgm:styleLbl name="bgShp">
+    <dgm:scene3d>
+      <a:camera prst="orthographicFront"/>
+      <a:lightRig rig="threePt" dir="t"/>
+    </dgm:scene3d>
+    <dgm:sp3d/>
+    <dgm:txPr/>
+    <dgm:style>
+      <a:lnRef idx="0">
+        <a:scrgbClr r="0" g="0" b="0"/>
+      </a:lnRef>
+      <a:fillRef idx="1">
+        <a:scrgbClr r="0" g="0" b="0"/>
+      </a:fillRef>
+      <a:effectRef idx="0">
+        <a:scrgbClr r="0" g="0" b="0"/>
+      </a:effectRef>
+      <a:fontRef idx="minor"/>
+    </dgm:style>
+  </dgm:styleLbl>
+  <dgm:styleLbl name="dkBgShp">
+    <dgm:scene3d>
+      <a:camera prst="orthographicFront"/>
+      <a:lightRig rig="threePt" dir="t"/>
+    </dgm:scene3d>
+    <dgm:sp3d/>
+    <dgm:txPr/>
+    <dgm:style>
+      <a:lnRef idx="0">
+        <a:scrgbClr r="0" g="0" b="0"/>
+      </a:lnRef>
+      <a:fillRef idx="1">
+        <a:scrgbClr r="0" g="0" b="0"/>
+      </a:fillRef>
+      <a:effectRef idx="0">
+        <a:scrgbClr r="0" g="0" b="0"/>
+      </a:effectRef>
+      <a:fontRef idx="minor"/>
+    </dgm:style>
+  </dgm:styleLbl>
+  <dgm:styleLbl name="trBgShp">
+    <dgm:scene3d>
+      <a:camera prst="orthographicFront"/>
+      <a:lightRig rig="threePt" dir="t"/>
+    </dgm:scene3d>
+    <dgm:sp3d/>
+    <dgm:txPr/>
+    <dgm:style>
+      <a:lnRef idx="0">
+        <a:scrgbClr r="0" g="0" b="0"/>
+      </a:lnRef>
+      <a:fillRef idx="1">
+        <a:scrgbClr r="0" g="0" b="0"/>
+      </a:fillRef>
+      <a:effectRef idx="0">
+        <a:scrgbClr r="0" g="0" b="0"/>
+      </a:effectRef>
+      <a:fontRef idx="minor"/>
+    </dgm:style>
+  </dgm:styleLbl>
+  <dgm:styleLbl name="fgShp">
+    <dgm:scene3d>
+      <a:camera prst="orthographicFront"/>
+      <a:lightRig rig="threePt" dir="t"/>
+    </dgm:scene3d>
+    <dgm:sp3d/>
+    <dgm:txPr/>
+    <dgm:style>
+      <a:lnRef idx="2">
+        <a:scrgbClr r="0" g="0" b="0"/>
+      </a:lnRef>
+      <a:fillRef idx="1">
+        <a:scrgbClr r="0" g="0" b="0"/>
+      </a:fillRef>
+      <a:effectRef idx="0">
+        <a:scrgbClr r="0" g="0" b="0"/>
+      </a:effectRef>
+      <a:fontRef idx="minor"/>
+    </dgm:style>
+  </dgm:styleLbl>
+  <dgm:styleLbl name="revTx">
+    <dgm:scene3d>
+      <a:camera prst="orthographicFront"/>
+      <a:lightRig rig="threePt" dir="t"/>
+    </dgm:scene3d>
+    <dgm:sp3d/>
+    <dgm:txPr/>
+    <dgm:style>
+      <a:lnRef idx="0">
+        <a:scrgbClr r="0" g="0" b="0"/>
+      </a:lnRef>
+      <a:fillRef idx="0">
+        <a:scrgbClr r="0" g="0" b="0"/>
+      </a:fillRef>
+      <a:effectRef idx="0">
+        <a:scrgbClr r="0" g="0" b="0"/>
+      </a:effectRef>
+      <a:fontRef idx="minor"/>
+    </dgm:style>
+  </dgm:styleLbl>
+</dgm:styleDef>
+</file>
+
+<file path=ppt/diagrams/quickStyle2.xml><?xml version="1.0" encoding="utf-8"?>
 <dgm:styleDef xmlns:dgm="http://schemas.openxmlformats.org/drawingml/2006/diagram" xmlns:a="http://schemas.openxmlformats.org/drawingml/2006/main" uniqueId="urn:microsoft.com/office/officeart/2005/8/quickstyle/simple1">
   <dgm:title val=""/>
   <dgm:desc val=""/>
@@ -3735,7 +6630,7 @@
           <a:p>
             <a:fld id="{4777BAF9-CD73-CC47-9B66-229CE41D0E6F}" type="datetimeFigureOut">
               <a:rPr lang="en-US" smtClean="0"/>
-              <a:t>4/18/22</a:t>
+              <a:t>4/19/22</a:t>
             </a:fld>
             <a:endParaRPr lang="en-US"/>
           </a:p>
@@ -4233,7 +7128,7 @@
           <a:p>
             <a:fld id="{846CE7D5-CF57-46EF-B807-FDD0502418D4}" type="datetimeFigureOut">
               <a:rPr lang="en-US" smtClean="0"/>
-              <a:t>4/18/22</a:t>
+              <a:t>4/19/22</a:t>
             </a:fld>
             <a:endParaRPr lang="en-US"/>
           </a:p>
@@ -4431,7 +7326,7 @@
           <a:p>
             <a:fld id="{846CE7D5-CF57-46EF-B807-FDD0502418D4}" type="datetimeFigureOut">
               <a:rPr lang="en-US" smtClean="0"/>
-              <a:t>4/18/22</a:t>
+              <a:t>4/19/22</a:t>
             </a:fld>
             <a:endParaRPr lang="en-US"/>
           </a:p>
@@ -4639,7 +7534,7 @@
           <a:p>
             <a:fld id="{846CE7D5-CF57-46EF-B807-FDD0502418D4}" type="datetimeFigureOut">
               <a:rPr lang="en-US" smtClean="0"/>
-              <a:t>4/18/22</a:t>
+              <a:t>4/19/22</a:t>
             </a:fld>
             <a:endParaRPr lang="en-US"/>
           </a:p>
@@ -4837,7 +7732,7 @@
           <a:p>
             <a:fld id="{846CE7D5-CF57-46EF-B807-FDD0502418D4}" type="datetimeFigureOut">
               <a:rPr lang="en-US" smtClean="0"/>
-              <a:t>4/18/22</a:t>
+              <a:t>4/19/22</a:t>
             </a:fld>
             <a:endParaRPr lang="en-US"/>
           </a:p>
@@ -5112,7 +8007,7 @@
           <a:p>
             <a:fld id="{846CE7D5-CF57-46EF-B807-FDD0502418D4}" type="datetimeFigureOut">
               <a:rPr lang="en-US" smtClean="0"/>
-              <a:t>4/18/22</a:t>
+              <a:t>4/19/22</a:t>
             </a:fld>
             <a:endParaRPr lang="en-US"/>
           </a:p>
@@ -5377,7 +8272,7 @@
           <a:p>
             <a:fld id="{846CE7D5-CF57-46EF-B807-FDD0502418D4}" type="datetimeFigureOut">
               <a:rPr lang="en-US" smtClean="0"/>
-              <a:t>4/18/22</a:t>
+              <a:t>4/19/22</a:t>
             </a:fld>
             <a:endParaRPr lang="en-US"/>
           </a:p>
@@ -5789,7 +8684,7 @@
           <a:p>
             <a:fld id="{846CE7D5-CF57-46EF-B807-FDD0502418D4}" type="datetimeFigureOut">
               <a:rPr lang="en-US" smtClean="0"/>
-              <a:t>4/18/22</a:t>
+              <a:t>4/19/22</a:t>
             </a:fld>
             <a:endParaRPr lang="en-US"/>
           </a:p>
@@ -5930,7 +8825,7 @@
           <a:p>
             <a:fld id="{846CE7D5-CF57-46EF-B807-FDD0502418D4}" type="datetimeFigureOut">
               <a:rPr lang="en-US" smtClean="0"/>
-              <a:t>4/18/22</a:t>
+              <a:t>4/19/22</a:t>
             </a:fld>
             <a:endParaRPr lang="en-US"/>
           </a:p>
@@ -6043,7 +8938,7 @@
           <a:p>
             <a:fld id="{846CE7D5-CF57-46EF-B807-FDD0502418D4}" type="datetimeFigureOut">
               <a:rPr lang="en-US" smtClean="0"/>
-              <a:t>4/18/22</a:t>
+              <a:t>4/19/22</a:t>
             </a:fld>
             <a:endParaRPr lang="en-US"/>
           </a:p>
@@ -6354,7 +9249,7 @@
           <a:p>
             <a:fld id="{846CE7D5-CF57-46EF-B807-FDD0502418D4}" type="datetimeFigureOut">
               <a:rPr lang="en-US" smtClean="0"/>
-              <a:t>4/18/22</a:t>
+              <a:t>4/19/22</a:t>
             </a:fld>
             <a:endParaRPr lang="en-US"/>
           </a:p>
@@ -6642,7 +9537,7 @@
           <a:p>
             <a:fld id="{846CE7D5-CF57-46EF-B807-FDD0502418D4}" type="datetimeFigureOut">
               <a:rPr lang="en-US" smtClean="0"/>
-              <a:t>4/18/22</a:t>
+              <a:t>4/19/22</a:t>
             </a:fld>
             <a:endParaRPr lang="en-US"/>
           </a:p>
@@ -6883,7 +9778,7 @@
           <a:p>
             <a:fld id="{846CE7D5-CF57-46EF-B807-FDD0502418D4}" type="datetimeFigureOut">
               <a:rPr lang="en-US" smtClean="0"/>
-              <a:t>4/18/22</a:t>
+              <a:t>4/19/22</a:t>
             </a:fld>
             <a:endParaRPr lang="en-US"/>
           </a:p>
@@ -9098,7 +11993,7 @@
             <p:ph idx="1"/>
             <p:extLst>
               <p:ext uri="{D42A27DB-BD31-4B8C-83A1-F6EECF244321}">
-                <p14:modId xmlns:p14="http://schemas.microsoft.com/office/powerpoint/2010/main" val="2581829218"/>
+                <p14:modId xmlns:p14="http://schemas.microsoft.com/office/powerpoint/2010/main" val="1810627145"/>
               </p:ext>
             </p:extLst>
           </p:nvPr>
@@ -9148,6 +12043,93 @@
           </a:prstGeom>
         </p:spPr>
       </p:pic>
+      <p:pic>
+        <p:nvPicPr>
+          <p:cNvPr id="4" name="Picture 3">
+            <a:extLst>
+              <a:ext uri="{FF2B5EF4-FFF2-40B4-BE49-F238E27FC236}">
+                <a16:creationId xmlns:a16="http://schemas.microsoft.com/office/drawing/2014/main" id="{8A0C9F3C-3209-DA34-F908-E465E0337193}"/>
+              </a:ext>
+            </a:extLst>
+          </p:cNvPr>
+          <p:cNvPicPr>
+            <a:picLocks noChangeAspect="1"/>
+          </p:cNvPicPr>
+          <p:nvPr/>
+        </p:nvPicPr>
+        <p:blipFill>
+          <a:blip r:embed="rId8">
+            <a:extLst>
+              <a:ext uri="{28A0092B-C50C-407E-A947-70E740481C1C}">
+                <a14:useLocalDpi xmlns:a14="http://schemas.microsoft.com/office/drawing/2010/main" val="0"/>
+              </a:ext>
+              <a:ext uri="{837473B0-CC2E-450A-ABE3-18F120FF3D39}">
+                <a1611:picAttrSrcUrl xmlns:a1611="http://schemas.microsoft.com/office/drawing/2016/11/main" r:id="rId9"/>
+              </a:ext>
+            </a:extLst>
+          </a:blip>
+          <a:stretch>
+            <a:fillRect/>
+          </a:stretch>
+        </p:blipFill>
+        <p:spPr>
+          <a:xfrm>
+            <a:off x="493429" y="3429000"/>
+            <a:ext cx="3568700" cy="1701800"/>
+          </a:xfrm>
+          <a:prstGeom prst="rect">
+            <a:avLst/>
+          </a:prstGeom>
+        </p:spPr>
+      </p:pic>
+      <p:sp>
+        <p:nvSpPr>
+          <p:cNvPr id="6" name="TextBox 5">
+            <a:extLst>
+              <a:ext uri="{FF2B5EF4-FFF2-40B4-BE49-F238E27FC236}">
+                <a16:creationId xmlns:a16="http://schemas.microsoft.com/office/drawing/2014/main" id="{385520A1-15AC-9ED5-7E58-495C44D2C509}"/>
+              </a:ext>
+            </a:extLst>
+          </p:cNvPr>
+          <p:cNvSpPr txBox="1"/>
+          <p:nvPr/>
+        </p:nvSpPr>
+        <p:spPr>
+          <a:xfrm>
+            <a:off x="493429" y="5130800"/>
+            <a:ext cx="3568700" cy="230832"/>
+          </a:xfrm>
+          <a:prstGeom prst="rect">
+            <a:avLst/>
+          </a:prstGeom>
+          <a:noFill/>
+        </p:spPr>
+        <p:txBody>
+          <a:bodyPr wrap="square" rtlCol="0">
+            <a:spAutoFit/>
+          </a:bodyPr>
+          <a:lstStyle/>
+          <a:p>
+            <a:r>
+              <a:rPr lang="en-US" sz="900">
+                <a:hlinkClick r:id="rId9" tooltip="https://blakbin.blogspot.com/2017/03/make-your-own-t-rex-runner-game.html"/>
+              </a:rPr>
+              <a:t>This Photo</a:t>
+            </a:r>
+            <a:r>
+              <a:rPr lang="en-US" sz="900"/>
+              <a:t> by Unknown Author is licensed under </a:t>
+            </a:r>
+            <a:r>
+              <a:rPr lang="en-US" sz="900">
+                <a:hlinkClick r:id="rId10" tooltip="https://creativecommons.org/licenses/by-nc/3.0/"/>
+              </a:rPr>
+              <a:t>CC BY-NC</a:t>
+            </a:r>
+            <a:endParaRPr lang="en-US" sz="900"/>
+          </a:p>
+        </p:txBody>
+      </p:sp>
     </p:spTree>
     <p:extLst>
       <p:ext uri="{BB962C8B-B14F-4D97-AF65-F5344CB8AC3E}">
@@ -9926,7 +12908,7 @@
                 <a:latin typeface=""/>
                 <a:cs typeface="Calibri"/>
               </a:rPr>
-              <a:t>Use of Reinforcement Algorithm</a:t>
+              <a:t>Showcase the capabilities of a reinforcement learning algorithm using the Chrome Dino Game.</a:t>
             </a:r>
           </a:p>
           <a:p>
@@ -9936,7 +12918,7 @@
                 <a:ea typeface="+mn-lt"/>
                 <a:cs typeface="+mn-lt"/>
               </a:rPr>
-              <a:t>We will create a base model using multiple online resources.</a:t>
+              <a:t>Control the obstacles being given to the Dino Agent.</a:t>
             </a:r>
           </a:p>
           <a:p>
@@ -9971,7 +12953,7 @@
                 <a:latin typeface=""/>
                 <a:cs typeface="Calibri"/>
               </a:rPr>
-              <a:t>The algorithm would describe a high-level overview of the steps to be undertaken.</a:t>
+              <a:t>Q-Learning Reinforcement learning algorithm.</a:t>
             </a:r>
           </a:p>
           <a:p>
@@ -9980,7 +12962,7 @@
                 <a:latin typeface=""/>
                 <a:cs typeface="Calibri"/>
               </a:rPr>
-              <a:t>Achieve the live position of the Dino in the game.</a:t>
+              <a:t>Model trained for 4000 epochs has a highest score of over 2000 in the game.</a:t>
             </a:r>
           </a:p>
           <a:p>
@@ -9989,7 +12971,7 @@
                 <a:latin typeface=""/>
                 <a:cs typeface="Calibri"/>
               </a:rPr>
-              <a:t>Preparing the data to be fed into the Machine Learning model.</a:t>
+              <a:t>A set of 4 images (frames) is analyzed by the model to determine </a:t>
             </a:r>
           </a:p>
           <a:p>
@@ -9998,16 +12980,7 @@
                 <a:latin typeface=""/>
                 <a:cs typeface="Calibri"/>
               </a:rPr>
-              <a:t>Q-Learning Reinforcement learning algorithm is to be used.</a:t>
-            </a:r>
-          </a:p>
-          <a:p>
-            <a:r>
-              <a:rPr lang="en-US" dirty="0">
-                <a:latin typeface=""/>
-                <a:cs typeface="Calibri"/>
-              </a:rPr>
-              <a:t>The way the model is going to be trained.</a:t>
+              <a:t>Pre-processed images are used by the model to take an action: FORWARD, JUMP, DUCK.</a:t>
             </a:r>
           </a:p>
           <a:p>
@@ -10031,7 +13004,7 @@
                 <a:latin typeface=""/>
                 <a:cs typeface="Calibri"/>
               </a:rPr>
-              <a:t>Cloud Services</a:t>
+              <a:t>Dino Game</a:t>
             </a:r>
           </a:p>
           <a:p>
@@ -10040,7 +13013,7 @@
                 <a:latin typeface=""/>
                 <a:cs typeface="Calibri"/>
               </a:rPr>
-              <a:t>Two ways to use cloud computing for the project.</a:t>
+              <a:t>Modify Chrome Dino Game’s original code to control the obstacles.</a:t>
             </a:r>
           </a:p>
           <a:p>
@@ -10049,7 +13022,7 @@
                 <a:latin typeface=""/>
                 <a:cs typeface="Calibri"/>
               </a:rPr>
-              <a:t>Training and testing the performance of the model on the cloud – there might be a cost associated.</a:t>
+              <a:t>Add small cacti, large cacti and Pterodactyl (obstacles in the game) using buttons.</a:t>
             </a:r>
           </a:p>
           <a:p>
@@ -10058,14 +13031,8 @@
                 <a:latin typeface=""/>
                 <a:cs typeface="Calibri"/>
               </a:rPr>
-              <a:t>Create a website, a playground for hyperparameter tuning for the model.</a:t>
+              <a:t>Deploy two versions of the game using Microsoft’s Azure cloud services.</a:t>
             </a:r>
-          </a:p>
-          <a:p>
-            <a:endParaRPr lang="en-US" dirty="0">
-              <a:latin typeface=""/>
-              <a:cs typeface="Calibri"/>
-            </a:endParaRPr>
           </a:p>
         </p:txBody>
       </p:sp>
@@ -10083,440 +13050,6 @@
 </file>
 
 <file path=ppt/slides/slide5.xml><?xml version="1.0" encoding="utf-8"?>
-<p:sld xmlns:a="http://schemas.openxmlformats.org/drawingml/2006/main" xmlns:r="http://schemas.openxmlformats.org/officeDocument/2006/relationships" xmlns:p="http://schemas.openxmlformats.org/presentationml/2006/main">
-  <p:cSld>
-    <p:spTree>
-      <p:nvGrpSpPr>
-        <p:cNvPr id="1" name=""/>
-        <p:cNvGrpSpPr/>
-        <p:nvPr/>
-      </p:nvGrpSpPr>
-      <p:grpSpPr>
-        <a:xfrm>
-          <a:off x="0" y="0"/>
-          <a:ext cx="0" cy="0"/>
-          <a:chOff x="0" y="0"/>
-          <a:chExt cx="0" cy="0"/>
-        </a:xfrm>
-      </p:grpSpPr>
-      <p:sp>
-        <p:nvSpPr>
-          <p:cNvPr id="2" name="Title 1">
-            <a:extLst>
-              <a:ext uri="{FF2B5EF4-FFF2-40B4-BE49-F238E27FC236}">
-                <a16:creationId xmlns:a16="http://schemas.microsoft.com/office/drawing/2014/main" id="{FEB2AFB5-8C2F-4DF9-829E-C7D0ED80FB13}"/>
-              </a:ext>
-            </a:extLst>
-          </p:cNvPr>
-          <p:cNvSpPr>
-            <a:spLocks noGrp="1"/>
-          </p:cNvSpPr>
-          <p:nvPr>
-            <p:ph type="title"/>
-          </p:nvPr>
-        </p:nvSpPr>
-        <p:spPr/>
-        <p:txBody>
-          <a:bodyPr>
-            <a:normAutofit/>
-          </a:bodyPr>
-          <a:lstStyle/>
-          <a:p>
-            <a:r>
-              <a:rPr lang="en-US" sz="3600" b="1">
-                <a:latin typeface=""/>
-                <a:cs typeface="Calibri Light"/>
-              </a:rPr>
-              <a:t>Project Scope</a:t>
-            </a:r>
-            <a:endParaRPr lang="en-US" sz="3600" b="1">
-              <a:latin typeface=""/>
-            </a:endParaRPr>
-          </a:p>
-        </p:txBody>
-      </p:sp>
-      <p:sp>
-        <p:nvSpPr>
-          <p:cNvPr id="3" name="Content Placeholder 2">
-            <a:extLst>
-              <a:ext uri="{FF2B5EF4-FFF2-40B4-BE49-F238E27FC236}">
-                <a16:creationId xmlns:a16="http://schemas.microsoft.com/office/drawing/2014/main" id="{0045600C-8B81-4BF9-BBBD-8B6BFD859E21}"/>
-              </a:ext>
-            </a:extLst>
-          </p:cNvPr>
-          <p:cNvSpPr>
-            <a:spLocks noGrp="1"/>
-          </p:cNvSpPr>
-          <p:nvPr>
-            <p:ph idx="1"/>
-          </p:nvPr>
-        </p:nvSpPr>
-        <p:spPr>
-          <a:xfrm>
-            <a:off x="838200" y="1825625"/>
-            <a:ext cx="10515600" cy="4575175"/>
-          </a:xfrm>
-        </p:spPr>
-        <p:txBody>
-          <a:bodyPr vert="horz" lIns="91440" tIns="45720" rIns="91440" bIns="45720" rtlCol="0" anchor="t">
-            <a:normAutofit fontScale="92500" lnSpcReduction="20000"/>
-          </a:bodyPr>
-          <a:lstStyle/>
-          <a:p>
-            <a:pPr marL="0" indent="0">
-              <a:buNone/>
-            </a:pPr>
-            <a:r>
-              <a:rPr lang="en-US" sz="2000" b="1" dirty="0">
-                <a:latin typeface=""/>
-                <a:cs typeface="Calibri"/>
-              </a:rPr>
-              <a:t>The main goal is to develop an algorithm that scores more than 10000+ (highest category on the website) on the Dino Game.</a:t>
-            </a:r>
-          </a:p>
-          <a:p>
-            <a:pPr marL="0" indent="0">
-              <a:buNone/>
-            </a:pPr>
-            <a:endParaRPr lang="en-US" sz="2400" b="1" dirty="0">
-              <a:latin typeface=""/>
-              <a:cs typeface="Calibri"/>
-            </a:endParaRPr>
-          </a:p>
-          <a:p>
-            <a:pPr marL="0" indent="0">
-              <a:buNone/>
-            </a:pPr>
-            <a:r>
-              <a:rPr lang="en-US" sz="2400" b="1" dirty="0">
-                <a:solidFill>
-                  <a:srgbClr val="0070C0"/>
-                </a:solidFill>
-                <a:latin typeface=""/>
-                <a:cs typeface="Calibri"/>
-              </a:rPr>
-              <a:t>In-scope deliverables</a:t>
-            </a:r>
-            <a:endParaRPr lang="en-US" sz="1600" b="1" dirty="0">
-              <a:solidFill>
-                <a:srgbClr val="0070C0"/>
-              </a:solidFill>
-              <a:latin typeface=""/>
-              <a:cs typeface="Calibri"/>
-            </a:endParaRPr>
-          </a:p>
-          <a:p>
-            <a:pPr marL="285750" indent="-285750">
-              <a:spcAft>
-                <a:spcPts val="500"/>
-              </a:spcAft>
-            </a:pPr>
-            <a:r>
-              <a:rPr lang="en-US" sz="2000" dirty="0">
-                <a:latin typeface=""/>
-                <a:cs typeface="Calibri"/>
-              </a:rPr>
-              <a:t>Prepare a plan to acquire, clean and prepare the current state of the game for the model input.</a:t>
-            </a:r>
-          </a:p>
-          <a:p>
-            <a:pPr marL="285750" indent="-285750">
-              <a:spcAft>
-                <a:spcPts val="500"/>
-              </a:spcAft>
-            </a:pPr>
-            <a:r>
-              <a:rPr lang="en-US" sz="2000" dirty="0">
-                <a:latin typeface=""/>
-                <a:cs typeface="Calibri"/>
-              </a:rPr>
-              <a:t>Train and test a reinforcement learning (Q-Learning) algorithm to play the game and make the highest score variable.</a:t>
-            </a:r>
-          </a:p>
-          <a:p>
-            <a:pPr marL="285750" indent="-285750">
-              <a:spcAft>
-                <a:spcPts val="500"/>
-              </a:spcAft>
-            </a:pPr>
-            <a:r>
-              <a:rPr lang="en-US" sz="2000" dirty="0">
-                <a:latin typeface=""/>
-                <a:cs typeface="Calibri"/>
-              </a:rPr>
-              <a:t>Improve the performance of the model by tuning the hyperparameters and using different network architectures.</a:t>
-            </a:r>
-            <a:endParaRPr lang="en-US" sz="2400" b="1" dirty="0">
-              <a:latin typeface=""/>
-              <a:cs typeface="Calibri"/>
-            </a:endParaRPr>
-          </a:p>
-          <a:p>
-            <a:pPr marL="0" indent="0">
-              <a:buNone/>
-            </a:pPr>
-            <a:r>
-              <a:rPr lang="en-US" sz="2400" b="1" dirty="0">
-                <a:solidFill>
-                  <a:srgbClr val="0070C0"/>
-                </a:solidFill>
-                <a:latin typeface=""/>
-                <a:cs typeface="Calibri"/>
-              </a:rPr>
-              <a:t>Out-of-scope deliverables</a:t>
-            </a:r>
-          </a:p>
-          <a:p>
-            <a:r>
-              <a:rPr lang="en-CA" sz="2000" dirty="0"/>
-              <a:t>Creating a duplicate version of the </a:t>
-            </a:r>
-            <a:r>
-              <a:rPr lang="en-CA" sz="2000" dirty="0" err="1"/>
-              <a:t>dino</a:t>
-            </a:r>
-            <a:r>
-              <a:rPr lang="en-CA" sz="2000" dirty="0"/>
-              <a:t> game as a test environment for the training and testing of the reinforcement learning model.</a:t>
-            </a:r>
-          </a:p>
-          <a:p>
-            <a:r>
-              <a:rPr lang="en-CA" sz="2000" dirty="0"/>
-              <a:t>Data collection for model training.</a:t>
-            </a:r>
-            <a:endParaRPr lang="en-US" sz="2000" dirty="0"/>
-          </a:p>
-          <a:p>
-            <a:pPr marL="742950" lvl="1" indent="-285750">
-              <a:spcAft>
-                <a:spcPts val="500"/>
-              </a:spcAft>
-              <a:buFont typeface="Arial"/>
-              <a:buChar char="•"/>
-            </a:pPr>
-            <a:endParaRPr lang="en-US" sz="1600" dirty="0">
-              <a:latin typeface=""/>
-              <a:cs typeface="Calibri"/>
-            </a:endParaRPr>
-          </a:p>
-          <a:p>
-            <a:pPr marL="0" indent="0">
-              <a:buNone/>
-            </a:pPr>
-            <a:endParaRPr lang="en-US" sz="2000" dirty="0">
-              <a:latin typeface=""/>
-              <a:cs typeface="Calibri"/>
-            </a:endParaRPr>
-          </a:p>
-        </p:txBody>
-      </p:sp>
-      <p:grpSp>
-        <p:nvGrpSpPr>
-          <p:cNvPr id="7" name="Group 6">
-            <a:extLst>
-              <a:ext uri="{FF2B5EF4-FFF2-40B4-BE49-F238E27FC236}">
-                <a16:creationId xmlns:a16="http://schemas.microsoft.com/office/drawing/2014/main" id="{D750A187-9C22-594E-BDA2-7615F78343CB}"/>
-              </a:ext>
-            </a:extLst>
-          </p:cNvPr>
-          <p:cNvGrpSpPr/>
-          <p:nvPr/>
-        </p:nvGrpSpPr>
-        <p:grpSpPr>
-          <a:xfrm>
-            <a:off x="0" y="0"/>
-            <a:ext cx="12192000" cy="6858000"/>
-            <a:chOff x="0" y="0"/>
-            <a:chExt cx="12192000" cy="6858000"/>
-          </a:xfrm>
-        </p:grpSpPr>
-        <p:pic>
-          <p:nvPicPr>
-            <p:cNvPr id="8" name="Picture 7">
-              <a:extLst>
-                <a:ext uri="{FF2B5EF4-FFF2-40B4-BE49-F238E27FC236}">
-                  <a16:creationId xmlns:a16="http://schemas.microsoft.com/office/drawing/2014/main" id="{A3205E98-C4ED-9640-BD7A-9813E1B32205}"/>
-                </a:ext>
-              </a:extLst>
-            </p:cNvPr>
-            <p:cNvPicPr>
-              <a:picLocks noChangeAspect="1"/>
-            </p:cNvPicPr>
-            <p:nvPr/>
-          </p:nvPicPr>
-          <p:blipFill>
-            <a:blip r:embed="rId2">
-              <a:extLst>
-                <a:ext uri="{28A0092B-C50C-407E-A947-70E740481C1C}">
-                  <a14:useLocalDpi xmlns:a14="http://schemas.microsoft.com/office/drawing/2010/main" val="0"/>
-                </a:ext>
-              </a:extLst>
-            </a:blip>
-            <a:srcRect/>
-            <a:stretch/>
-          </p:blipFill>
-          <p:spPr>
-            <a:xfrm>
-              <a:off x="10850690" y="0"/>
-              <a:ext cx="1338262" cy="1338262"/>
-            </a:xfrm>
-            <a:prstGeom prst="rect">
-              <a:avLst/>
-            </a:prstGeom>
-          </p:spPr>
-        </p:pic>
-        <p:sp>
-          <p:nvSpPr>
-            <p:cNvPr id="9" name="Rectangle 8">
-              <a:extLst>
-                <a:ext uri="{FF2B5EF4-FFF2-40B4-BE49-F238E27FC236}">
-                  <a16:creationId xmlns:a16="http://schemas.microsoft.com/office/drawing/2014/main" id="{A40A00CB-6956-8E4D-96BE-8A6CCBBEC46F}"/>
-                </a:ext>
-              </a:extLst>
-            </p:cNvPr>
-            <p:cNvSpPr/>
-            <p:nvPr/>
-          </p:nvSpPr>
-          <p:spPr>
-            <a:xfrm>
-              <a:off x="0" y="6400800"/>
-              <a:ext cx="12192000" cy="457200"/>
-            </a:xfrm>
-            <a:prstGeom prst="rect">
-              <a:avLst/>
-            </a:prstGeom>
-            <a:solidFill>
-              <a:srgbClr val="E5E5E5"/>
-            </a:solidFill>
-            <a:ln>
-              <a:noFill/>
-            </a:ln>
-          </p:spPr>
-          <p:style>
-            <a:lnRef idx="2">
-              <a:schemeClr val="accent1">
-                <a:shade val="50000"/>
-              </a:schemeClr>
-            </a:lnRef>
-            <a:fillRef idx="1">
-              <a:schemeClr val="accent1"/>
-            </a:fillRef>
-            <a:effectRef idx="0">
-              <a:schemeClr val="accent1"/>
-            </a:effectRef>
-            <a:fontRef idx="minor">
-              <a:schemeClr val="lt1"/>
-            </a:fontRef>
-          </p:style>
-          <p:txBody>
-            <a:bodyPr rtlCol="0" anchor="ctr"/>
-            <a:lstStyle/>
-            <a:p>
-              <a:pPr algn="ctr"/>
-              <a:endParaRPr lang="en-US"/>
-            </a:p>
-          </p:txBody>
-        </p:sp>
-        <p:cxnSp>
-          <p:nvCxnSpPr>
-            <p:cNvPr id="10" name="Straight Connector 9">
-              <a:extLst>
-                <a:ext uri="{FF2B5EF4-FFF2-40B4-BE49-F238E27FC236}">
-                  <a16:creationId xmlns:a16="http://schemas.microsoft.com/office/drawing/2014/main" id="{B0CD456B-3D7C-A042-9B1E-A0F4B02032F5}"/>
-                </a:ext>
-              </a:extLst>
-            </p:cNvPr>
-            <p:cNvCxnSpPr/>
-            <p:nvPr/>
-          </p:nvCxnSpPr>
-          <p:spPr>
-            <a:xfrm>
-              <a:off x="925286" y="1447800"/>
-              <a:ext cx="10101943" cy="0"/>
-            </a:xfrm>
-            <a:prstGeom prst="line">
-              <a:avLst/>
-            </a:prstGeom>
-            <a:ln w="28575">
-              <a:solidFill>
-                <a:srgbClr val="0070C0"/>
-              </a:solidFill>
-            </a:ln>
-          </p:spPr>
-          <p:style>
-            <a:lnRef idx="1">
-              <a:schemeClr val="accent1"/>
-            </a:lnRef>
-            <a:fillRef idx="0">
-              <a:schemeClr val="accent1"/>
-            </a:fillRef>
-            <a:effectRef idx="0">
-              <a:schemeClr val="accent1"/>
-            </a:effectRef>
-            <a:fontRef idx="minor">
-              <a:schemeClr val="tx1"/>
-            </a:fontRef>
-          </p:style>
-        </p:cxnSp>
-        <p:cxnSp>
-          <p:nvCxnSpPr>
-            <p:cNvPr id="11" name="Straight Connector 10">
-              <a:extLst>
-                <a:ext uri="{FF2B5EF4-FFF2-40B4-BE49-F238E27FC236}">
-                  <a16:creationId xmlns:a16="http://schemas.microsoft.com/office/drawing/2014/main" id="{6397BA5C-7D49-D34A-A451-1E3A7943723E}"/>
-                </a:ext>
-              </a:extLst>
-            </p:cNvPr>
-            <p:cNvCxnSpPr>
-              <a:cxnSpLocks/>
-            </p:cNvCxnSpPr>
-            <p:nvPr/>
-          </p:nvCxnSpPr>
-          <p:spPr>
-            <a:xfrm>
-              <a:off x="925286" y="1503040"/>
-              <a:ext cx="10101943" cy="0"/>
-            </a:xfrm>
-            <a:prstGeom prst="line">
-              <a:avLst/>
-            </a:prstGeom>
-            <a:ln w="28575">
-              <a:solidFill>
-                <a:srgbClr val="D1CFCD"/>
-              </a:solidFill>
-            </a:ln>
-          </p:spPr>
-          <p:style>
-            <a:lnRef idx="1">
-              <a:schemeClr val="accent1"/>
-            </a:lnRef>
-            <a:fillRef idx="0">
-              <a:schemeClr val="accent1"/>
-            </a:fillRef>
-            <a:effectRef idx="0">
-              <a:schemeClr val="accent1"/>
-            </a:effectRef>
-            <a:fontRef idx="minor">
-              <a:schemeClr val="tx1"/>
-            </a:fontRef>
-          </p:style>
-        </p:cxnSp>
-      </p:grpSp>
-    </p:spTree>
-    <p:extLst>
-      <p:ext uri="{BB962C8B-B14F-4D97-AF65-F5344CB8AC3E}">
-        <p14:creationId xmlns:p14="http://schemas.microsoft.com/office/powerpoint/2010/main" val="372409467"/>
-      </p:ext>
-    </p:extLst>
-  </p:cSld>
-  <p:clrMapOvr>
-    <a:masterClrMapping/>
-  </p:clrMapOvr>
-</p:sld>
-</file>
-
-<file path=ppt/slides/slide6.xml><?xml version="1.0" encoding="utf-8"?>
 <p:sld xmlns:a="http://schemas.openxmlformats.org/drawingml/2006/main" xmlns:r="http://schemas.openxmlformats.org/officeDocument/2006/relationships" xmlns:p="http://schemas.openxmlformats.org/presentationml/2006/main">
   <p:cSld>
     <p:bg>
@@ -12238,9 +14771,17 @@
 </p:sld>
 </file>
 
-<file path=ppt/slides/slide7.xml><?xml version="1.0" encoding="utf-8"?>
+<file path=ppt/slides/slide6.xml><?xml version="1.0" encoding="utf-8"?>
 <p:sld xmlns:a="http://schemas.openxmlformats.org/drawingml/2006/main" xmlns:r="http://schemas.openxmlformats.org/officeDocument/2006/relationships" xmlns:p="http://schemas.openxmlformats.org/presentationml/2006/main">
   <p:cSld>
+    <p:bg>
+      <p:bgPr>
+        <a:solidFill>
+          <a:schemeClr val="bg1"/>
+        </a:solidFill>
+        <a:effectLst/>
+      </p:bgPr>
+    </p:bg>
     <p:spTree>
       <p:nvGrpSpPr>
         <p:cNvPr id="1" name=""/>
@@ -12255,6 +14796,308 @@
           <a:chExt cx="0" cy="0"/>
         </a:xfrm>
       </p:grpSpPr>
+      <p:sp useBgFill="1">
+        <p:nvSpPr>
+          <p:cNvPr id="9" name="Rectangle 8">
+            <a:extLst>
+              <a:ext uri="{FF2B5EF4-FFF2-40B4-BE49-F238E27FC236}">
+                <a16:creationId xmlns:a16="http://schemas.microsoft.com/office/drawing/2014/main" id="{BACC6370-2D7E-4714-9D71-7542949D7D5D}"/>
+              </a:ext>
+              <a:ext uri="{C183D7F6-B498-43B3-948B-1728B52AA6E4}">
+                <adec:decorative xmlns:adec="http://schemas.microsoft.com/office/drawing/2017/decorative" val="1"/>
+              </a:ext>
+            </a:extLst>
+          </p:cNvPr>
+          <p:cNvSpPr>
+            <a:spLocks noGrp="1" noRot="1" noChangeAspect="1" noMove="1" noResize="1" noEditPoints="1" noAdjustHandles="1" noChangeArrowheads="1" noChangeShapeType="1" noTextEdit="1"/>
+          </p:cNvSpPr>
+          <p:nvPr>
+            <p:extLst>
+              <p:ext uri="{386F3935-93C4-4BCD-93E2-E3B085C9AB24}">
+                <p16:designElem xmlns:p16="http://schemas.microsoft.com/office/powerpoint/2015/main" val="1"/>
+              </p:ext>
+            </p:extLst>
+          </p:nvPr>
+        </p:nvSpPr>
+        <p:spPr>
+          <a:xfrm>
+            <a:off x="0" y="0"/>
+            <a:ext cx="12192000" cy="6858000"/>
+          </a:xfrm>
+          <a:prstGeom prst="rect">
+            <a:avLst/>
+          </a:prstGeom>
+          <a:ln w="12700" cap="flat" cmpd="sng" algn="ctr">
+            <a:noFill/>
+            <a:prstDash val="solid"/>
+            <a:miter lim="800000"/>
+          </a:ln>
+          <a:effectLst/>
+          <a:extLst>
+            <a:ext uri="{91240B29-F687-4F45-9708-019B960494DF}">
+              <a14:hiddenLine xmlns:a14="http://schemas.microsoft.com/office/drawing/2010/main" w="12700" cap="flat" cmpd="sng" algn="ctr">
+                <a:solidFill>
+                  <a:schemeClr val="accent1">
+                    <a:shade val="50000"/>
+                  </a:schemeClr>
+                </a:solidFill>
+                <a:prstDash val="solid"/>
+                <a:miter lim="800000"/>
+              </a14:hiddenLine>
+            </a:ext>
+          </a:extLst>
+        </p:spPr>
+        <p:style>
+          <a:lnRef idx="2">
+            <a:schemeClr val="accent1">
+              <a:shade val="50000"/>
+            </a:schemeClr>
+          </a:lnRef>
+          <a:fillRef idx="1">
+            <a:schemeClr val="accent1"/>
+          </a:fillRef>
+          <a:effectRef idx="0">
+            <a:schemeClr val="accent1"/>
+          </a:effectRef>
+          <a:fontRef idx="minor">
+            <a:schemeClr val="lt1"/>
+          </a:fontRef>
+        </p:style>
+        <p:txBody>
+          <a:bodyPr rtlCol="0" anchor="ctr"/>
+          <a:lstStyle/>
+          <a:p>
+            <a:pPr algn="ctr"/>
+            <a:endParaRPr lang="en-US"/>
+          </a:p>
+        </p:txBody>
+      </p:sp>
+      <p:sp>
+        <p:nvSpPr>
+          <p:cNvPr id="11" name="Rectangle 10">
+            <a:extLst>
+              <a:ext uri="{FF2B5EF4-FFF2-40B4-BE49-F238E27FC236}">
+                <a16:creationId xmlns:a16="http://schemas.microsoft.com/office/drawing/2014/main" id="{F68B3F68-107C-434F-AA38-110D5EA91B85}"/>
+              </a:ext>
+              <a:ext uri="{C183D7F6-B498-43B3-948B-1728B52AA6E4}">
+                <adec:decorative xmlns:adec="http://schemas.microsoft.com/office/drawing/2017/decorative" val="1"/>
+              </a:ext>
+            </a:extLst>
+          </p:cNvPr>
+          <p:cNvSpPr>
+            <a:spLocks noGrp="1" noRot="1" noChangeAspect="1" noMove="1" noResize="1" noEditPoints="1" noAdjustHandles="1" noChangeArrowheads="1" noChangeShapeType="1" noTextEdit="1"/>
+          </p:cNvSpPr>
+          <p:nvPr>
+            <p:extLst>
+              <p:ext uri="{386F3935-93C4-4BCD-93E2-E3B085C9AB24}">
+                <p16:designElem xmlns:p16="http://schemas.microsoft.com/office/powerpoint/2015/main" val="1"/>
+              </p:ext>
+            </p:extLst>
+          </p:nvPr>
+        </p:nvSpPr>
+        <p:spPr>
+          <a:xfrm flipH="1">
+            <a:off x="2" y="0"/>
+            <a:ext cx="12191998" cy="1575955"/>
+          </a:xfrm>
+          <a:prstGeom prst="rect">
+            <a:avLst/>
+          </a:prstGeom>
+          <a:gradFill>
+            <a:gsLst>
+              <a:gs pos="0">
+                <a:srgbClr val="000000">
+                  <a:alpha val="96000"/>
+                </a:srgbClr>
+              </a:gs>
+              <a:gs pos="100000">
+                <a:schemeClr val="accent1">
+                  <a:lumMod val="75000"/>
+                </a:schemeClr>
+              </a:gs>
+            </a:gsLst>
+            <a:lin ang="8400000" scaled="0"/>
+          </a:gradFill>
+          <a:ln>
+            <a:noFill/>
+          </a:ln>
+        </p:spPr>
+        <p:style>
+          <a:lnRef idx="2">
+            <a:schemeClr val="accent1">
+              <a:shade val="50000"/>
+            </a:schemeClr>
+          </a:lnRef>
+          <a:fillRef idx="1">
+            <a:schemeClr val="accent1"/>
+          </a:fillRef>
+          <a:effectRef idx="0">
+            <a:schemeClr val="accent1"/>
+          </a:effectRef>
+          <a:fontRef idx="minor">
+            <a:schemeClr val="lt1"/>
+          </a:fontRef>
+        </p:style>
+        <p:txBody>
+          <a:bodyPr rtlCol="0" anchor="ctr"/>
+          <a:lstStyle/>
+          <a:p>
+            <a:pPr algn="ctr"/>
+            <a:endParaRPr lang="en-US"/>
+          </a:p>
+        </p:txBody>
+      </p:sp>
+      <p:sp>
+        <p:nvSpPr>
+          <p:cNvPr id="13" name="Rectangle 12">
+            <a:extLst>
+              <a:ext uri="{FF2B5EF4-FFF2-40B4-BE49-F238E27FC236}">
+                <a16:creationId xmlns:a16="http://schemas.microsoft.com/office/drawing/2014/main" id="{AAD0DBB9-1A4B-4391-81D4-CB19F9AB918A}"/>
+              </a:ext>
+              <a:ext uri="{C183D7F6-B498-43B3-948B-1728B52AA6E4}">
+                <adec:decorative xmlns:adec="http://schemas.microsoft.com/office/drawing/2017/decorative" val="1"/>
+              </a:ext>
+            </a:extLst>
+          </p:cNvPr>
+          <p:cNvSpPr>
+            <a:spLocks noGrp="1" noRot="1" noChangeAspect="1" noMove="1" noResize="1" noEditPoints="1" noAdjustHandles="1" noChangeArrowheads="1" noChangeShapeType="1" noTextEdit="1"/>
+          </p:cNvSpPr>
+          <p:nvPr>
+            <p:extLst>
+              <p:ext uri="{386F3935-93C4-4BCD-93E2-E3B085C9AB24}">
+                <p16:designElem xmlns:p16="http://schemas.microsoft.com/office/powerpoint/2015/main" val="1"/>
+              </p:ext>
+            </p:extLst>
+          </p:nvPr>
+        </p:nvSpPr>
+        <p:spPr>
+          <a:xfrm rot="10800000" flipH="1">
+            <a:off x="8128857" y="0"/>
+            <a:ext cx="4063143" cy="1576412"/>
+          </a:xfrm>
+          <a:prstGeom prst="rect">
+            <a:avLst/>
+          </a:prstGeom>
+          <a:gradFill>
+            <a:gsLst>
+              <a:gs pos="19000">
+                <a:schemeClr val="accent1">
+                  <a:lumMod val="50000"/>
+                  <a:alpha val="68000"/>
+                </a:schemeClr>
+              </a:gs>
+              <a:gs pos="100000">
+                <a:schemeClr val="accent1">
+                  <a:alpha val="79000"/>
+                </a:schemeClr>
+              </a:gs>
+            </a:gsLst>
+            <a:lin ang="19200000" scaled="0"/>
+          </a:gradFill>
+          <a:ln>
+            <a:noFill/>
+          </a:ln>
+        </p:spPr>
+        <p:style>
+          <a:lnRef idx="2">
+            <a:schemeClr val="accent1">
+              <a:shade val="50000"/>
+            </a:schemeClr>
+          </a:lnRef>
+          <a:fillRef idx="1">
+            <a:schemeClr val="accent1"/>
+          </a:fillRef>
+          <a:effectRef idx="0">
+            <a:schemeClr val="accent1"/>
+          </a:effectRef>
+          <a:fontRef idx="minor">
+            <a:schemeClr val="lt1"/>
+          </a:fontRef>
+        </p:style>
+        <p:txBody>
+          <a:bodyPr rtlCol="0" anchor="ctr"/>
+          <a:lstStyle/>
+          <a:p>
+            <a:pPr algn="ctr"/>
+            <a:endParaRPr lang="en-US"/>
+          </a:p>
+        </p:txBody>
+      </p:sp>
+      <p:sp>
+        <p:nvSpPr>
+          <p:cNvPr id="15" name="Rectangle 14">
+            <a:extLst>
+              <a:ext uri="{FF2B5EF4-FFF2-40B4-BE49-F238E27FC236}">
+                <a16:creationId xmlns:a16="http://schemas.microsoft.com/office/drawing/2014/main" id="{063BBA22-50EA-4C4D-BE05-F1CE4E63AA56}"/>
+              </a:ext>
+              <a:ext uri="{C183D7F6-B498-43B3-948B-1728B52AA6E4}">
+                <adec:decorative xmlns:adec="http://schemas.microsoft.com/office/drawing/2017/decorative" val="1"/>
+              </a:ext>
+            </a:extLst>
+          </p:cNvPr>
+          <p:cNvSpPr>
+            <a:spLocks noGrp="1" noRot="1" noChangeAspect="1" noMove="1" noResize="1" noEditPoints="1" noAdjustHandles="1" noChangeArrowheads="1" noChangeShapeType="1" noTextEdit="1"/>
+          </p:cNvSpPr>
+          <p:nvPr>
+            <p:extLst>
+              <p:ext uri="{386F3935-93C4-4BCD-93E2-E3B085C9AB24}">
+                <p16:designElem xmlns:p16="http://schemas.microsoft.com/office/powerpoint/2015/main" val="1"/>
+              </p:ext>
+            </p:extLst>
+          </p:nvPr>
+        </p:nvSpPr>
+        <p:spPr>
+          <a:xfrm rot="5400000">
+            <a:off x="5307777" y="-5307778"/>
+            <a:ext cx="1576446" cy="12192002"/>
+          </a:xfrm>
+          <a:prstGeom prst="rect">
+            <a:avLst/>
+          </a:prstGeom>
+          <a:gradFill>
+            <a:gsLst>
+              <a:gs pos="23000">
+                <a:schemeClr val="accent1">
+                  <a:alpha val="0"/>
+                </a:schemeClr>
+              </a:gs>
+              <a:gs pos="99000">
+                <a:srgbClr val="000000">
+                  <a:alpha val="74000"/>
+                </a:srgbClr>
+              </a:gs>
+            </a:gsLst>
+            <a:lin ang="20400000" scaled="0"/>
+          </a:gradFill>
+          <a:ln>
+            <a:noFill/>
+          </a:ln>
+        </p:spPr>
+        <p:style>
+          <a:lnRef idx="2">
+            <a:schemeClr val="accent1">
+              <a:shade val="50000"/>
+            </a:schemeClr>
+          </a:lnRef>
+          <a:fillRef idx="1">
+            <a:schemeClr val="accent1"/>
+          </a:fillRef>
+          <a:effectRef idx="0">
+            <a:schemeClr val="accent1"/>
+          </a:effectRef>
+          <a:fontRef idx="minor">
+            <a:schemeClr val="lt1"/>
+          </a:fontRef>
+        </p:style>
+        <p:txBody>
+          <a:bodyPr rtlCol="0" anchor="ctr"/>
+          <a:lstStyle/>
+          <a:p>
+            <a:pPr algn="ctr"/>
+            <a:endParaRPr lang="en-US" dirty="0"/>
+          </a:p>
+        </p:txBody>
+      </p:sp>
       <p:sp>
         <p:nvSpPr>
           <p:cNvPr id="2" name="Title 1">
@@ -12271,169 +15114,93 @@
             <p:ph type="title"/>
           </p:nvPr>
         </p:nvSpPr>
-        <p:spPr/>
+        <p:spPr>
+          <a:xfrm>
+            <a:off x="1371597" y="348865"/>
+            <a:ext cx="10044023" cy="877729"/>
+          </a:xfrm>
+        </p:spPr>
         <p:txBody>
-          <a:bodyPr>
-            <a:normAutofit/>
+          <a:bodyPr anchor="ctr">
+            <a:normAutofit fontScale="90000"/>
           </a:bodyPr>
           <a:lstStyle/>
           <a:p>
             <a:r>
-              <a:rPr lang="en-US" sz="3600" dirty="0">
+              <a:rPr lang="en-US" b="1" dirty="0">
+                <a:solidFill>
+                  <a:srgbClr val="FFFFFF"/>
+                </a:solidFill>
                 <a:latin typeface=""/>
                 <a:cs typeface="Calibri Light"/>
               </a:rPr>
               <a:t>Challenges</a:t>
             </a:r>
             <a:br>
-              <a:rPr lang="en-US" sz="3600" dirty="0">
+              <a:rPr lang="en-US" sz="2800" dirty="0">
+                <a:solidFill>
+                  <a:srgbClr val="FFFFFF"/>
+                </a:solidFill>
                 <a:latin typeface=""/>
                 <a:cs typeface="Calibri Light"/>
               </a:rPr>
             </a:br>
             <a:r>
-              <a:rPr lang="en-US" sz="2400" dirty="0">
+              <a:rPr lang="en-US" sz="2800" dirty="0">
                 <a:solidFill>
-                  <a:schemeClr val="bg1">
-                    <a:lumMod val="50000"/>
-                  </a:schemeClr>
+                  <a:srgbClr val="FFFFFF"/>
                 </a:solidFill>
                 <a:latin typeface=""/>
                 <a:cs typeface="Calibri Light"/>
               </a:rPr>
-              <a:t>The most difficult problems faced during implementation</a:t>
+              <a:t>The most difficult problems faced during implementation.</a:t>
             </a:r>
-            <a:endParaRPr lang="en-US" sz="2400" dirty="0">
+            <a:endParaRPr lang="en-US" sz="2800" dirty="0">
               <a:solidFill>
-                <a:schemeClr val="bg1">
-                  <a:lumMod val="50000"/>
-                </a:schemeClr>
+                <a:srgbClr val="FFFFFF"/>
               </a:solidFill>
               <a:latin typeface=""/>
             </a:endParaRPr>
           </a:p>
         </p:txBody>
       </p:sp>
-      <p:sp>
-        <p:nvSpPr>
-          <p:cNvPr id="3" name="Content Placeholder 2">
+      <p:graphicFrame>
+        <p:nvGraphicFramePr>
+          <p:cNvPr id="5" name="Content Placeholder 2">
             <a:extLst>
               <a:ext uri="{FF2B5EF4-FFF2-40B4-BE49-F238E27FC236}">
-                <a16:creationId xmlns:a16="http://schemas.microsoft.com/office/drawing/2014/main" id="{C6F3D525-EAB3-4E0E-97FB-6C1555B7BEED}"/>
+                <a16:creationId xmlns:a16="http://schemas.microsoft.com/office/drawing/2014/main" id="{08E2922E-E4E9-738C-50B2-164E68A33733}"/>
               </a:ext>
             </a:extLst>
           </p:cNvPr>
-          <p:cNvSpPr>
-            <a:spLocks noGrp="1"/>
-          </p:cNvSpPr>
+          <p:cNvGraphicFramePr>
+            <a:graphicFrameLocks noGrp="1"/>
+          </p:cNvGraphicFramePr>
           <p:nvPr>
             <p:ph idx="1"/>
+            <p:extLst>
+              <p:ext uri="{D42A27DB-BD31-4B8C-83A1-F6EECF244321}">
+                <p14:modId xmlns:p14="http://schemas.microsoft.com/office/powerpoint/2010/main" val="1002882115"/>
+              </p:ext>
+            </p:extLst>
           </p:nvPr>
-        </p:nvSpPr>
-        <p:spPr/>
-        <p:txBody>
-          <a:bodyPr vert="horz" lIns="91440" tIns="45720" rIns="91440" bIns="45720" rtlCol="0" anchor="t">
-            <a:normAutofit/>
-          </a:bodyPr>
-          <a:lstStyle/>
-          <a:p>
-            <a:pPr marL="0" indent="0">
-              <a:buNone/>
-            </a:pPr>
-            <a:r>
-              <a:rPr lang="en-US" sz="2400" dirty="0">
-                <a:latin typeface=""/>
-              </a:rPr>
-              <a:t>Deployment of the algorithm on a webpage - to allow users to tune the hyperparameters of the model.</a:t>
-            </a:r>
-            <a:endParaRPr lang="en-US" sz="2400" dirty="0">
-              <a:solidFill>
-                <a:schemeClr val="bg1">
-                  <a:lumMod val="50000"/>
-                </a:schemeClr>
-              </a:solidFill>
-              <a:latin typeface=""/>
-            </a:endParaRPr>
-          </a:p>
-          <a:p>
-            <a:pPr marL="0" indent="0">
-              <a:buNone/>
-            </a:pPr>
-            <a:endParaRPr lang="en-US" sz="2400" b="1" dirty="0">
-              <a:latin typeface=""/>
-            </a:endParaRPr>
-          </a:p>
-          <a:p>
-            <a:pPr marL="0" indent="0">
-              <a:buNone/>
-            </a:pPr>
-            <a:r>
-              <a:rPr lang="en-US" sz="2400" b="1" dirty="0">
-                <a:solidFill>
-                  <a:srgbClr val="0070C0"/>
-                </a:solidFill>
-                <a:latin typeface=""/>
-              </a:rPr>
-              <a:t>Expected features</a:t>
-            </a:r>
-          </a:p>
-          <a:p>
-            <a:r>
-              <a:rPr lang="en-US" sz="2400" dirty="0">
-                <a:latin typeface=""/>
-              </a:rPr>
-              <a:t>Ability to navigate through the obstacles and move forward. </a:t>
-            </a:r>
-          </a:p>
-          <a:p>
-            <a:r>
-              <a:rPr lang="en-US" sz="2400" dirty="0">
-                <a:latin typeface=""/>
-              </a:rPr>
-              <a:t>Option to select a background color to hide spoilers (only in Hidden Mode).</a:t>
-            </a:r>
-          </a:p>
-          <a:p>
-            <a:pPr marL="0" indent="0">
-              <a:buNone/>
-            </a:pPr>
-            <a:endParaRPr lang="en-US" sz="2400" b="1" dirty="0">
-              <a:latin typeface=""/>
-              <a:cs typeface="Calibri"/>
-            </a:endParaRPr>
-          </a:p>
-          <a:p>
-            <a:pPr marL="0" indent="0">
-              <a:buNone/>
-            </a:pPr>
-            <a:r>
-              <a:rPr lang="en-US" sz="2400" b="1" dirty="0">
-                <a:solidFill>
-                  <a:srgbClr val="0070C0"/>
-                </a:solidFill>
-                <a:latin typeface=""/>
-                <a:cs typeface="Calibri"/>
-              </a:rPr>
-              <a:t>Project acceptance criteria</a:t>
-            </a:r>
-          </a:p>
-          <a:p>
-            <a:r>
-              <a:rPr lang="en-US" sz="2400" dirty="0">
-                <a:latin typeface=""/>
-                <a:cs typeface="Calibri"/>
-              </a:rPr>
-              <a:t>Beat the target score of 10000 points.</a:t>
-            </a:r>
-          </a:p>
-        </p:txBody>
-      </p:sp>
+        </p:nvGraphicFramePr>
+        <p:xfrm>
+          <a:off x="644056" y="2112579"/>
+          <a:ext cx="10927829" cy="4192805"/>
+        </p:xfrm>
+        <a:graphic>
+          <a:graphicData uri="http://schemas.openxmlformats.org/drawingml/2006/diagram">
+            <dgm:relIds xmlns:dgm="http://schemas.openxmlformats.org/drawingml/2006/diagram" xmlns:r="http://schemas.openxmlformats.org/officeDocument/2006/relationships" r:dm="rId2" r:lo="rId3" r:qs="rId4" r:cs="rId5"/>
+          </a:graphicData>
+        </a:graphic>
+      </p:graphicFrame>
       <p:grpSp>
         <p:nvGrpSpPr>
-          <p:cNvPr id="6" name="Group 5">
+          <p:cNvPr id="14" name="Group 13">
             <a:extLst>
               <a:ext uri="{FF2B5EF4-FFF2-40B4-BE49-F238E27FC236}">
-                <a16:creationId xmlns:a16="http://schemas.microsoft.com/office/drawing/2014/main" id="{2E4E6597-2953-ED4C-B239-EED471D7963A}"/>
+                <a16:creationId xmlns:a16="http://schemas.microsoft.com/office/drawing/2014/main" id="{E38C4955-F973-09F2-B101-7A9BFFB7E7BB}"/>
               </a:ext>
             </a:extLst>
           </p:cNvPr>
@@ -12442,18 +15209,18 @@
         </p:nvGrpSpPr>
         <p:grpSpPr>
           <a:xfrm>
-            <a:off x="0" y="0"/>
-            <a:ext cx="12192000" cy="6858000"/>
-            <a:chOff x="0" y="0"/>
-            <a:chExt cx="12192000" cy="6858000"/>
+            <a:off x="152400" y="-492"/>
+            <a:ext cx="12192000" cy="7010892"/>
+            <a:chOff x="0" y="-152892"/>
+            <a:chExt cx="12192000" cy="7010892"/>
           </a:xfrm>
         </p:grpSpPr>
         <p:pic>
           <p:nvPicPr>
-            <p:cNvPr id="7" name="Picture 6">
+            <p:cNvPr id="16" name="Picture 15">
               <a:extLst>
                 <a:ext uri="{FF2B5EF4-FFF2-40B4-BE49-F238E27FC236}">
-                  <a16:creationId xmlns:a16="http://schemas.microsoft.com/office/drawing/2014/main" id="{2D6A6BAF-1251-404F-A85C-52751F629D4C}"/>
+                  <a16:creationId xmlns:a16="http://schemas.microsoft.com/office/drawing/2014/main" id="{15D427E6-A13D-CAFB-A5BA-A8839DEC8B34}"/>
                 </a:ext>
               </a:extLst>
             </p:cNvPr>
@@ -12463,7 +15230,7 @@
             <p:nvPr/>
           </p:nvPicPr>
           <p:blipFill>
-            <a:blip r:embed="rId2">
+            <a:blip r:embed="rId7">
               <a:extLst>
                 <a:ext uri="{28A0092B-C50C-407E-A947-70E740481C1C}">
                   <a14:useLocalDpi xmlns:a14="http://schemas.microsoft.com/office/drawing/2010/main" val="0"/>
@@ -12475,8 +15242,8 @@
           </p:blipFill>
           <p:spPr>
             <a:xfrm>
-              <a:off x="10850690" y="0"/>
-              <a:ext cx="1338262" cy="1338262"/>
+              <a:off x="10407918" y="-152892"/>
+              <a:ext cx="1631683" cy="1631683"/>
             </a:xfrm>
             <a:prstGeom prst="rect">
               <a:avLst/>
@@ -12485,10 +15252,10 @@
         </p:pic>
         <p:sp>
           <p:nvSpPr>
-            <p:cNvPr id="8" name="Rectangle 7">
+            <p:cNvPr id="17" name="Rectangle 16">
               <a:extLst>
                 <a:ext uri="{FF2B5EF4-FFF2-40B4-BE49-F238E27FC236}">
-                  <a16:creationId xmlns:a16="http://schemas.microsoft.com/office/drawing/2014/main" id="{9A37DBAF-2AAE-3849-9647-B1FB740F6862}"/>
+                  <a16:creationId xmlns:a16="http://schemas.microsoft.com/office/drawing/2014/main" id="{68B86701-4C78-8E35-DC05-5DC11745BC7E}"/>
                 </a:ext>
               </a:extLst>
             </p:cNvPr>
@@ -12535,95 +15302,500 @@
             </a:p>
           </p:txBody>
         </p:sp>
-        <p:cxnSp>
-          <p:nvCxnSpPr>
-            <p:cNvPr id="9" name="Straight Connector 8">
-              <a:extLst>
-                <a:ext uri="{FF2B5EF4-FFF2-40B4-BE49-F238E27FC236}">
-                  <a16:creationId xmlns:a16="http://schemas.microsoft.com/office/drawing/2014/main" id="{5283395D-F12B-7F4D-8F3E-ED52A3D34330}"/>
-                </a:ext>
-              </a:extLst>
-            </p:cNvPr>
-            <p:cNvCxnSpPr/>
-            <p:nvPr/>
-          </p:nvCxnSpPr>
-          <p:spPr>
-            <a:xfrm>
-              <a:off x="925286" y="1577500"/>
-              <a:ext cx="10101943" cy="0"/>
-            </a:xfrm>
-            <a:prstGeom prst="line">
-              <a:avLst/>
-            </a:prstGeom>
-            <a:ln w="28575">
-              <a:solidFill>
-                <a:schemeClr val="accent1"/>
-              </a:solidFill>
-            </a:ln>
-          </p:spPr>
-          <p:style>
-            <a:lnRef idx="1">
-              <a:schemeClr val="accent1"/>
-            </a:lnRef>
-            <a:fillRef idx="0">
-              <a:schemeClr val="accent1"/>
-            </a:fillRef>
-            <a:effectRef idx="0">
-              <a:schemeClr val="accent1"/>
-            </a:effectRef>
-            <a:fontRef idx="minor">
-              <a:schemeClr val="tx1"/>
-            </a:fontRef>
-          </p:style>
-        </p:cxnSp>
-        <p:cxnSp>
-          <p:nvCxnSpPr>
-            <p:cNvPr id="10" name="Straight Connector 9">
-              <a:extLst>
-                <a:ext uri="{FF2B5EF4-FFF2-40B4-BE49-F238E27FC236}">
-                  <a16:creationId xmlns:a16="http://schemas.microsoft.com/office/drawing/2014/main" id="{75DD3E59-04C8-4645-9420-119227020ADD}"/>
-                </a:ext>
-              </a:extLst>
-            </p:cNvPr>
-            <p:cNvCxnSpPr>
-              <a:cxnSpLocks/>
-            </p:cNvCxnSpPr>
-            <p:nvPr/>
-          </p:nvCxnSpPr>
-          <p:spPr>
-            <a:xfrm>
-              <a:off x="925286" y="1632740"/>
-              <a:ext cx="10101943" cy="0"/>
-            </a:xfrm>
-            <a:prstGeom prst="line">
-              <a:avLst/>
-            </a:prstGeom>
-            <a:ln w="28575">
-              <a:solidFill>
-                <a:srgbClr val="D1CFCD"/>
-              </a:solidFill>
-            </a:ln>
-          </p:spPr>
-          <p:style>
-            <a:lnRef idx="1">
-              <a:schemeClr val="accent1"/>
-            </a:lnRef>
-            <a:fillRef idx="0">
-              <a:schemeClr val="accent1"/>
-            </a:fillRef>
-            <a:effectRef idx="0">
-              <a:schemeClr val="accent1"/>
-            </a:effectRef>
-            <a:fontRef idx="minor">
-              <a:schemeClr val="tx1"/>
-            </a:fontRef>
-          </p:style>
-        </p:cxnSp>
       </p:grpSp>
     </p:spTree>
     <p:extLst>
       <p:ext uri="{BB962C8B-B14F-4D97-AF65-F5344CB8AC3E}">
         <p14:creationId xmlns:p14="http://schemas.microsoft.com/office/powerpoint/2010/main" val="1499119944"/>
+      </p:ext>
+    </p:extLst>
+  </p:cSld>
+  <p:clrMapOvr>
+    <a:masterClrMapping/>
+  </p:clrMapOvr>
+</p:sld>
+</file>
+
+<file path=ppt/slides/slide7.xml><?xml version="1.0" encoding="utf-8"?>
+<p:sld xmlns:a="http://schemas.openxmlformats.org/drawingml/2006/main" xmlns:r="http://schemas.openxmlformats.org/officeDocument/2006/relationships" xmlns:p="http://schemas.openxmlformats.org/presentationml/2006/main">
+  <p:cSld>
+    <p:bg>
+      <p:bgPr>
+        <a:solidFill>
+          <a:schemeClr val="bg1"/>
+        </a:solidFill>
+        <a:effectLst/>
+      </p:bgPr>
+    </p:bg>
+    <p:spTree>
+      <p:nvGrpSpPr>
+        <p:cNvPr id="1" name=""/>
+        <p:cNvGrpSpPr/>
+        <p:nvPr/>
+      </p:nvGrpSpPr>
+      <p:grpSpPr>
+        <a:xfrm>
+          <a:off x="0" y="0"/>
+          <a:ext cx="0" cy="0"/>
+          <a:chOff x="0" y="0"/>
+          <a:chExt cx="0" cy="0"/>
+        </a:xfrm>
+      </p:grpSpPr>
+      <p:cxnSp>
+        <p:nvCxnSpPr>
+          <p:cNvPr id="19" name="Straight Connector 18">
+            <a:extLst>
+              <a:ext uri="{FF2B5EF4-FFF2-40B4-BE49-F238E27FC236}">
+                <a16:creationId xmlns:a16="http://schemas.microsoft.com/office/drawing/2014/main" id="{DB146403-F3D6-484B-B2ED-97F9565D0370}"/>
+              </a:ext>
+              <a:ext uri="{C183D7F6-B498-43B3-948B-1728B52AA6E4}">
+                <adec:decorative xmlns:adec="http://schemas.microsoft.com/office/drawing/2017/decorative" val="1"/>
+              </a:ext>
+            </a:extLst>
+          </p:cNvPr>
+          <p:cNvCxnSpPr>
+            <a:cxnSpLocks noGrp="1" noRot="1" noChangeAspect="1" noMove="1" noResize="1" noEditPoints="1" noAdjustHandles="1" noChangeArrowheads="1" noChangeShapeType="1"/>
+          </p:cNvCxnSpPr>
+          <p:nvPr>
+            <p:extLst>
+              <p:ext uri="{386F3935-93C4-4BCD-93E2-E3B085C9AB24}">
+                <p16:designElem xmlns:p16="http://schemas.microsoft.com/office/powerpoint/2015/main" val="1"/>
+              </p:ext>
+            </p:extLst>
+          </p:nvPr>
+        </p:nvCxnSpPr>
+        <p:spPr>
+          <a:xfrm>
+            <a:off x="6096000" y="477749"/>
+            <a:ext cx="0" cy="3657600"/>
+          </a:xfrm>
+          <a:prstGeom prst="line">
+            <a:avLst/>
+          </a:prstGeom>
+          <a:ln w="101600" cmpd="dbl">
+            <a:solidFill>
+              <a:srgbClr val="595959"/>
+            </a:solidFill>
+          </a:ln>
+        </p:spPr>
+        <p:style>
+          <a:lnRef idx="1">
+            <a:schemeClr val="accent1"/>
+          </a:lnRef>
+          <a:fillRef idx="0">
+            <a:schemeClr val="accent1"/>
+          </a:fillRef>
+          <a:effectRef idx="0">
+            <a:schemeClr val="accent1"/>
+          </a:effectRef>
+          <a:fontRef idx="minor">
+            <a:schemeClr val="tx1"/>
+          </a:fontRef>
+        </p:style>
+      </p:cxnSp>
+      <p:sp>
+        <p:nvSpPr>
+          <p:cNvPr id="21" name="Rectangle 20">
+            <a:extLst>
+              <a:ext uri="{FF2B5EF4-FFF2-40B4-BE49-F238E27FC236}">
+                <a16:creationId xmlns:a16="http://schemas.microsoft.com/office/drawing/2014/main" id="{823AC064-BC96-4F32-8AE1-B2FD38754823}"/>
+              </a:ext>
+              <a:ext uri="{C183D7F6-B498-43B3-948B-1728B52AA6E4}">
+                <adec:decorative xmlns:adec="http://schemas.microsoft.com/office/drawing/2017/decorative" val="1"/>
+              </a:ext>
+            </a:extLst>
+          </p:cNvPr>
+          <p:cNvSpPr>
+            <a:spLocks noGrp="1" noRot="1" noChangeAspect="1" noMove="1" noResize="1" noEditPoints="1" noAdjustHandles="1" noChangeArrowheads="1" noChangeShapeType="1" noTextEdit="1"/>
+          </p:cNvSpPr>
+          <p:nvPr>
+            <p:extLst>
+              <p:ext uri="{386F3935-93C4-4BCD-93E2-E3B085C9AB24}">
+                <p16:designElem xmlns:p16="http://schemas.microsoft.com/office/powerpoint/2015/main" val="1"/>
+              </p:ext>
+            </p:extLst>
+          </p:nvPr>
+        </p:nvSpPr>
+        <p:spPr bwMode="ltGray">
+          <a:xfrm>
+            <a:off x="378068" y="4633546"/>
+            <a:ext cx="11438793" cy="1844256"/>
+          </a:xfrm>
+          <a:prstGeom prst="rect">
+            <a:avLst/>
+          </a:prstGeom>
+          <a:solidFill>
+            <a:srgbClr val="404040"/>
+          </a:solidFill>
+          <a:ln w="127000" cap="sq" cmpd="thinThick">
+            <a:solidFill>
+              <a:srgbClr val="404040"/>
+            </a:solidFill>
+          </a:ln>
+        </p:spPr>
+        <p:style>
+          <a:lnRef idx="2">
+            <a:schemeClr val="accent1">
+              <a:shade val="50000"/>
+            </a:schemeClr>
+          </a:lnRef>
+          <a:fillRef idx="1">
+            <a:schemeClr val="accent1"/>
+          </a:fillRef>
+          <a:effectRef idx="0">
+            <a:schemeClr val="accent1"/>
+          </a:effectRef>
+          <a:fontRef idx="minor">
+            <a:schemeClr val="lt1"/>
+          </a:fontRef>
+        </p:style>
+        <p:txBody>
+          <a:bodyPr rtlCol="0" anchor="ctr"/>
+          <a:lstStyle/>
+          <a:p>
+            <a:pPr algn="ctr"/>
+            <a:endParaRPr lang="en-US"/>
+          </a:p>
+        </p:txBody>
+      </p:sp>
+      <p:sp>
+        <p:nvSpPr>
+          <p:cNvPr id="2" name="Title 1">
+            <a:extLst>
+              <a:ext uri="{FF2B5EF4-FFF2-40B4-BE49-F238E27FC236}">
+                <a16:creationId xmlns:a16="http://schemas.microsoft.com/office/drawing/2014/main" id="{C4379292-7E30-6CAC-6D5C-47647CB97600}"/>
+              </a:ext>
+            </a:extLst>
+          </p:cNvPr>
+          <p:cNvSpPr>
+            <a:spLocks noGrp="1"/>
+          </p:cNvSpPr>
+          <p:nvPr>
+            <p:ph type="title"/>
+          </p:nvPr>
+        </p:nvSpPr>
+        <p:spPr>
+          <a:xfrm>
+            <a:off x="527538" y="4756638"/>
+            <a:ext cx="11139854" cy="930447"/>
+          </a:xfrm>
+        </p:spPr>
+        <p:txBody>
+          <a:bodyPr vert="horz" lIns="91440" tIns="45720" rIns="91440" bIns="45720" rtlCol="0" anchor="b">
+            <a:normAutofit/>
+          </a:bodyPr>
+          <a:lstStyle/>
+          <a:p>
+            <a:pPr algn="ctr"/>
+            <a:r>
+              <a:rPr lang="en-US" sz="5400">
+                <a:solidFill>
+                  <a:srgbClr val="FFFFFF"/>
+                </a:solidFill>
+              </a:rPr>
+              <a:t>Demo Time!</a:t>
+            </a:r>
+          </a:p>
+        </p:txBody>
+      </p:sp>
+      <p:pic>
+        <p:nvPicPr>
+          <p:cNvPr id="8" name="Picture 7" descr="A picture containing sky, person, outdoor, hand&#10;&#10;Description automatically generated">
+            <a:extLst>
+              <a:ext uri="{FF2B5EF4-FFF2-40B4-BE49-F238E27FC236}">
+                <a16:creationId xmlns:a16="http://schemas.microsoft.com/office/drawing/2014/main" id="{1064DC68-2224-02F2-7D0A-B893007FDDA6}"/>
+              </a:ext>
+            </a:extLst>
+          </p:cNvPr>
+          <p:cNvPicPr>
+            <a:picLocks noChangeAspect="1"/>
+          </p:cNvPicPr>
+          <p:nvPr/>
+        </p:nvPicPr>
+        <p:blipFill>
+          <a:blip r:embed="rId2">
+            <a:extLst>
+              <a:ext uri="{28A0092B-C50C-407E-A947-70E740481C1C}">
+                <a14:useLocalDpi xmlns:a14="http://schemas.microsoft.com/office/drawing/2010/main" val="0"/>
+              </a:ext>
+              <a:ext uri="{837473B0-CC2E-450A-ABE3-18F120FF3D39}">
+                <a1611:picAttrSrcUrl xmlns:a1611="http://schemas.microsoft.com/office/drawing/2016/11/main" r:id="rId3"/>
+              </a:ext>
+            </a:extLst>
+          </a:blip>
+          <a:stretch>
+            <a:fillRect/>
+          </a:stretch>
+        </p:blipFill>
+        <p:spPr>
+          <a:xfrm>
+            <a:off x="382907" y="307731"/>
+            <a:ext cx="5330182" cy="3997637"/>
+          </a:xfrm>
+          <a:prstGeom prst="rect">
+            <a:avLst/>
+          </a:prstGeom>
+        </p:spPr>
+      </p:pic>
+      <p:pic>
+        <p:nvPicPr>
+          <p:cNvPr id="5" name="Content Placeholder 4">
+            <a:extLst>
+              <a:ext uri="{FF2B5EF4-FFF2-40B4-BE49-F238E27FC236}">
+                <a16:creationId xmlns:a16="http://schemas.microsoft.com/office/drawing/2014/main" id="{1C13AB4B-835B-1630-9EE5-6BFF200D9F48}"/>
+              </a:ext>
+            </a:extLst>
+          </p:cNvPr>
+          <p:cNvPicPr>
+            <a:picLocks noGrp="1" noChangeAspect="1"/>
+          </p:cNvPicPr>
+          <p:nvPr>
+            <p:ph idx="1"/>
+          </p:nvPr>
+        </p:nvPicPr>
+        <p:blipFill>
+          <a:blip r:embed="rId4">
+            <a:extLst>
+              <a:ext uri="{28A0092B-C50C-407E-A947-70E740481C1C}">
+                <a14:useLocalDpi xmlns:a14="http://schemas.microsoft.com/office/drawing/2010/main" val="0"/>
+              </a:ext>
+              <a:ext uri="{837473B0-CC2E-450A-ABE3-18F120FF3D39}">
+                <a1611:picAttrSrcUrl xmlns:a1611="http://schemas.microsoft.com/office/drawing/2016/11/main" r:id="rId5"/>
+              </a:ext>
+            </a:extLst>
+          </a:blip>
+          <a:stretch>
+            <a:fillRect/>
+          </a:stretch>
+        </p:blipFill>
+        <p:spPr>
+          <a:xfrm>
+            <a:off x="6416043" y="533376"/>
+            <a:ext cx="5455917" cy="3546346"/>
+          </a:xfrm>
+          <a:prstGeom prst="rect">
+            <a:avLst/>
+          </a:prstGeom>
+        </p:spPr>
+      </p:pic>
+      <p:cxnSp>
+        <p:nvCxnSpPr>
+          <p:cNvPr id="23" name="Straight Connector 22">
+            <a:extLst>
+              <a:ext uri="{FF2B5EF4-FFF2-40B4-BE49-F238E27FC236}">
+                <a16:creationId xmlns:a16="http://schemas.microsoft.com/office/drawing/2014/main" id="{7E7C77BC-7138-40B1-A15B-20F57A494629}"/>
+              </a:ext>
+              <a:ext uri="{C183D7F6-B498-43B3-948B-1728B52AA6E4}">
+                <adec:decorative xmlns:adec="http://schemas.microsoft.com/office/drawing/2017/decorative" val="1"/>
+              </a:ext>
+            </a:extLst>
+          </p:cNvPr>
+          <p:cNvCxnSpPr>
+            <a:cxnSpLocks noGrp="1" noRot="1" noChangeAspect="1" noMove="1" noResize="1" noEditPoints="1" noAdjustHandles="1" noChangeArrowheads="1" noChangeShapeType="1"/>
+          </p:cNvCxnSpPr>
+          <p:nvPr>
+            <p:extLst>
+              <p:ext uri="{386F3935-93C4-4BCD-93E2-E3B085C9AB24}">
+                <p16:designElem xmlns:p16="http://schemas.microsoft.com/office/powerpoint/2015/main" val="1"/>
+              </p:ext>
+            </p:extLst>
+          </p:nvPr>
+        </p:nvCxnSpPr>
+        <p:spPr>
+          <a:xfrm>
+            <a:off x="2209800" y="5738691"/>
+            <a:ext cx="7772400" cy="0"/>
+          </a:xfrm>
+          <a:prstGeom prst="line">
+            <a:avLst/>
+          </a:prstGeom>
+          <a:ln w="22225">
+            <a:solidFill>
+              <a:srgbClr val="D9D9D9"/>
+            </a:solidFill>
+          </a:ln>
+        </p:spPr>
+        <p:style>
+          <a:lnRef idx="1">
+            <a:schemeClr val="accent1"/>
+          </a:lnRef>
+          <a:fillRef idx="0">
+            <a:schemeClr val="accent1"/>
+          </a:fillRef>
+          <a:effectRef idx="0">
+            <a:schemeClr val="accent1"/>
+          </a:effectRef>
+          <a:fontRef idx="minor">
+            <a:schemeClr val="tx1"/>
+          </a:fontRef>
+        </p:style>
+      </p:cxnSp>
+      <p:sp>
+        <p:nvSpPr>
+          <p:cNvPr id="6" name="TextBox 5">
+            <a:extLst>
+              <a:ext uri="{FF2B5EF4-FFF2-40B4-BE49-F238E27FC236}">
+                <a16:creationId xmlns:a16="http://schemas.microsoft.com/office/drawing/2014/main" id="{9D6D0421-F857-8FB3-BF9E-B6080ED21941}"/>
+              </a:ext>
+            </a:extLst>
+          </p:cNvPr>
+          <p:cNvSpPr txBox="1"/>
+          <p:nvPr/>
+        </p:nvSpPr>
+        <p:spPr>
+          <a:xfrm>
+            <a:off x="9412633" y="3879667"/>
+            <a:ext cx="2459327" cy="200055"/>
+          </a:xfrm>
+          <a:prstGeom prst="rect">
+            <a:avLst/>
+          </a:prstGeom>
+          <a:solidFill>
+            <a:srgbClr val="000000"/>
+          </a:solidFill>
+        </p:spPr>
+        <p:txBody>
+          <a:bodyPr wrap="none" rtlCol="0">
+            <a:spAutoFit/>
+          </a:bodyPr>
+          <a:lstStyle/>
+          <a:p>
+            <a:pPr algn="r">
+              <a:spcAft>
+                <a:spcPts val="600"/>
+              </a:spcAft>
+            </a:pPr>
+            <a:r>
+              <a:rPr lang="en-US" sz="700">
+                <a:solidFill>
+                  <a:srgbClr val="FFFFFF"/>
+                </a:solidFill>
+                <a:hlinkClick r:id="rId5" tooltip="https://www.newgrounds.com/art/view/kommandokilesk/a-rather-soviet-dinosaur">
+                  <a:extLst>
+                    <a:ext uri="{A12FA001-AC4F-418D-AE19-62706E023703}">
+                      <ahyp:hlinkClr xmlns:ahyp="http://schemas.microsoft.com/office/drawing/2018/hyperlinkcolor" val="tx"/>
+                    </a:ext>
+                  </a:extLst>
+                </a:hlinkClick>
+              </a:rPr>
+              <a:t>This Photo</a:t>
+            </a:r>
+            <a:r>
+              <a:rPr lang="en-US" sz="700">
+                <a:solidFill>
+                  <a:srgbClr val="FFFFFF"/>
+                </a:solidFill>
+              </a:rPr>
+              <a:t> by Unknown Author is licensed under </a:t>
+            </a:r>
+            <a:r>
+              <a:rPr lang="en-US" sz="700">
+                <a:solidFill>
+                  <a:srgbClr val="FFFFFF"/>
+                </a:solidFill>
+                <a:hlinkClick r:id="rId6" tooltip="https://creativecommons.org/licenses/by-nc-nd/3.0/">
+                  <a:extLst>
+                    <a:ext uri="{A12FA001-AC4F-418D-AE19-62706E023703}">
+                      <ahyp:hlinkClr xmlns:ahyp="http://schemas.microsoft.com/office/drawing/2018/hyperlinkcolor" val="tx"/>
+                    </a:ext>
+                  </a:extLst>
+                </a:hlinkClick>
+              </a:rPr>
+              <a:t>CC BY-NC-ND</a:t>
+            </a:r>
+            <a:endParaRPr lang="en-US" sz="700">
+              <a:solidFill>
+                <a:srgbClr val="FFFFFF"/>
+              </a:solidFill>
+            </a:endParaRPr>
+          </a:p>
+        </p:txBody>
+      </p:sp>
+      <p:sp>
+        <p:nvSpPr>
+          <p:cNvPr id="9" name="TextBox 8">
+            <a:extLst>
+              <a:ext uri="{FF2B5EF4-FFF2-40B4-BE49-F238E27FC236}">
+                <a16:creationId xmlns:a16="http://schemas.microsoft.com/office/drawing/2014/main" id="{43E0B589-BA7D-A658-7371-B0E933619A4A}"/>
+              </a:ext>
+            </a:extLst>
+          </p:cNvPr>
+          <p:cNvSpPr txBox="1"/>
+          <p:nvPr/>
+        </p:nvSpPr>
+        <p:spPr>
+          <a:xfrm>
+            <a:off x="3406047" y="4105313"/>
+            <a:ext cx="2307042" cy="200055"/>
+          </a:xfrm>
+          <a:prstGeom prst="rect">
+            <a:avLst/>
+          </a:prstGeom>
+          <a:solidFill>
+            <a:srgbClr val="000000"/>
+          </a:solidFill>
+        </p:spPr>
+        <p:txBody>
+          <a:bodyPr wrap="none" rtlCol="0">
+            <a:spAutoFit/>
+          </a:bodyPr>
+          <a:lstStyle/>
+          <a:p>
+            <a:pPr algn="r">
+              <a:spcAft>
+                <a:spcPts val="600"/>
+              </a:spcAft>
+            </a:pPr>
+            <a:r>
+              <a:rPr lang="en-US" sz="700">
+                <a:solidFill>
+                  <a:srgbClr val="FFFFFF"/>
+                </a:solidFill>
+                <a:hlinkClick r:id="rId3" tooltip="https://medium.com/@urish/i-saw-a-dinosaur-or-how-i-built-a-real-life-version-of-chrome-t-rex-game-92175f6cad2c">
+                  <a:extLst>
+                    <a:ext uri="{A12FA001-AC4F-418D-AE19-62706E023703}">
+                      <ahyp:hlinkClr xmlns:ahyp="http://schemas.microsoft.com/office/drawing/2018/hyperlinkcolor" val="tx"/>
+                    </a:ext>
+                  </a:extLst>
+                </a:hlinkClick>
+              </a:rPr>
+              <a:t>This Photo</a:t>
+            </a:r>
+            <a:r>
+              <a:rPr lang="en-US" sz="700">
+                <a:solidFill>
+                  <a:srgbClr val="FFFFFF"/>
+                </a:solidFill>
+              </a:rPr>
+              <a:t> by Unknown Author is licensed under </a:t>
+            </a:r>
+            <a:r>
+              <a:rPr lang="en-US" sz="700">
+                <a:solidFill>
+                  <a:srgbClr val="FFFFFF"/>
+                </a:solidFill>
+                <a:hlinkClick r:id="rId7" tooltip="https://creativecommons.org/licenses/by-sa/3.0/">
+                  <a:extLst>
+                    <a:ext uri="{A12FA001-AC4F-418D-AE19-62706E023703}">
+                      <ahyp:hlinkClr xmlns:ahyp="http://schemas.microsoft.com/office/drawing/2018/hyperlinkcolor" val="tx"/>
+                    </a:ext>
+                  </a:extLst>
+                </a:hlinkClick>
+              </a:rPr>
+              <a:t>CC BY-SA</a:t>
+            </a:r>
+            <a:endParaRPr lang="en-US" sz="700">
+              <a:solidFill>
+                <a:srgbClr val="FFFFFF"/>
+              </a:solidFill>
+            </a:endParaRPr>
+          </a:p>
+        </p:txBody>
+      </p:sp>
+    </p:spTree>
+    <p:extLst>
+      <p:ext uri="{BB962C8B-B14F-4D97-AF65-F5344CB8AC3E}">
+        <p14:creationId xmlns:p14="http://schemas.microsoft.com/office/powerpoint/2010/main" val="210669657"/>
       </p:ext>
     </p:extLst>
   </p:cSld>
@@ -13335,6 +16507,12 @@
 </file>
 
 <file path=customXml/item1.xml><?xml version="1.0" encoding="utf-8"?>
+<p:properties xmlns:p="http://schemas.microsoft.com/office/2006/metadata/properties" xmlns:xsi="http://www.w3.org/2001/XMLSchema-instance" xmlns:pc="http://schemas.microsoft.com/office/infopath/2007/PartnerControls">
+  <documentManagement/>
+</p:properties>
+</file>
+
+<file path=customXml/item2.xml><?xml version="1.0" encoding="utf-8"?>
 <ct:contentTypeSchema xmlns:ct="http://schemas.microsoft.com/office/2006/metadata/contentType" xmlns:ma="http://schemas.microsoft.com/office/2006/metadata/properties/metaAttributes" ct:_="" ma:_="" ma:contentTypeName="Document" ma:contentTypeID="0x010100291CC0CE335B6E4281FE89842D256374" ma:contentTypeVersion="12" ma:contentTypeDescription="Create a new document." ma:contentTypeScope="" ma:versionID="ae9d638fc8612f104d9c94ad5ab6c34d">
   <xsd:schema xmlns:xsd="http://www.w3.org/2001/XMLSchema" xmlns:xs="http://www.w3.org/2001/XMLSchema" xmlns:p="http://schemas.microsoft.com/office/2006/metadata/properties" xmlns:ns2="1a303891-b730-4f3b-97a3-ea9f42070766" xmlns:ns3="7a701bdc-cd9f-45d4-a0d4-25a2b20bd704" targetNamespace="http://schemas.microsoft.com/office/2006/metadata/properties" ma:root="true" ma:fieldsID="2221c7a9a8d3215347c3a6ee65086457" ns2:_="" ns3:_="">
     <xsd:import namespace="1a303891-b730-4f3b-97a3-ea9f42070766"/>
@@ -13551,12 +16729,6 @@
 </ct:contentTypeSchema>
 </file>
 
-<file path=customXml/item2.xml><?xml version="1.0" encoding="utf-8"?>
-<p:properties xmlns:p="http://schemas.microsoft.com/office/2006/metadata/properties" xmlns:xsi="http://www.w3.org/2001/XMLSchema-instance" xmlns:pc="http://schemas.microsoft.com/office/infopath/2007/PartnerControls">
-  <documentManagement/>
-</p:properties>
-</file>
-
 <file path=customXml/item3.xml><?xml version="1.0" encoding="utf-8"?>
 <?mso-contentType ?>
 <FormTemplates xmlns="http://schemas.microsoft.com/sharepoint/v3/contenttype/forms">
@@ -13567,6 +16739,23 @@
 </file>
 
 <file path=customXml/itemProps1.xml><?xml version="1.0" encoding="utf-8"?>
+<ds:datastoreItem xmlns:ds="http://schemas.openxmlformats.org/officeDocument/2006/customXml" ds:itemID="{8F67229A-346B-431C-9475-F7EC9532EF5A}">
+  <ds:schemaRefs>
+    <ds:schemaRef ds:uri="http://schemas.microsoft.com/office/2006/documentManagement/types"/>
+    <ds:schemaRef ds:uri="http://www.w3.org/XML/1998/namespace"/>
+    <ds:schemaRef ds:uri="1a303891-b730-4f3b-97a3-ea9f42070766"/>
+    <ds:schemaRef ds:uri="http://purl.org/dc/elements/1.1/"/>
+    <ds:schemaRef ds:uri="http://purl.org/dc/terms/"/>
+    <ds:schemaRef ds:uri="http://schemas.openxmlformats.org/package/2006/metadata/core-properties"/>
+    <ds:schemaRef ds:uri="7a701bdc-cd9f-45d4-a0d4-25a2b20bd704"/>
+    <ds:schemaRef ds:uri="http://purl.org/dc/dcmitype/"/>
+    <ds:schemaRef ds:uri="http://schemas.microsoft.com/office/infopath/2007/PartnerControls"/>
+    <ds:schemaRef ds:uri="http://schemas.microsoft.com/office/2006/metadata/properties"/>
+  </ds:schemaRefs>
+</ds:datastoreItem>
+</file>
+
+<file path=customXml/itemProps2.xml><?xml version="1.0" encoding="utf-8"?>
 <ds:datastoreItem xmlns:ds="http://schemas.openxmlformats.org/officeDocument/2006/customXml" ds:itemID="{F7F90BF9-4E57-46AB-8B64-A3AAEE8B040C}">
   <ds:schemaRefs>
     <ds:schemaRef ds:uri="1a303891-b730-4f3b-97a3-ea9f42070766"/>
@@ -13585,23 +16774,6 @@
 </ds:datastoreItem>
 </file>
 
-<file path=customXml/itemProps2.xml><?xml version="1.0" encoding="utf-8"?>
-<ds:datastoreItem xmlns:ds="http://schemas.openxmlformats.org/officeDocument/2006/customXml" ds:itemID="{8F67229A-346B-431C-9475-F7EC9532EF5A}">
-  <ds:schemaRefs>
-    <ds:schemaRef ds:uri="1a303891-b730-4f3b-97a3-ea9f42070766"/>
-    <ds:schemaRef ds:uri="7a701bdc-cd9f-45d4-a0d4-25a2b20bd704"/>
-    <ds:schemaRef ds:uri="http://purl.org/dc/dcmitype/"/>
-    <ds:schemaRef ds:uri="http://purl.org/dc/elements/1.1/"/>
-    <ds:schemaRef ds:uri="http://purl.org/dc/terms/"/>
-    <ds:schemaRef ds:uri="http://schemas.microsoft.com/office/2006/documentManagement/types"/>
-    <ds:schemaRef ds:uri="http://schemas.microsoft.com/office/2006/metadata/properties"/>
-    <ds:schemaRef ds:uri="http://schemas.microsoft.com/office/infopath/2007/PartnerControls"/>
-    <ds:schemaRef ds:uri="http://schemas.openxmlformats.org/package/2006/metadata/core-properties"/>
-    <ds:schemaRef ds:uri="http://www.w3.org/XML/1998/namespace"/>
-  </ds:schemaRefs>
-</ds:datastoreItem>
-</file>
-
 <file path=customXml/itemProps3.xml><?xml version="1.0" encoding="utf-8"?>
 <ds:datastoreItem xmlns:ds="http://schemas.openxmlformats.org/officeDocument/2006/customXml" ds:itemID="{61430105-7A75-42AB-ABF8-2AA674738A32}">
   <ds:schemaRefs>
